--- a/presentacion.pptx
+++ b/presentacion.pptx
@@ -2,25 +2,26 @@
 <file path=ppt/presentation.xml><?xml version="1.0" encoding="utf-8"?>
 <p:presentation xmlns:a="http://schemas.openxmlformats.org/drawingml/2006/main" xmlns:r="http://schemas.openxmlformats.org/officeDocument/2006/relationships" xmlns:p="http://schemas.openxmlformats.org/presentationml/2006/main" saveSubsetFonts="1">
   <p:sldMasterIdLst>
-    <p:sldMasterId id="2147483648" r:id="rId1"/>
+    <p:sldMasterId id="2147483690" r:id="rId4"/>
   </p:sldMasterIdLst>
   <p:sldIdLst>
-    <p:sldId id="256" r:id="rId2"/>
-    <p:sldId id="257" r:id="rId3"/>
-    <p:sldId id="258" r:id="rId4"/>
-    <p:sldId id="259" r:id="rId5"/>
-    <p:sldId id="260" r:id="rId6"/>
-    <p:sldId id="263" r:id="rId7"/>
-    <p:sldId id="262" r:id="rId8"/>
-    <p:sldId id="261" r:id="rId9"/>
+    <p:sldId id="256" r:id="rId5"/>
+    <p:sldId id="257" r:id="rId6"/>
+    <p:sldId id="258" r:id="rId7"/>
+    <p:sldId id="259" r:id="rId8"/>
+    <p:sldId id="260" r:id="rId9"/>
+    <p:sldId id="264" r:id="rId10"/>
+    <p:sldId id="263" r:id="rId11"/>
+    <p:sldId id="262" r:id="rId12"/>
+    <p:sldId id="261" r:id="rId13"/>
   </p:sldIdLst>
   <p:sldSz cx="12192000" cy="6858000"/>
   <p:notesSz cx="6858000" cy="9144000"/>
   <p:defaultTextStyle>
     <a:defPPr>
-      <a:defRPr lang="es-CL"/>
+      <a:defRPr lang="en-US"/>
     </a:defPPr>
-    <a:lvl1pPr marL="0" algn="l" defTabSz="914400" rtl="0" eaLnBrk="1" latinLnBrk="0" hangingPunct="1">
+    <a:lvl1pPr marL="0" algn="l" defTabSz="457200" rtl="0" eaLnBrk="1" latinLnBrk="0" hangingPunct="1">
       <a:defRPr sz="1800" kern="1200">
         <a:solidFill>
           <a:schemeClr val="tx1"/>
@@ -30,7 +31,7 @@
         <a:cs typeface="+mn-cs"/>
       </a:defRPr>
     </a:lvl1pPr>
-    <a:lvl2pPr marL="457200" algn="l" defTabSz="914400" rtl="0" eaLnBrk="1" latinLnBrk="0" hangingPunct="1">
+    <a:lvl2pPr marL="457200" algn="l" defTabSz="457200" rtl="0" eaLnBrk="1" latinLnBrk="0" hangingPunct="1">
       <a:defRPr sz="1800" kern="1200">
         <a:solidFill>
           <a:schemeClr val="tx1"/>
@@ -40,7 +41,7 @@
         <a:cs typeface="+mn-cs"/>
       </a:defRPr>
     </a:lvl2pPr>
-    <a:lvl3pPr marL="914400" algn="l" defTabSz="914400" rtl="0" eaLnBrk="1" latinLnBrk="0" hangingPunct="1">
+    <a:lvl3pPr marL="914400" algn="l" defTabSz="457200" rtl="0" eaLnBrk="1" latinLnBrk="0" hangingPunct="1">
       <a:defRPr sz="1800" kern="1200">
         <a:solidFill>
           <a:schemeClr val="tx1"/>
@@ -50,7 +51,7 @@
         <a:cs typeface="+mn-cs"/>
       </a:defRPr>
     </a:lvl3pPr>
-    <a:lvl4pPr marL="1371600" algn="l" defTabSz="914400" rtl="0" eaLnBrk="1" latinLnBrk="0" hangingPunct="1">
+    <a:lvl4pPr marL="1371600" algn="l" defTabSz="457200" rtl="0" eaLnBrk="1" latinLnBrk="0" hangingPunct="1">
       <a:defRPr sz="1800" kern="1200">
         <a:solidFill>
           <a:schemeClr val="tx1"/>
@@ -60,7 +61,7 @@
         <a:cs typeface="+mn-cs"/>
       </a:defRPr>
     </a:lvl4pPr>
-    <a:lvl5pPr marL="1828800" algn="l" defTabSz="914400" rtl="0" eaLnBrk="1" latinLnBrk="0" hangingPunct="1">
+    <a:lvl5pPr marL="1828800" algn="l" defTabSz="457200" rtl="0" eaLnBrk="1" latinLnBrk="0" hangingPunct="1">
       <a:defRPr sz="1800" kern="1200">
         <a:solidFill>
           <a:schemeClr val="tx1"/>
@@ -70,7 +71,7 @@
         <a:cs typeface="+mn-cs"/>
       </a:defRPr>
     </a:lvl5pPr>
-    <a:lvl6pPr marL="2286000" algn="l" defTabSz="914400" rtl="0" eaLnBrk="1" latinLnBrk="0" hangingPunct="1">
+    <a:lvl6pPr marL="2286000" algn="l" defTabSz="457200" rtl="0" eaLnBrk="1" latinLnBrk="0" hangingPunct="1">
       <a:defRPr sz="1800" kern="1200">
         <a:solidFill>
           <a:schemeClr val="tx1"/>
@@ -80,7 +81,7 @@
         <a:cs typeface="+mn-cs"/>
       </a:defRPr>
     </a:lvl6pPr>
-    <a:lvl7pPr marL="2743200" algn="l" defTabSz="914400" rtl="0" eaLnBrk="1" latinLnBrk="0" hangingPunct="1">
+    <a:lvl7pPr marL="2743200" algn="l" defTabSz="457200" rtl="0" eaLnBrk="1" latinLnBrk="0" hangingPunct="1">
       <a:defRPr sz="1800" kern="1200">
         <a:solidFill>
           <a:schemeClr val="tx1"/>
@@ -90,7 +91,7 @@
         <a:cs typeface="+mn-cs"/>
       </a:defRPr>
     </a:lvl7pPr>
-    <a:lvl8pPr marL="3200400" algn="l" defTabSz="914400" rtl="0" eaLnBrk="1" latinLnBrk="0" hangingPunct="1">
+    <a:lvl8pPr marL="3200400" algn="l" defTabSz="457200" rtl="0" eaLnBrk="1" latinLnBrk="0" hangingPunct="1">
       <a:defRPr sz="1800" kern="1200">
         <a:solidFill>
           <a:schemeClr val="tx1"/>
@@ -100,7 +101,7 @@
         <a:cs typeface="+mn-cs"/>
       </a:defRPr>
     </a:lvl8pPr>
-    <a:lvl9pPr marL="3657600" algn="l" defTabSz="914400" rtl="0" eaLnBrk="1" latinLnBrk="0" hangingPunct="1">
+    <a:lvl9pPr marL="3657600" algn="l" defTabSz="457200" rtl="0" eaLnBrk="1" latinLnBrk="0" hangingPunct="1">
       <a:defRPr sz="1800" kern="1200">
         <a:solidFill>
           <a:schemeClr val="tx1"/>
@@ -111,11 +112,16 @@
       </a:defRPr>
     </a:lvl9pPr>
   </p:defaultTextStyle>
+  <p:extLst>
+    <p:ext uri="{EFAFB233-063F-42B5-8137-9DF3F51BA10A}">
+      <p15:sldGuideLst xmlns:p15="http://schemas.microsoft.com/office/powerpoint/2012/main"/>
+    </p:ext>
+  </p:extLst>
 </p:presentation>
 </file>
 
 <file path=ppt/slideLayouts/slideLayout1.xml><?xml version="1.0" encoding="utf-8"?>
-<p:sldLayout xmlns:a="http://schemas.openxmlformats.org/drawingml/2006/main" xmlns:r="http://schemas.openxmlformats.org/officeDocument/2006/relationships" xmlns:p="http://schemas.openxmlformats.org/presentationml/2006/main" type="title" preserve="1">
+<p:sldLayout xmlns:a="http://schemas.openxmlformats.org/drawingml/2006/main" xmlns:r="http://schemas.openxmlformats.org/officeDocument/2006/relationships" xmlns:p="http://schemas.openxmlformats.org/presentationml/2006/main" showMasterSp="0" type="title" preserve="1">
   <p:cSld name="Diapositiva de título">
     <p:spTree>
       <p:nvGrpSpPr>
@@ -131,15 +137,146 @@
           <a:chExt cx="0" cy="0"/>
         </a:xfrm>
       </p:grpSpPr>
-      <p:sp>
-        <p:nvSpPr>
-          <p:cNvPr id="2" name="Título 1">
-            <a:extLst>
-              <a:ext uri="{FF2B5EF4-FFF2-40B4-BE49-F238E27FC236}">
-                <a16:creationId xmlns:a16="http://schemas.microsoft.com/office/drawing/2014/main" id="{3902B78D-0CFC-AEA3-2A4F-0AAE6CF0AEFE}"/>
-              </a:ext>
-            </a:extLst>
-          </p:cNvPr>
+      <p:grpSp>
+        <p:nvGrpSpPr>
+          <p:cNvPr id="7" name="Group 6"/>
+          <p:cNvGrpSpPr/>
+          <p:nvPr/>
+        </p:nvGrpSpPr>
+        <p:grpSpPr>
+          <a:xfrm>
+            <a:off x="-16934" y="0"/>
+            <a:ext cx="12231160" cy="6856214"/>
+            <a:chOff x="-16934" y="0"/>
+            <a:chExt cx="12231160" cy="6856214"/>
+          </a:xfrm>
+        </p:grpSpPr>
+        <p:pic>
+          <p:nvPicPr>
+            <p:cNvPr id="16" name="Picture 15" descr="HD-PanelTitleR1.png"/>
+            <p:cNvPicPr>
+              <a:picLocks noChangeAspect="1"/>
+            </p:cNvPicPr>
+            <p:nvPr/>
+          </p:nvPicPr>
+          <p:blipFill>
+            <a:blip r:embed="rId2">
+              <a:extLst>
+                <a:ext uri="{28A0092B-C50C-407E-A947-70E740481C1C}">
+                  <a14:useLocalDpi xmlns:a14="http://schemas.microsoft.com/office/drawing/2010/main" val="0"/>
+                </a:ext>
+              </a:extLst>
+            </a:blip>
+            <a:stretch>
+              <a:fillRect/>
+            </a:stretch>
+          </p:blipFill>
+          <p:spPr>
+            <a:xfrm>
+              <a:off x="0" y="0"/>
+              <a:ext cx="12188825" cy="6856214"/>
+            </a:xfrm>
+            <a:prstGeom prst="rect">
+              <a:avLst/>
+            </a:prstGeom>
+          </p:spPr>
+        </p:pic>
+        <p:sp>
+          <p:nvSpPr>
+            <p:cNvPr id="26" name="Rectangle 25"/>
+            <p:cNvSpPr/>
+            <p:nvPr/>
+          </p:nvSpPr>
+          <p:spPr>
+            <a:xfrm>
+              <a:off x="2328332" y="1540931"/>
+              <a:ext cx="7543802" cy="3835401"/>
+            </a:xfrm>
+            <a:prstGeom prst="rect">
+              <a:avLst/>
+            </a:prstGeom>
+            <a:noFill/>
+            <a:ln w="15875">
+              <a:miter lim="800000"/>
+            </a:ln>
+          </p:spPr>
+          <p:style>
+            <a:lnRef idx="1">
+              <a:schemeClr val="accent1"/>
+            </a:lnRef>
+            <a:fillRef idx="3">
+              <a:schemeClr val="accent1"/>
+            </a:fillRef>
+            <a:effectRef idx="2">
+              <a:schemeClr val="accent1"/>
+            </a:effectRef>
+            <a:fontRef idx="minor">
+              <a:schemeClr val="lt1"/>
+            </a:fontRef>
+          </p:style>
+        </p:sp>
+        <p:pic>
+          <p:nvPicPr>
+            <p:cNvPr id="17" name="Picture 16" descr="HDRibbonTitle-UniformTrim.png"/>
+            <p:cNvPicPr>
+              <a:picLocks noChangeAspect="1"/>
+            </p:cNvPicPr>
+            <p:nvPr/>
+          </p:nvPicPr>
+          <p:blipFill rotWithShape="1">
+            <a:blip r:embed="rId3">
+              <a:extLst>
+                <a:ext uri="{28A0092B-C50C-407E-A947-70E740481C1C}">
+                  <a14:useLocalDpi xmlns:a14="http://schemas.microsoft.com/office/drawing/2010/main" val="0"/>
+                </a:ext>
+              </a:extLst>
+            </a:blip>
+            <a:srcRect/>
+            <a:stretch/>
+          </p:blipFill>
+          <p:spPr>
+            <a:xfrm>
+              <a:off x="-16934" y="3147609"/>
+              <a:ext cx="2478024" cy="612648"/>
+            </a:xfrm>
+            <a:prstGeom prst="rect">
+              <a:avLst/>
+            </a:prstGeom>
+          </p:spPr>
+        </p:pic>
+        <p:pic>
+          <p:nvPicPr>
+            <p:cNvPr id="20" name="Picture 19" descr="HDRibbonTitle-UniformTrim.png"/>
+            <p:cNvPicPr>
+              <a:picLocks noChangeAspect="1"/>
+            </p:cNvPicPr>
+            <p:nvPr/>
+          </p:nvPicPr>
+          <p:blipFill rotWithShape="1">
+            <a:blip r:embed="rId3">
+              <a:extLst>
+                <a:ext uri="{28A0092B-C50C-407E-A947-70E740481C1C}">
+                  <a14:useLocalDpi xmlns:a14="http://schemas.microsoft.com/office/drawing/2010/main" val="0"/>
+                </a:ext>
+              </a:extLst>
+            </a:blip>
+            <a:srcRect/>
+            <a:stretch/>
+          </p:blipFill>
+          <p:spPr>
+            <a:xfrm>
+              <a:off x="9736202" y="3147609"/>
+              <a:ext cx="2478024" cy="612648"/>
+            </a:xfrm>
+            <a:prstGeom prst="rect">
+              <a:avLst/>
+            </a:prstGeom>
+          </p:spPr>
+        </p:pic>
+      </p:grpSp>
+      <p:sp>
+        <p:nvSpPr>
+          <p:cNvPr id="2" name="Title 1"/>
           <p:cNvSpPr>
             <a:spLocks noGrp="1"/>
           </p:cNvSpPr>
@@ -149,15 +286,19 @@
         </p:nvSpPr>
         <p:spPr>
           <a:xfrm>
-            <a:off x="1524000" y="1122363"/>
-            <a:ext cx="9144000" cy="2387600"/>
+            <a:off x="2692398" y="1871131"/>
+            <a:ext cx="6815669" cy="1515533"/>
           </a:xfrm>
         </p:spPr>
         <p:txBody>
-          <a:bodyPr anchor="b"/>
+          <a:bodyPr anchor="b">
+            <a:noAutofit/>
+          </a:bodyPr>
           <a:lstStyle>
             <a:lvl1pPr algn="ctr">
-              <a:defRPr sz="6000"/>
+              <a:defRPr sz="5400">
+                <a:effectLst/>
+              </a:defRPr>
             </a:lvl1pPr>
           </a:lstStyle>
           <a:p>
@@ -165,19 +306,13 @@
               <a:rPr lang="es-ES"/>
               <a:t>Haga clic para modificar el estilo de título del patrón</a:t>
             </a:r>
-            <a:endParaRPr lang="es-CL"/>
-          </a:p>
-        </p:txBody>
-      </p:sp>
-      <p:sp>
-        <p:nvSpPr>
-          <p:cNvPr id="3" name="Subtítulo 2">
-            <a:extLst>
-              <a:ext uri="{FF2B5EF4-FFF2-40B4-BE49-F238E27FC236}">
-                <a16:creationId xmlns:a16="http://schemas.microsoft.com/office/drawing/2014/main" id="{AF1D8093-1E9F-40E4-3B54-380D24B02B6F}"/>
-              </a:ext>
-            </a:extLst>
-          </p:cNvPr>
+            <a:endParaRPr lang="en-US" dirty="0"/>
+          </a:p>
+        </p:txBody>
+      </p:sp>
+      <p:sp>
+        <p:nvSpPr>
+          <p:cNvPr id="3" name="Subtitle 2"/>
           <p:cNvSpPr>
             <a:spLocks noGrp="1"/>
           </p:cNvSpPr>
@@ -187,48 +322,102 @@
         </p:nvSpPr>
         <p:spPr>
           <a:xfrm>
-            <a:off x="1524000" y="3602038"/>
-            <a:ext cx="9144000" cy="1655762"/>
+            <a:off x="2692398" y="3657597"/>
+            <a:ext cx="6815669" cy="1320802"/>
           </a:xfrm>
         </p:spPr>
         <p:txBody>
-          <a:bodyPr/>
+          <a:bodyPr anchor="t">
+            <a:normAutofit/>
+          </a:bodyPr>
           <a:lstStyle>
             <a:lvl1pPr marL="0" indent="0" algn="ctr">
               <a:buNone/>
-              <a:defRPr sz="2400"/>
+              <a:defRPr sz="2100">
+                <a:solidFill>
+                  <a:schemeClr val="tx1"/>
+                </a:solidFill>
+              </a:defRPr>
             </a:lvl1pPr>
             <a:lvl2pPr marL="457200" indent="0" algn="ctr">
               <a:buNone/>
-              <a:defRPr sz="2000"/>
+              <a:defRPr>
+                <a:solidFill>
+                  <a:schemeClr val="tx1">
+                    <a:tint val="75000"/>
+                  </a:schemeClr>
+                </a:solidFill>
+              </a:defRPr>
             </a:lvl2pPr>
             <a:lvl3pPr marL="914400" indent="0" algn="ctr">
               <a:buNone/>
-              <a:defRPr sz="1800"/>
+              <a:defRPr>
+                <a:solidFill>
+                  <a:schemeClr val="tx1">
+                    <a:tint val="75000"/>
+                  </a:schemeClr>
+                </a:solidFill>
+              </a:defRPr>
             </a:lvl3pPr>
             <a:lvl4pPr marL="1371600" indent="0" algn="ctr">
               <a:buNone/>
-              <a:defRPr sz="1600"/>
+              <a:defRPr>
+                <a:solidFill>
+                  <a:schemeClr val="tx1">
+                    <a:tint val="75000"/>
+                  </a:schemeClr>
+                </a:solidFill>
+              </a:defRPr>
             </a:lvl4pPr>
             <a:lvl5pPr marL="1828800" indent="0" algn="ctr">
               <a:buNone/>
-              <a:defRPr sz="1600"/>
+              <a:defRPr>
+                <a:solidFill>
+                  <a:schemeClr val="tx1">
+                    <a:tint val="75000"/>
+                  </a:schemeClr>
+                </a:solidFill>
+              </a:defRPr>
             </a:lvl5pPr>
             <a:lvl6pPr marL="2286000" indent="0" algn="ctr">
               <a:buNone/>
-              <a:defRPr sz="1600"/>
+              <a:defRPr>
+                <a:solidFill>
+                  <a:schemeClr val="tx1">
+                    <a:tint val="75000"/>
+                  </a:schemeClr>
+                </a:solidFill>
+              </a:defRPr>
             </a:lvl6pPr>
             <a:lvl7pPr marL="2743200" indent="0" algn="ctr">
               <a:buNone/>
-              <a:defRPr sz="1600"/>
+              <a:defRPr>
+                <a:solidFill>
+                  <a:schemeClr val="tx1">
+                    <a:tint val="75000"/>
+                  </a:schemeClr>
+                </a:solidFill>
+              </a:defRPr>
             </a:lvl7pPr>
             <a:lvl8pPr marL="3200400" indent="0" algn="ctr">
               <a:buNone/>
-              <a:defRPr sz="1600"/>
+              <a:defRPr>
+                <a:solidFill>
+                  <a:schemeClr val="tx1">
+                    <a:tint val="75000"/>
+                  </a:schemeClr>
+                </a:solidFill>
+              </a:defRPr>
             </a:lvl8pPr>
             <a:lvl9pPr marL="3657600" indent="0" algn="ctr">
               <a:buNone/>
-              <a:defRPr sz="1600"/>
+              <a:defRPr>
+                <a:solidFill>
+                  <a:schemeClr val="tx1">
+                    <a:tint val="75000"/>
+                  </a:schemeClr>
+                </a:solidFill>
+              </a:defRPr>
             </a:lvl9pPr>
           </a:lstStyle>
           <a:p>
@@ -236,19 +425,13 @@
               <a:rPr lang="es-ES"/>
               <a:t>Haga clic para modificar el estilo de subtítulo del patrón</a:t>
             </a:r>
-            <a:endParaRPr lang="es-CL"/>
-          </a:p>
-        </p:txBody>
-      </p:sp>
-      <p:sp>
-        <p:nvSpPr>
-          <p:cNvPr id="4" name="Marcador de fecha 3">
-            <a:extLst>
-              <a:ext uri="{FF2B5EF4-FFF2-40B4-BE49-F238E27FC236}">
-                <a16:creationId xmlns:a16="http://schemas.microsoft.com/office/drawing/2014/main" id="{0A8B2523-238D-A428-A4D4-6E3B06BAF00B}"/>
-              </a:ext>
-            </a:extLst>
-          </p:cNvPr>
+            <a:endParaRPr lang="en-US" dirty="0"/>
+          </a:p>
+        </p:txBody>
+      </p:sp>
+      <p:sp>
+        <p:nvSpPr>
+          <p:cNvPr id="4" name="Date Placeholder 3"/>
           <p:cNvSpPr>
             <a:spLocks noGrp="1"/>
           </p:cNvSpPr>
@@ -256,14 +439,19 @@
             <p:ph type="dt" sz="half" idx="10"/>
           </p:nvPr>
         </p:nvSpPr>
-        <p:spPr/>
+        <p:spPr>
+          <a:xfrm>
+            <a:off x="7983232" y="5037663"/>
+            <a:ext cx="897467" cy="279400"/>
+          </a:xfrm>
+        </p:spPr>
         <p:txBody>
           <a:bodyPr/>
           <a:lstStyle/>
           <a:p>
             <a:fld id="{7572CA1D-0F2F-4863-9FA1-F22AF1696BC3}" type="datetimeFigureOut">
               <a:rPr lang="es-CL" smtClean="0"/>
-              <a:t>01-12-2022</a:t>
+              <a:t>02-12-2022</a:t>
             </a:fld>
             <a:endParaRPr lang="es-CL"/>
           </a:p>
@@ -271,13 +459,7 @@
       </p:sp>
       <p:sp>
         <p:nvSpPr>
-          <p:cNvPr id="5" name="Marcador de pie de página 4">
-            <a:extLst>
-              <a:ext uri="{FF2B5EF4-FFF2-40B4-BE49-F238E27FC236}">
-                <a16:creationId xmlns:a16="http://schemas.microsoft.com/office/drawing/2014/main" id="{3D8C112C-131E-4A9A-F08B-50340040DF86}"/>
-              </a:ext>
-            </a:extLst>
-          </p:cNvPr>
+          <p:cNvPr id="5" name="Footer Placeholder 4"/>
           <p:cNvSpPr>
             <a:spLocks noGrp="1"/>
           </p:cNvSpPr>
@@ -285,7 +467,12 @@
             <p:ph type="ftr" sz="quarter" idx="11"/>
           </p:nvPr>
         </p:nvSpPr>
-        <p:spPr/>
+        <p:spPr>
+          <a:xfrm>
+            <a:off x="2692397" y="5037663"/>
+            <a:ext cx="5214635" cy="279400"/>
+          </a:xfrm>
+        </p:spPr>
         <p:txBody>
           <a:bodyPr/>
           <a:lstStyle/>
@@ -296,13 +483,7 @@
       </p:sp>
       <p:sp>
         <p:nvSpPr>
-          <p:cNvPr id="6" name="Marcador de número de diapositiva 5">
-            <a:extLst>
-              <a:ext uri="{FF2B5EF4-FFF2-40B4-BE49-F238E27FC236}">
-                <a16:creationId xmlns:a16="http://schemas.microsoft.com/office/drawing/2014/main" id="{7E713D1D-D648-4305-839F-9FE2CEDC658E}"/>
-              </a:ext>
-            </a:extLst>
-          </p:cNvPr>
+          <p:cNvPr id="6" name="Slide Number Placeholder 5"/>
           <p:cNvSpPr>
             <a:spLocks noGrp="1"/>
           </p:cNvSpPr>
@@ -310,7 +491,12 @@
             <p:ph type="sldNum" sz="quarter" idx="12"/>
           </p:nvPr>
         </p:nvSpPr>
-        <p:spPr/>
+        <p:spPr>
+          <a:xfrm>
+            <a:off x="8956900" y="5037663"/>
+            <a:ext cx="551167" cy="279400"/>
+          </a:xfrm>
+        </p:spPr>
         <p:txBody>
           <a:bodyPr/>
           <a:lstStyle/>
@@ -323,10 +509,40 @@
           </a:p>
         </p:txBody>
       </p:sp>
+      <p:cxnSp>
+        <p:nvCxnSpPr>
+          <p:cNvPr id="15" name="Straight Connector 14"/>
+          <p:cNvCxnSpPr/>
+          <p:nvPr/>
+        </p:nvCxnSpPr>
+        <p:spPr>
+          <a:xfrm>
+            <a:off x="2692399" y="3522131"/>
+            <a:ext cx="6815668" cy="0"/>
+          </a:xfrm>
+          <a:prstGeom prst="line">
+            <a:avLst/>
+          </a:prstGeom>
+        </p:spPr>
+        <p:style>
+          <a:lnRef idx="2">
+            <a:schemeClr val="accent1"/>
+          </a:lnRef>
+          <a:fillRef idx="0">
+            <a:schemeClr val="accent1"/>
+          </a:fillRef>
+          <a:effectRef idx="1">
+            <a:schemeClr val="accent1"/>
+          </a:effectRef>
+          <a:fontRef idx="minor">
+            <a:schemeClr val="tx1"/>
+          </a:fontRef>
+        </p:style>
+      </p:cxnSp>
     </p:spTree>
     <p:extLst>
       <p:ext uri="{BB962C8B-B14F-4D97-AF65-F5344CB8AC3E}">
-        <p14:creationId xmlns:p14="http://schemas.microsoft.com/office/powerpoint/2010/main" val="2723265867"/>
+        <p14:creationId xmlns:p14="http://schemas.microsoft.com/office/powerpoint/2010/main" val="3925588950"/>
       </p:ext>
     </p:extLst>
   </p:cSld>
@@ -337,6 +553,2099 @@
 </file>
 
 <file path=ppt/slideLayouts/slideLayout10.xml><?xml version="1.0" encoding="utf-8"?>
+<p:sldLayout xmlns:a="http://schemas.openxmlformats.org/drawingml/2006/main" xmlns:r="http://schemas.openxmlformats.org/officeDocument/2006/relationships" xmlns:p="http://schemas.openxmlformats.org/presentationml/2006/main" preserve="1">
+  <p:cSld name="Imagen panorámica con descripción">
+    <p:spTree>
+      <p:nvGrpSpPr>
+        <p:cNvPr id="1" name=""/>
+        <p:cNvGrpSpPr/>
+        <p:nvPr/>
+      </p:nvGrpSpPr>
+      <p:grpSpPr>
+        <a:xfrm>
+          <a:off x="0" y="0"/>
+          <a:ext cx="0" cy="0"/>
+          <a:chOff x="0" y="0"/>
+          <a:chExt cx="0" cy="0"/>
+        </a:xfrm>
+      </p:grpSpPr>
+      <p:sp>
+        <p:nvSpPr>
+          <p:cNvPr id="2" name="Title 1"/>
+          <p:cNvSpPr>
+            <a:spLocks noGrp="1"/>
+          </p:cNvSpPr>
+          <p:nvPr>
+            <p:ph type="title"/>
+          </p:nvPr>
+        </p:nvSpPr>
+        <p:spPr>
+          <a:xfrm>
+            <a:off x="1295401" y="4815415"/>
+            <a:ext cx="9609666" cy="566738"/>
+          </a:xfrm>
+        </p:spPr>
+        <p:txBody>
+          <a:bodyPr anchor="b">
+            <a:normAutofit/>
+          </a:bodyPr>
+          <a:lstStyle>
+            <a:lvl1pPr algn="ctr">
+              <a:defRPr sz="2400" b="0"/>
+            </a:lvl1pPr>
+          </a:lstStyle>
+          <a:p>
+            <a:r>
+              <a:rPr lang="es-ES"/>
+              <a:t>Haga clic para modificar el estilo de título del patrón</a:t>
+            </a:r>
+            <a:endParaRPr lang="en-US" dirty="0"/>
+          </a:p>
+        </p:txBody>
+      </p:sp>
+      <p:sp>
+        <p:nvSpPr>
+          <p:cNvPr id="3" name="Picture Placeholder 2"/>
+          <p:cNvSpPr>
+            <a:spLocks noGrp="1" noChangeAspect="1"/>
+          </p:cNvSpPr>
+          <p:nvPr>
+            <p:ph type="pic" idx="1"/>
+          </p:nvPr>
+        </p:nvSpPr>
+        <p:spPr>
+          <a:xfrm>
+            <a:off x="1041427" y="1041399"/>
+            <a:ext cx="10105972" cy="3335869"/>
+          </a:xfrm>
+          <a:prstGeom prst="roundRect">
+            <a:avLst>
+              <a:gd name="adj" fmla="val 0"/>
+            </a:avLst>
+          </a:prstGeom>
+          <a:ln w="57150" cmpd="thickThin">
+            <a:solidFill>
+              <a:schemeClr val="tx1">
+                <a:lumMod val="50000"/>
+                <a:lumOff val="50000"/>
+              </a:schemeClr>
+            </a:solidFill>
+            <a:miter lim="800000"/>
+          </a:ln>
+          <a:effectLst>
+            <a:innerShdw blurRad="57150" dist="38100" dir="14460000">
+              <a:srgbClr val="000000">
+                <a:alpha val="70000"/>
+              </a:srgbClr>
+            </a:innerShdw>
+          </a:effectLst>
+        </p:spPr>
+        <p:txBody>
+          <a:bodyPr anchor="t">
+            <a:normAutofit/>
+          </a:bodyPr>
+          <a:lstStyle>
+            <a:lvl1pPr marL="0" indent="0" algn="ctr">
+              <a:buNone/>
+              <a:defRPr sz="1600"/>
+            </a:lvl1pPr>
+            <a:lvl2pPr marL="457200" indent="0">
+              <a:buNone/>
+              <a:defRPr sz="1600"/>
+            </a:lvl2pPr>
+            <a:lvl3pPr marL="914400" indent="0">
+              <a:buNone/>
+              <a:defRPr sz="1600"/>
+            </a:lvl3pPr>
+            <a:lvl4pPr marL="1371600" indent="0">
+              <a:buNone/>
+              <a:defRPr sz="1600"/>
+            </a:lvl4pPr>
+            <a:lvl5pPr marL="1828800" indent="0">
+              <a:buNone/>
+              <a:defRPr sz="1600"/>
+            </a:lvl5pPr>
+            <a:lvl6pPr marL="2286000" indent="0">
+              <a:buNone/>
+              <a:defRPr sz="1600"/>
+            </a:lvl6pPr>
+            <a:lvl7pPr marL="2743200" indent="0">
+              <a:buNone/>
+              <a:defRPr sz="1600"/>
+            </a:lvl7pPr>
+            <a:lvl8pPr marL="3200400" indent="0">
+              <a:buNone/>
+              <a:defRPr sz="1600"/>
+            </a:lvl8pPr>
+            <a:lvl9pPr marL="3657600" indent="0">
+              <a:buNone/>
+              <a:defRPr sz="1600"/>
+            </a:lvl9pPr>
+          </a:lstStyle>
+          <a:p>
+            <a:r>
+              <a:rPr lang="es-ES"/>
+              <a:t>Haga clic en el icono para agregar una imagen</a:t>
+            </a:r>
+            <a:endParaRPr lang="en-US" dirty="0"/>
+          </a:p>
+        </p:txBody>
+      </p:sp>
+      <p:sp>
+        <p:nvSpPr>
+          <p:cNvPr id="4" name="Text Placeholder 3"/>
+          <p:cNvSpPr>
+            <a:spLocks noGrp="1"/>
+          </p:cNvSpPr>
+          <p:nvPr>
+            <p:ph type="body" sz="half" idx="2"/>
+          </p:nvPr>
+        </p:nvSpPr>
+        <p:spPr>
+          <a:xfrm>
+            <a:off x="1295401" y="5382153"/>
+            <a:ext cx="9609666" cy="493712"/>
+          </a:xfrm>
+        </p:spPr>
+        <p:txBody>
+          <a:bodyPr>
+            <a:normAutofit/>
+          </a:bodyPr>
+          <a:lstStyle>
+            <a:lvl1pPr marL="0" indent="0" algn="ctr">
+              <a:buNone/>
+              <a:defRPr sz="1400"/>
+            </a:lvl1pPr>
+            <a:lvl2pPr marL="457200" indent="0">
+              <a:buNone/>
+              <a:defRPr sz="1200"/>
+            </a:lvl2pPr>
+            <a:lvl3pPr marL="914400" indent="0">
+              <a:buNone/>
+              <a:defRPr sz="1000"/>
+            </a:lvl3pPr>
+            <a:lvl4pPr marL="1371600" indent="0">
+              <a:buNone/>
+              <a:defRPr sz="900"/>
+            </a:lvl4pPr>
+            <a:lvl5pPr marL="1828800" indent="0">
+              <a:buNone/>
+              <a:defRPr sz="900"/>
+            </a:lvl5pPr>
+            <a:lvl6pPr marL="2286000" indent="0">
+              <a:buNone/>
+              <a:defRPr sz="900"/>
+            </a:lvl6pPr>
+            <a:lvl7pPr marL="2743200" indent="0">
+              <a:buNone/>
+              <a:defRPr sz="900"/>
+            </a:lvl7pPr>
+            <a:lvl8pPr marL="3200400" indent="0">
+              <a:buNone/>
+              <a:defRPr sz="900"/>
+            </a:lvl8pPr>
+            <a:lvl9pPr marL="3657600" indent="0">
+              <a:buNone/>
+              <a:defRPr sz="900"/>
+            </a:lvl9pPr>
+          </a:lstStyle>
+          <a:p>
+            <a:pPr lvl="0"/>
+            <a:r>
+              <a:rPr lang="es-ES"/>
+              <a:t>Haga clic para modificar los estilos de texto del patrón</a:t>
+            </a:r>
+          </a:p>
+        </p:txBody>
+      </p:sp>
+      <p:sp>
+        <p:nvSpPr>
+          <p:cNvPr id="5" name="Date Placeholder 4"/>
+          <p:cNvSpPr>
+            <a:spLocks noGrp="1"/>
+          </p:cNvSpPr>
+          <p:nvPr>
+            <p:ph type="dt" sz="half" idx="10"/>
+          </p:nvPr>
+        </p:nvSpPr>
+        <p:spPr/>
+        <p:txBody>
+          <a:bodyPr/>
+          <a:lstStyle/>
+          <a:p>
+            <a:fld id="{7572CA1D-0F2F-4863-9FA1-F22AF1696BC3}" type="datetimeFigureOut">
+              <a:rPr lang="es-CL" smtClean="0"/>
+              <a:t>02-12-2022</a:t>
+            </a:fld>
+            <a:endParaRPr lang="es-CL"/>
+          </a:p>
+        </p:txBody>
+      </p:sp>
+      <p:sp>
+        <p:nvSpPr>
+          <p:cNvPr id="6" name="Footer Placeholder 5"/>
+          <p:cNvSpPr>
+            <a:spLocks noGrp="1"/>
+          </p:cNvSpPr>
+          <p:nvPr>
+            <p:ph type="ftr" sz="quarter" idx="11"/>
+          </p:nvPr>
+        </p:nvSpPr>
+        <p:spPr/>
+        <p:txBody>
+          <a:bodyPr/>
+          <a:lstStyle/>
+          <a:p>
+            <a:endParaRPr lang="es-CL"/>
+          </a:p>
+        </p:txBody>
+      </p:sp>
+      <p:sp>
+        <p:nvSpPr>
+          <p:cNvPr id="7" name="Slide Number Placeholder 6"/>
+          <p:cNvSpPr>
+            <a:spLocks noGrp="1"/>
+          </p:cNvSpPr>
+          <p:nvPr>
+            <p:ph type="sldNum" sz="quarter" idx="12"/>
+          </p:nvPr>
+        </p:nvSpPr>
+        <p:spPr/>
+        <p:txBody>
+          <a:bodyPr/>
+          <a:lstStyle/>
+          <a:p>
+            <a:fld id="{8E72EABE-7279-4B2C-A70A-79951A8C2769}" type="slidenum">
+              <a:rPr lang="es-CL" smtClean="0"/>
+              <a:t>‹Nº›</a:t>
+            </a:fld>
+            <a:endParaRPr lang="es-CL"/>
+          </a:p>
+        </p:txBody>
+      </p:sp>
+    </p:spTree>
+    <p:extLst>
+      <p:ext uri="{BB962C8B-B14F-4D97-AF65-F5344CB8AC3E}">
+        <p14:creationId xmlns:p14="http://schemas.microsoft.com/office/powerpoint/2010/main" val="482036896"/>
+      </p:ext>
+    </p:extLst>
+  </p:cSld>
+  <p:clrMapOvr>
+    <a:masterClrMapping/>
+  </p:clrMapOvr>
+</p:sldLayout>
+</file>
+
+<file path=ppt/slideLayouts/slideLayout11.xml><?xml version="1.0" encoding="utf-8"?>
+<p:sldLayout xmlns:a="http://schemas.openxmlformats.org/drawingml/2006/main" xmlns:r="http://schemas.openxmlformats.org/officeDocument/2006/relationships" xmlns:p="http://schemas.openxmlformats.org/presentationml/2006/main" preserve="1">
+  <p:cSld name="Título y descripción">
+    <p:spTree>
+      <p:nvGrpSpPr>
+        <p:cNvPr id="1" name=""/>
+        <p:cNvGrpSpPr/>
+        <p:nvPr/>
+      </p:nvGrpSpPr>
+      <p:grpSpPr>
+        <a:xfrm>
+          <a:off x="0" y="0"/>
+          <a:ext cx="0" cy="0"/>
+          <a:chOff x="0" y="0"/>
+          <a:chExt cx="0" cy="0"/>
+        </a:xfrm>
+      </p:grpSpPr>
+      <p:sp>
+        <p:nvSpPr>
+          <p:cNvPr id="2" name="Title 1"/>
+          <p:cNvSpPr>
+            <a:spLocks noGrp="1"/>
+          </p:cNvSpPr>
+          <p:nvPr>
+            <p:ph type="title"/>
+          </p:nvPr>
+        </p:nvSpPr>
+        <p:spPr>
+          <a:xfrm>
+            <a:off x="1303868" y="982132"/>
+            <a:ext cx="9592732" cy="2954868"/>
+          </a:xfrm>
+        </p:spPr>
+        <p:txBody>
+          <a:bodyPr anchor="ctr">
+            <a:normAutofit/>
+          </a:bodyPr>
+          <a:lstStyle>
+            <a:lvl1pPr algn="ctr">
+              <a:defRPr sz="3200" b="0" cap="none"/>
+            </a:lvl1pPr>
+          </a:lstStyle>
+          <a:p>
+            <a:r>
+              <a:rPr lang="es-ES"/>
+              <a:t>Haga clic para modificar el estilo de título del patrón</a:t>
+            </a:r>
+            <a:endParaRPr lang="en-US" dirty="0"/>
+          </a:p>
+        </p:txBody>
+      </p:sp>
+      <p:sp>
+        <p:nvSpPr>
+          <p:cNvPr id="3" name="Text Placeholder 2"/>
+          <p:cNvSpPr>
+            <a:spLocks noGrp="1"/>
+          </p:cNvSpPr>
+          <p:nvPr>
+            <p:ph type="body" idx="1"/>
+          </p:nvPr>
+        </p:nvSpPr>
+        <p:spPr>
+          <a:xfrm>
+            <a:off x="1303868" y="4343399"/>
+            <a:ext cx="9592732" cy="1532467"/>
+          </a:xfrm>
+        </p:spPr>
+        <p:txBody>
+          <a:bodyPr anchor="ctr">
+            <a:normAutofit/>
+          </a:bodyPr>
+          <a:lstStyle>
+            <a:lvl1pPr marL="0" indent="0" algn="ctr">
+              <a:buNone/>
+              <a:defRPr sz="2000">
+                <a:solidFill>
+                  <a:schemeClr val="tx1"/>
+                </a:solidFill>
+              </a:defRPr>
+            </a:lvl1pPr>
+            <a:lvl2pPr marL="457200" indent="0">
+              <a:buNone/>
+              <a:defRPr sz="1800">
+                <a:solidFill>
+                  <a:schemeClr val="tx1">
+                    <a:tint val="75000"/>
+                  </a:schemeClr>
+                </a:solidFill>
+              </a:defRPr>
+            </a:lvl2pPr>
+            <a:lvl3pPr marL="914400" indent="0">
+              <a:buNone/>
+              <a:defRPr sz="1600">
+                <a:solidFill>
+                  <a:schemeClr val="tx1">
+                    <a:tint val="75000"/>
+                  </a:schemeClr>
+                </a:solidFill>
+              </a:defRPr>
+            </a:lvl3pPr>
+            <a:lvl4pPr marL="1371600" indent="0">
+              <a:buNone/>
+              <a:defRPr sz="1400">
+                <a:solidFill>
+                  <a:schemeClr val="tx1">
+                    <a:tint val="75000"/>
+                  </a:schemeClr>
+                </a:solidFill>
+              </a:defRPr>
+            </a:lvl4pPr>
+            <a:lvl5pPr marL="1828800" indent="0">
+              <a:buNone/>
+              <a:defRPr sz="1400">
+                <a:solidFill>
+                  <a:schemeClr val="tx1">
+                    <a:tint val="75000"/>
+                  </a:schemeClr>
+                </a:solidFill>
+              </a:defRPr>
+            </a:lvl5pPr>
+            <a:lvl6pPr marL="2286000" indent="0">
+              <a:buNone/>
+              <a:defRPr sz="1400">
+                <a:solidFill>
+                  <a:schemeClr val="tx1">
+                    <a:tint val="75000"/>
+                  </a:schemeClr>
+                </a:solidFill>
+              </a:defRPr>
+            </a:lvl6pPr>
+            <a:lvl7pPr marL="2743200" indent="0">
+              <a:buNone/>
+              <a:defRPr sz="1400">
+                <a:solidFill>
+                  <a:schemeClr val="tx1">
+                    <a:tint val="75000"/>
+                  </a:schemeClr>
+                </a:solidFill>
+              </a:defRPr>
+            </a:lvl7pPr>
+            <a:lvl8pPr marL="3200400" indent="0">
+              <a:buNone/>
+              <a:defRPr sz="1400">
+                <a:solidFill>
+                  <a:schemeClr val="tx1">
+                    <a:tint val="75000"/>
+                  </a:schemeClr>
+                </a:solidFill>
+              </a:defRPr>
+            </a:lvl8pPr>
+            <a:lvl9pPr marL="3657600" indent="0">
+              <a:buNone/>
+              <a:defRPr sz="1400">
+                <a:solidFill>
+                  <a:schemeClr val="tx1">
+                    <a:tint val="75000"/>
+                  </a:schemeClr>
+                </a:solidFill>
+              </a:defRPr>
+            </a:lvl9pPr>
+          </a:lstStyle>
+          <a:p>
+            <a:pPr lvl="0"/>
+            <a:r>
+              <a:rPr lang="es-ES"/>
+              <a:t>Haga clic para modificar los estilos de texto del patrón</a:t>
+            </a:r>
+          </a:p>
+        </p:txBody>
+      </p:sp>
+      <p:sp>
+        <p:nvSpPr>
+          <p:cNvPr id="4" name="Date Placeholder 3"/>
+          <p:cNvSpPr>
+            <a:spLocks noGrp="1"/>
+          </p:cNvSpPr>
+          <p:nvPr>
+            <p:ph type="dt" sz="half" idx="10"/>
+          </p:nvPr>
+        </p:nvSpPr>
+        <p:spPr/>
+        <p:txBody>
+          <a:bodyPr/>
+          <a:lstStyle/>
+          <a:p>
+            <a:fld id="{7572CA1D-0F2F-4863-9FA1-F22AF1696BC3}" type="datetimeFigureOut">
+              <a:rPr lang="es-CL" smtClean="0"/>
+              <a:t>02-12-2022</a:t>
+            </a:fld>
+            <a:endParaRPr lang="es-CL"/>
+          </a:p>
+        </p:txBody>
+      </p:sp>
+      <p:sp>
+        <p:nvSpPr>
+          <p:cNvPr id="5" name="Footer Placeholder 4"/>
+          <p:cNvSpPr>
+            <a:spLocks noGrp="1"/>
+          </p:cNvSpPr>
+          <p:nvPr>
+            <p:ph type="ftr" sz="quarter" idx="11"/>
+          </p:nvPr>
+        </p:nvSpPr>
+        <p:spPr/>
+        <p:txBody>
+          <a:bodyPr/>
+          <a:lstStyle/>
+          <a:p>
+            <a:endParaRPr lang="es-CL"/>
+          </a:p>
+        </p:txBody>
+      </p:sp>
+      <p:sp>
+        <p:nvSpPr>
+          <p:cNvPr id="6" name="Slide Number Placeholder 5"/>
+          <p:cNvSpPr>
+            <a:spLocks noGrp="1"/>
+          </p:cNvSpPr>
+          <p:nvPr>
+            <p:ph type="sldNum" sz="quarter" idx="12"/>
+          </p:nvPr>
+        </p:nvSpPr>
+        <p:spPr/>
+        <p:txBody>
+          <a:bodyPr/>
+          <a:lstStyle/>
+          <a:p>
+            <a:fld id="{8E72EABE-7279-4B2C-A70A-79951A8C2769}" type="slidenum">
+              <a:rPr lang="es-CL" smtClean="0"/>
+              <a:t>‹Nº›</a:t>
+            </a:fld>
+            <a:endParaRPr lang="es-CL"/>
+          </a:p>
+        </p:txBody>
+      </p:sp>
+      <p:cxnSp>
+        <p:nvCxnSpPr>
+          <p:cNvPr id="15" name="Straight Connector 14"/>
+          <p:cNvCxnSpPr/>
+          <p:nvPr/>
+        </p:nvCxnSpPr>
+        <p:spPr>
+          <a:xfrm>
+            <a:off x="1396169" y="4140199"/>
+            <a:ext cx="9407298" cy="0"/>
+          </a:xfrm>
+          <a:prstGeom prst="line">
+            <a:avLst/>
+          </a:prstGeom>
+          <a:ln w="15875"/>
+        </p:spPr>
+        <p:style>
+          <a:lnRef idx="2">
+            <a:schemeClr val="accent1"/>
+          </a:lnRef>
+          <a:fillRef idx="0">
+            <a:schemeClr val="accent1"/>
+          </a:fillRef>
+          <a:effectRef idx="1">
+            <a:schemeClr val="accent1"/>
+          </a:effectRef>
+          <a:fontRef idx="minor">
+            <a:schemeClr val="tx1"/>
+          </a:fontRef>
+        </p:style>
+      </p:cxnSp>
+    </p:spTree>
+    <p:extLst>
+      <p:ext uri="{BB962C8B-B14F-4D97-AF65-F5344CB8AC3E}">
+        <p14:creationId xmlns:p14="http://schemas.microsoft.com/office/powerpoint/2010/main" val="3836199126"/>
+      </p:ext>
+    </p:extLst>
+  </p:cSld>
+  <p:clrMapOvr>
+    <a:masterClrMapping/>
+  </p:clrMapOvr>
+</p:sldLayout>
+</file>
+
+<file path=ppt/slideLayouts/slideLayout12.xml><?xml version="1.0" encoding="utf-8"?>
+<p:sldLayout xmlns:a="http://schemas.openxmlformats.org/drawingml/2006/main" xmlns:r="http://schemas.openxmlformats.org/officeDocument/2006/relationships" xmlns:p="http://schemas.openxmlformats.org/presentationml/2006/main" preserve="1">
+  <p:cSld name="Cita con descripción">
+    <p:spTree>
+      <p:nvGrpSpPr>
+        <p:cNvPr id="1" name=""/>
+        <p:cNvGrpSpPr/>
+        <p:nvPr/>
+      </p:nvGrpSpPr>
+      <p:grpSpPr>
+        <a:xfrm>
+          <a:off x="0" y="0"/>
+          <a:ext cx="0" cy="0"/>
+          <a:chOff x="0" y="0"/>
+          <a:chExt cx="0" cy="0"/>
+        </a:xfrm>
+      </p:grpSpPr>
+      <p:sp>
+        <p:nvSpPr>
+          <p:cNvPr id="2" name="Title 1"/>
+          <p:cNvSpPr>
+            <a:spLocks noGrp="1"/>
+          </p:cNvSpPr>
+          <p:nvPr>
+            <p:ph type="title"/>
+          </p:nvPr>
+        </p:nvSpPr>
+        <p:spPr>
+          <a:xfrm>
+            <a:off x="1446213" y="982132"/>
+            <a:ext cx="9296398" cy="2370668"/>
+          </a:xfrm>
+        </p:spPr>
+        <p:txBody>
+          <a:bodyPr anchor="ctr">
+            <a:normAutofit/>
+          </a:bodyPr>
+          <a:lstStyle>
+            <a:lvl1pPr algn="ctr">
+              <a:defRPr sz="3200" b="0" cap="none">
+                <a:solidFill>
+                  <a:schemeClr val="tx1"/>
+                </a:solidFill>
+              </a:defRPr>
+            </a:lvl1pPr>
+          </a:lstStyle>
+          <a:p>
+            <a:r>
+              <a:rPr lang="es-ES"/>
+              <a:t>Haga clic para modificar el estilo de título del patrón</a:t>
+            </a:r>
+            <a:endParaRPr lang="en-US" dirty="0"/>
+          </a:p>
+        </p:txBody>
+      </p:sp>
+      <p:sp>
+        <p:nvSpPr>
+          <p:cNvPr id="10" name="Text Placeholder 9"/>
+          <p:cNvSpPr>
+            <a:spLocks noGrp="1"/>
+          </p:cNvSpPr>
+          <p:nvPr>
+            <p:ph type="body" sz="quarter" idx="13"/>
+          </p:nvPr>
+        </p:nvSpPr>
+        <p:spPr>
+          <a:xfrm>
+            <a:off x="1674812" y="3352800"/>
+            <a:ext cx="8839202" cy="584200"/>
+          </a:xfrm>
+        </p:spPr>
+        <p:txBody>
+          <a:bodyPr anchor="ctr">
+            <a:normAutofit/>
+          </a:bodyPr>
+          <a:lstStyle>
+            <a:lvl1pPr marL="0" indent="0" algn="r">
+              <a:buFontTx/>
+              <a:buNone/>
+              <a:defRPr sz="2000"/>
+            </a:lvl1pPr>
+            <a:lvl2pPr marL="457200" indent="0">
+              <a:buFontTx/>
+              <a:buNone/>
+              <a:defRPr/>
+            </a:lvl2pPr>
+            <a:lvl3pPr marL="914400" indent="0">
+              <a:buFontTx/>
+              <a:buNone/>
+              <a:defRPr/>
+            </a:lvl3pPr>
+            <a:lvl4pPr marL="1371600" indent="0">
+              <a:buFontTx/>
+              <a:buNone/>
+              <a:defRPr/>
+            </a:lvl4pPr>
+            <a:lvl5pPr marL="1828800" indent="0">
+              <a:buFontTx/>
+              <a:buNone/>
+              <a:defRPr/>
+            </a:lvl5pPr>
+          </a:lstStyle>
+          <a:p>
+            <a:pPr lvl="0"/>
+            <a:r>
+              <a:rPr lang="es-ES"/>
+              <a:t>Haga clic para modificar los estilos de texto del patrón</a:t>
+            </a:r>
+          </a:p>
+        </p:txBody>
+      </p:sp>
+      <p:sp>
+        <p:nvSpPr>
+          <p:cNvPr id="3" name="Text Placeholder 2"/>
+          <p:cNvSpPr>
+            <a:spLocks noGrp="1"/>
+          </p:cNvSpPr>
+          <p:nvPr>
+            <p:ph type="body" idx="1"/>
+          </p:nvPr>
+        </p:nvSpPr>
+        <p:spPr>
+          <a:xfrm>
+            <a:off x="1295401" y="4343399"/>
+            <a:ext cx="9609666" cy="1532467"/>
+          </a:xfrm>
+        </p:spPr>
+        <p:txBody>
+          <a:bodyPr anchor="ctr">
+            <a:normAutofit/>
+          </a:bodyPr>
+          <a:lstStyle>
+            <a:lvl1pPr marL="0" indent="0" algn="ctr">
+              <a:buNone/>
+              <a:defRPr sz="2000">
+                <a:solidFill>
+                  <a:schemeClr val="tx1"/>
+                </a:solidFill>
+              </a:defRPr>
+            </a:lvl1pPr>
+            <a:lvl2pPr marL="457200" indent="0">
+              <a:buNone/>
+              <a:defRPr sz="1800">
+                <a:solidFill>
+                  <a:schemeClr val="tx1">
+                    <a:tint val="75000"/>
+                  </a:schemeClr>
+                </a:solidFill>
+              </a:defRPr>
+            </a:lvl2pPr>
+            <a:lvl3pPr marL="914400" indent="0">
+              <a:buNone/>
+              <a:defRPr sz="1600">
+                <a:solidFill>
+                  <a:schemeClr val="tx1">
+                    <a:tint val="75000"/>
+                  </a:schemeClr>
+                </a:solidFill>
+              </a:defRPr>
+            </a:lvl3pPr>
+            <a:lvl4pPr marL="1371600" indent="0">
+              <a:buNone/>
+              <a:defRPr sz="1400">
+                <a:solidFill>
+                  <a:schemeClr val="tx1">
+                    <a:tint val="75000"/>
+                  </a:schemeClr>
+                </a:solidFill>
+              </a:defRPr>
+            </a:lvl4pPr>
+            <a:lvl5pPr marL="1828800" indent="0">
+              <a:buNone/>
+              <a:defRPr sz="1400">
+                <a:solidFill>
+                  <a:schemeClr val="tx1">
+                    <a:tint val="75000"/>
+                  </a:schemeClr>
+                </a:solidFill>
+              </a:defRPr>
+            </a:lvl5pPr>
+            <a:lvl6pPr marL="2286000" indent="0">
+              <a:buNone/>
+              <a:defRPr sz="1400">
+                <a:solidFill>
+                  <a:schemeClr val="tx1">
+                    <a:tint val="75000"/>
+                  </a:schemeClr>
+                </a:solidFill>
+              </a:defRPr>
+            </a:lvl6pPr>
+            <a:lvl7pPr marL="2743200" indent="0">
+              <a:buNone/>
+              <a:defRPr sz="1400">
+                <a:solidFill>
+                  <a:schemeClr val="tx1">
+                    <a:tint val="75000"/>
+                  </a:schemeClr>
+                </a:solidFill>
+              </a:defRPr>
+            </a:lvl7pPr>
+            <a:lvl8pPr marL="3200400" indent="0">
+              <a:buNone/>
+              <a:defRPr sz="1400">
+                <a:solidFill>
+                  <a:schemeClr val="tx1">
+                    <a:tint val="75000"/>
+                  </a:schemeClr>
+                </a:solidFill>
+              </a:defRPr>
+            </a:lvl8pPr>
+            <a:lvl9pPr marL="3657600" indent="0">
+              <a:buNone/>
+              <a:defRPr sz="1400">
+                <a:solidFill>
+                  <a:schemeClr val="tx1">
+                    <a:tint val="75000"/>
+                  </a:schemeClr>
+                </a:solidFill>
+              </a:defRPr>
+            </a:lvl9pPr>
+          </a:lstStyle>
+          <a:p>
+            <a:pPr lvl="0"/>
+            <a:r>
+              <a:rPr lang="es-ES"/>
+              <a:t>Haga clic para modificar los estilos de texto del patrón</a:t>
+            </a:r>
+          </a:p>
+        </p:txBody>
+      </p:sp>
+      <p:sp>
+        <p:nvSpPr>
+          <p:cNvPr id="4" name="Date Placeholder 3"/>
+          <p:cNvSpPr>
+            <a:spLocks noGrp="1"/>
+          </p:cNvSpPr>
+          <p:nvPr>
+            <p:ph type="dt" sz="half" idx="10"/>
+          </p:nvPr>
+        </p:nvSpPr>
+        <p:spPr/>
+        <p:txBody>
+          <a:bodyPr/>
+          <a:lstStyle/>
+          <a:p>
+            <a:fld id="{7572CA1D-0F2F-4863-9FA1-F22AF1696BC3}" type="datetimeFigureOut">
+              <a:rPr lang="es-CL" smtClean="0"/>
+              <a:t>02-12-2022</a:t>
+            </a:fld>
+            <a:endParaRPr lang="es-CL"/>
+          </a:p>
+        </p:txBody>
+      </p:sp>
+      <p:sp>
+        <p:nvSpPr>
+          <p:cNvPr id="5" name="Footer Placeholder 4"/>
+          <p:cNvSpPr>
+            <a:spLocks noGrp="1"/>
+          </p:cNvSpPr>
+          <p:nvPr>
+            <p:ph type="ftr" sz="quarter" idx="11"/>
+          </p:nvPr>
+        </p:nvSpPr>
+        <p:spPr/>
+        <p:txBody>
+          <a:bodyPr/>
+          <a:lstStyle/>
+          <a:p>
+            <a:endParaRPr lang="es-CL"/>
+          </a:p>
+        </p:txBody>
+      </p:sp>
+      <p:sp>
+        <p:nvSpPr>
+          <p:cNvPr id="6" name="Slide Number Placeholder 5"/>
+          <p:cNvSpPr>
+            <a:spLocks noGrp="1"/>
+          </p:cNvSpPr>
+          <p:nvPr>
+            <p:ph type="sldNum" sz="quarter" idx="12"/>
+          </p:nvPr>
+        </p:nvSpPr>
+        <p:spPr/>
+        <p:txBody>
+          <a:bodyPr/>
+          <a:lstStyle/>
+          <a:p>
+            <a:fld id="{8E72EABE-7279-4B2C-A70A-79951A8C2769}" type="slidenum">
+              <a:rPr lang="es-CL" smtClean="0"/>
+              <a:t>‹Nº›</a:t>
+            </a:fld>
+            <a:endParaRPr lang="es-CL"/>
+          </a:p>
+        </p:txBody>
+      </p:sp>
+      <p:sp>
+        <p:nvSpPr>
+          <p:cNvPr id="14" name="TextBox 13"/>
+          <p:cNvSpPr txBox="1"/>
+          <p:nvPr/>
+        </p:nvSpPr>
+        <p:spPr>
+          <a:xfrm>
+            <a:off x="862013" y="879961"/>
+            <a:ext cx="609600" cy="584776"/>
+          </a:xfrm>
+          <a:prstGeom prst="rect">
+            <a:avLst/>
+          </a:prstGeom>
+        </p:spPr>
+        <p:txBody>
+          <a:bodyPr vert="horz" lIns="91440" tIns="45720" rIns="91440" bIns="45720" rtlCol="0" anchor="ctr">
+            <a:noAutofit/>
+          </a:bodyPr>
+          <a:lstStyle/>
+          <a:p>
+            <a:pPr lvl="0"/>
+            <a:r>
+              <a:rPr lang="en-US" sz="8000" dirty="0">
+                <a:solidFill>
+                  <a:schemeClr val="tx1"/>
+                </a:solidFill>
+                <a:effectLst/>
+              </a:rPr>
+              <a:t>“</a:t>
+            </a:r>
+          </a:p>
+        </p:txBody>
+      </p:sp>
+      <p:sp>
+        <p:nvSpPr>
+          <p:cNvPr id="15" name="TextBox 14"/>
+          <p:cNvSpPr txBox="1"/>
+          <p:nvPr/>
+        </p:nvSpPr>
+        <p:spPr>
+          <a:xfrm>
+            <a:off x="10600267" y="2827870"/>
+            <a:ext cx="609600" cy="584776"/>
+          </a:xfrm>
+          <a:prstGeom prst="rect">
+            <a:avLst/>
+          </a:prstGeom>
+        </p:spPr>
+        <p:txBody>
+          <a:bodyPr vert="horz" lIns="91440" tIns="45720" rIns="91440" bIns="45720" rtlCol="0" anchor="ctr">
+            <a:noAutofit/>
+          </a:bodyPr>
+          <a:lstStyle/>
+          <a:p>
+            <a:pPr lvl="0" algn="r"/>
+            <a:r>
+              <a:rPr lang="en-US" sz="8000" dirty="0">
+                <a:solidFill>
+                  <a:schemeClr val="tx1"/>
+                </a:solidFill>
+                <a:effectLst/>
+              </a:rPr>
+              <a:t>”</a:t>
+            </a:r>
+          </a:p>
+        </p:txBody>
+      </p:sp>
+      <p:cxnSp>
+        <p:nvCxnSpPr>
+          <p:cNvPr id="19" name="Straight Connector 18"/>
+          <p:cNvCxnSpPr/>
+          <p:nvPr/>
+        </p:nvCxnSpPr>
+        <p:spPr>
+          <a:xfrm>
+            <a:off x="1396169" y="4140199"/>
+            <a:ext cx="9407298" cy="0"/>
+          </a:xfrm>
+          <a:prstGeom prst="line">
+            <a:avLst/>
+          </a:prstGeom>
+          <a:ln w="15875"/>
+        </p:spPr>
+        <p:style>
+          <a:lnRef idx="2">
+            <a:schemeClr val="accent1"/>
+          </a:lnRef>
+          <a:fillRef idx="0">
+            <a:schemeClr val="accent1"/>
+          </a:fillRef>
+          <a:effectRef idx="1">
+            <a:schemeClr val="accent1"/>
+          </a:effectRef>
+          <a:fontRef idx="minor">
+            <a:schemeClr val="tx1"/>
+          </a:fontRef>
+        </p:style>
+      </p:cxnSp>
+    </p:spTree>
+    <p:extLst>
+      <p:ext uri="{BB962C8B-B14F-4D97-AF65-F5344CB8AC3E}">
+        <p14:creationId xmlns:p14="http://schemas.microsoft.com/office/powerpoint/2010/main" val="780594535"/>
+      </p:ext>
+    </p:extLst>
+  </p:cSld>
+  <p:clrMapOvr>
+    <a:masterClrMapping/>
+  </p:clrMapOvr>
+</p:sldLayout>
+</file>
+
+<file path=ppt/slideLayouts/slideLayout13.xml><?xml version="1.0" encoding="utf-8"?>
+<p:sldLayout xmlns:a="http://schemas.openxmlformats.org/drawingml/2006/main" xmlns:r="http://schemas.openxmlformats.org/officeDocument/2006/relationships" xmlns:p="http://schemas.openxmlformats.org/presentationml/2006/main" preserve="1">
+  <p:cSld name="Tarjeta de nombre">
+    <p:spTree>
+      <p:nvGrpSpPr>
+        <p:cNvPr id="1" name=""/>
+        <p:cNvGrpSpPr/>
+        <p:nvPr/>
+      </p:nvGrpSpPr>
+      <p:grpSpPr>
+        <a:xfrm>
+          <a:off x="0" y="0"/>
+          <a:ext cx="0" cy="0"/>
+          <a:chOff x="0" y="0"/>
+          <a:chExt cx="0" cy="0"/>
+        </a:xfrm>
+      </p:grpSpPr>
+      <p:sp>
+        <p:nvSpPr>
+          <p:cNvPr id="2" name="Title 1"/>
+          <p:cNvSpPr>
+            <a:spLocks noGrp="1"/>
+          </p:cNvSpPr>
+          <p:nvPr>
+            <p:ph type="title"/>
+          </p:nvPr>
+        </p:nvSpPr>
+        <p:spPr>
+          <a:xfrm>
+            <a:off x="1295402" y="3308581"/>
+            <a:ext cx="9609668" cy="1468800"/>
+          </a:xfrm>
+        </p:spPr>
+        <p:txBody>
+          <a:bodyPr anchor="b">
+            <a:normAutofit/>
+          </a:bodyPr>
+          <a:lstStyle>
+            <a:lvl1pPr algn="l">
+              <a:defRPr sz="3200" b="0" cap="none"/>
+            </a:lvl1pPr>
+          </a:lstStyle>
+          <a:p>
+            <a:r>
+              <a:rPr lang="es-ES"/>
+              <a:t>Haga clic para modificar el estilo de título del patrón</a:t>
+            </a:r>
+            <a:endParaRPr lang="en-US" dirty="0"/>
+          </a:p>
+        </p:txBody>
+      </p:sp>
+      <p:sp>
+        <p:nvSpPr>
+          <p:cNvPr id="3" name="Text Placeholder 2"/>
+          <p:cNvSpPr>
+            <a:spLocks noGrp="1"/>
+          </p:cNvSpPr>
+          <p:nvPr>
+            <p:ph type="body" idx="1"/>
+          </p:nvPr>
+        </p:nvSpPr>
+        <p:spPr>
+          <a:xfrm>
+            <a:off x="1295401" y="4777381"/>
+            <a:ext cx="9609668" cy="860400"/>
+          </a:xfrm>
+        </p:spPr>
+        <p:txBody>
+          <a:bodyPr anchor="t">
+            <a:normAutofit/>
+          </a:bodyPr>
+          <a:lstStyle>
+            <a:lvl1pPr marL="0" indent="0" algn="l">
+              <a:buNone/>
+              <a:defRPr sz="2000">
+                <a:solidFill>
+                  <a:schemeClr val="tx1"/>
+                </a:solidFill>
+              </a:defRPr>
+            </a:lvl1pPr>
+            <a:lvl2pPr marL="457200" indent="0">
+              <a:buNone/>
+              <a:defRPr sz="1800">
+                <a:solidFill>
+                  <a:schemeClr val="tx1">
+                    <a:tint val="75000"/>
+                  </a:schemeClr>
+                </a:solidFill>
+              </a:defRPr>
+            </a:lvl2pPr>
+            <a:lvl3pPr marL="914400" indent="0">
+              <a:buNone/>
+              <a:defRPr sz="1600">
+                <a:solidFill>
+                  <a:schemeClr val="tx1">
+                    <a:tint val="75000"/>
+                  </a:schemeClr>
+                </a:solidFill>
+              </a:defRPr>
+            </a:lvl3pPr>
+            <a:lvl4pPr marL="1371600" indent="0">
+              <a:buNone/>
+              <a:defRPr sz="1400">
+                <a:solidFill>
+                  <a:schemeClr val="tx1">
+                    <a:tint val="75000"/>
+                  </a:schemeClr>
+                </a:solidFill>
+              </a:defRPr>
+            </a:lvl4pPr>
+            <a:lvl5pPr marL="1828800" indent="0">
+              <a:buNone/>
+              <a:defRPr sz="1400">
+                <a:solidFill>
+                  <a:schemeClr val="tx1">
+                    <a:tint val="75000"/>
+                  </a:schemeClr>
+                </a:solidFill>
+              </a:defRPr>
+            </a:lvl5pPr>
+            <a:lvl6pPr marL="2286000" indent="0">
+              <a:buNone/>
+              <a:defRPr sz="1400">
+                <a:solidFill>
+                  <a:schemeClr val="tx1">
+                    <a:tint val="75000"/>
+                  </a:schemeClr>
+                </a:solidFill>
+              </a:defRPr>
+            </a:lvl6pPr>
+            <a:lvl7pPr marL="2743200" indent="0">
+              <a:buNone/>
+              <a:defRPr sz="1400">
+                <a:solidFill>
+                  <a:schemeClr val="tx1">
+                    <a:tint val="75000"/>
+                  </a:schemeClr>
+                </a:solidFill>
+              </a:defRPr>
+            </a:lvl7pPr>
+            <a:lvl8pPr marL="3200400" indent="0">
+              <a:buNone/>
+              <a:defRPr sz="1400">
+                <a:solidFill>
+                  <a:schemeClr val="tx1">
+                    <a:tint val="75000"/>
+                  </a:schemeClr>
+                </a:solidFill>
+              </a:defRPr>
+            </a:lvl8pPr>
+            <a:lvl9pPr marL="3657600" indent="0">
+              <a:buNone/>
+              <a:defRPr sz="1400">
+                <a:solidFill>
+                  <a:schemeClr val="tx1">
+                    <a:tint val="75000"/>
+                  </a:schemeClr>
+                </a:solidFill>
+              </a:defRPr>
+            </a:lvl9pPr>
+          </a:lstStyle>
+          <a:p>
+            <a:pPr lvl="0"/>
+            <a:r>
+              <a:rPr lang="es-ES"/>
+              <a:t>Haga clic para modificar los estilos de texto del patrón</a:t>
+            </a:r>
+          </a:p>
+        </p:txBody>
+      </p:sp>
+      <p:sp>
+        <p:nvSpPr>
+          <p:cNvPr id="4" name="Date Placeholder 3"/>
+          <p:cNvSpPr>
+            <a:spLocks noGrp="1"/>
+          </p:cNvSpPr>
+          <p:nvPr>
+            <p:ph type="dt" sz="half" idx="10"/>
+          </p:nvPr>
+        </p:nvSpPr>
+        <p:spPr/>
+        <p:txBody>
+          <a:bodyPr/>
+          <a:lstStyle/>
+          <a:p>
+            <a:fld id="{7572CA1D-0F2F-4863-9FA1-F22AF1696BC3}" type="datetimeFigureOut">
+              <a:rPr lang="es-CL" smtClean="0"/>
+              <a:t>02-12-2022</a:t>
+            </a:fld>
+            <a:endParaRPr lang="es-CL"/>
+          </a:p>
+        </p:txBody>
+      </p:sp>
+      <p:sp>
+        <p:nvSpPr>
+          <p:cNvPr id="5" name="Footer Placeholder 4"/>
+          <p:cNvSpPr>
+            <a:spLocks noGrp="1"/>
+          </p:cNvSpPr>
+          <p:nvPr>
+            <p:ph type="ftr" sz="quarter" idx="11"/>
+          </p:nvPr>
+        </p:nvSpPr>
+        <p:spPr/>
+        <p:txBody>
+          <a:bodyPr/>
+          <a:lstStyle/>
+          <a:p>
+            <a:endParaRPr lang="es-CL"/>
+          </a:p>
+        </p:txBody>
+      </p:sp>
+      <p:sp>
+        <p:nvSpPr>
+          <p:cNvPr id="6" name="Slide Number Placeholder 5"/>
+          <p:cNvSpPr>
+            <a:spLocks noGrp="1"/>
+          </p:cNvSpPr>
+          <p:nvPr>
+            <p:ph type="sldNum" sz="quarter" idx="12"/>
+          </p:nvPr>
+        </p:nvSpPr>
+        <p:spPr/>
+        <p:txBody>
+          <a:bodyPr/>
+          <a:lstStyle/>
+          <a:p>
+            <a:fld id="{8E72EABE-7279-4B2C-A70A-79951A8C2769}" type="slidenum">
+              <a:rPr lang="es-CL" smtClean="0"/>
+              <a:t>‹Nº›</a:t>
+            </a:fld>
+            <a:endParaRPr lang="es-CL"/>
+          </a:p>
+        </p:txBody>
+      </p:sp>
+    </p:spTree>
+    <p:extLst>
+      <p:ext uri="{BB962C8B-B14F-4D97-AF65-F5344CB8AC3E}">
+        <p14:creationId xmlns:p14="http://schemas.microsoft.com/office/powerpoint/2010/main" val="3577842102"/>
+      </p:ext>
+    </p:extLst>
+  </p:cSld>
+  <p:clrMapOvr>
+    <a:masterClrMapping/>
+  </p:clrMapOvr>
+</p:sldLayout>
+</file>
+
+<file path=ppt/slideLayouts/slideLayout14.xml><?xml version="1.0" encoding="utf-8"?>
+<p:sldLayout xmlns:a="http://schemas.openxmlformats.org/drawingml/2006/main" xmlns:r="http://schemas.openxmlformats.org/officeDocument/2006/relationships" xmlns:p="http://schemas.openxmlformats.org/presentationml/2006/main" preserve="1">
+  <p:cSld name="Citar la tarjeta de nombre">
+    <p:spTree>
+      <p:nvGrpSpPr>
+        <p:cNvPr id="1" name=""/>
+        <p:cNvGrpSpPr/>
+        <p:nvPr/>
+      </p:nvGrpSpPr>
+      <p:grpSpPr>
+        <a:xfrm>
+          <a:off x="0" y="0"/>
+          <a:ext cx="0" cy="0"/>
+          <a:chOff x="0" y="0"/>
+          <a:chExt cx="0" cy="0"/>
+        </a:xfrm>
+      </p:grpSpPr>
+      <p:sp>
+        <p:nvSpPr>
+          <p:cNvPr id="2" name="Title 1"/>
+          <p:cNvSpPr>
+            <a:spLocks noGrp="1"/>
+          </p:cNvSpPr>
+          <p:nvPr>
+            <p:ph type="title"/>
+          </p:nvPr>
+        </p:nvSpPr>
+        <p:spPr>
+          <a:xfrm>
+            <a:off x="1446213" y="982132"/>
+            <a:ext cx="9296398" cy="2243668"/>
+          </a:xfrm>
+        </p:spPr>
+        <p:txBody>
+          <a:bodyPr anchor="ctr">
+            <a:normAutofit/>
+          </a:bodyPr>
+          <a:lstStyle>
+            <a:lvl1pPr algn="ctr">
+              <a:defRPr sz="3200" b="0" cap="none">
+                <a:solidFill>
+                  <a:schemeClr val="tx1"/>
+                </a:solidFill>
+              </a:defRPr>
+            </a:lvl1pPr>
+          </a:lstStyle>
+          <a:p>
+            <a:r>
+              <a:rPr lang="es-ES"/>
+              <a:t>Haga clic para modificar el estilo de título del patrón</a:t>
+            </a:r>
+            <a:endParaRPr lang="en-US" dirty="0"/>
+          </a:p>
+        </p:txBody>
+      </p:sp>
+      <p:sp>
+        <p:nvSpPr>
+          <p:cNvPr id="23" name="Text Placeholder 2"/>
+          <p:cNvSpPr>
+            <a:spLocks noGrp="1"/>
+          </p:cNvSpPr>
+          <p:nvPr>
+            <p:ph type="body" idx="13"/>
+          </p:nvPr>
+        </p:nvSpPr>
+        <p:spPr>
+          <a:xfrm>
+            <a:off x="1295401" y="3639312"/>
+            <a:ext cx="9609668" cy="886968"/>
+          </a:xfrm>
+        </p:spPr>
+        <p:txBody>
+          <a:bodyPr anchor="b">
+            <a:normAutofit/>
+          </a:bodyPr>
+          <a:lstStyle>
+            <a:lvl1pPr marL="0" indent="0" algn="l">
+              <a:spcBef>
+                <a:spcPts val="0"/>
+              </a:spcBef>
+              <a:buNone/>
+              <a:defRPr sz="2400">
+                <a:solidFill>
+                  <a:schemeClr val="tx1"/>
+                </a:solidFill>
+              </a:defRPr>
+            </a:lvl1pPr>
+            <a:lvl2pPr marL="457200" indent="0">
+              <a:buNone/>
+              <a:defRPr sz="1800">
+                <a:solidFill>
+                  <a:schemeClr val="tx1">
+                    <a:tint val="75000"/>
+                  </a:schemeClr>
+                </a:solidFill>
+              </a:defRPr>
+            </a:lvl2pPr>
+            <a:lvl3pPr marL="914400" indent="0">
+              <a:buNone/>
+              <a:defRPr sz="1600">
+                <a:solidFill>
+                  <a:schemeClr val="tx1">
+                    <a:tint val="75000"/>
+                  </a:schemeClr>
+                </a:solidFill>
+              </a:defRPr>
+            </a:lvl3pPr>
+            <a:lvl4pPr marL="1371600" indent="0">
+              <a:buNone/>
+              <a:defRPr sz="1400">
+                <a:solidFill>
+                  <a:schemeClr val="tx1">
+                    <a:tint val="75000"/>
+                  </a:schemeClr>
+                </a:solidFill>
+              </a:defRPr>
+            </a:lvl4pPr>
+            <a:lvl5pPr marL="1828800" indent="0">
+              <a:buNone/>
+              <a:defRPr sz="1400">
+                <a:solidFill>
+                  <a:schemeClr val="tx1">
+                    <a:tint val="75000"/>
+                  </a:schemeClr>
+                </a:solidFill>
+              </a:defRPr>
+            </a:lvl5pPr>
+            <a:lvl6pPr marL="2286000" indent="0">
+              <a:buNone/>
+              <a:defRPr sz="1400">
+                <a:solidFill>
+                  <a:schemeClr val="tx1">
+                    <a:tint val="75000"/>
+                  </a:schemeClr>
+                </a:solidFill>
+              </a:defRPr>
+            </a:lvl6pPr>
+            <a:lvl7pPr marL="2743200" indent="0">
+              <a:buNone/>
+              <a:defRPr sz="1400">
+                <a:solidFill>
+                  <a:schemeClr val="tx1">
+                    <a:tint val="75000"/>
+                  </a:schemeClr>
+                </a:solidFill>
+              </a:defRPr>
+            </a:lvl7pPr>
+            <a:lvl8pPr marL="3200400" indent="0">
+              <a:buNone/>
+              <a:defRPr sz="1400">
+                <a:solidFill>
+                  <a:schemeClr val="tx1">
+                    <a:tint val="75000"/>
+                  </a:schemeClr>
+                </a:solidFill>
+              </a:defRPr>
+            </a:lvl8pPr>
+            <a:lvl9pPr marL="3657600" indent="0">
+              <a:buNone/>
+              <a:defRPr sz="1400">
+                <a:solidFill>
+                  <a:schemeClr val="tx1">
+                    <a:tint val="75000"/>
+                  </a:schemeClr>
+                </a:solidFill>
+              </a:defRPr>
+            </a:lvl9pPr>
+          </a:lstStyle>
+          <a:p>
+            <a:pPr lvl="0"/>
+            <a:r>
+              <a:rPr lang="es-ES"/>
+              <a:t>Haga clic para modificar los estilos de texto del patrón</a:t>
+            </a:r>
+          </a:p>
+        </p:txBody>
+      </p:sp>
+      <p:sp>
+        <p:nvSpPr>
+          <p:cNvPr id="3" name="Text Placeholder 2"/>
+          <p:cNvSpPr>
+            <a:spLocks noGrp="1"/>
+          </p:cNvSpPr>
+          <p:nvPr>
+            <p:ph type="body" idx="1"/>
+          </p:nvPr>
+        </p:nvSpPr>
+        <p:spPr>
+          <a:xfrm>
+            <a:off x="1295401" y="4529667"/>
+            <a:ext cx="9609668" cy="1346200"/>
+          </a:xfrm>
+        </p:spPr>
+        <p:txBody>
+          <a:bodyPr anchor="t">
+            <a:normAutofit/>
+          </a:bodyPr>
+          <a:lstStyle>
+            <a:lvl1pPr marL="0" indent="0" algn="l">
+              <a:buNone/>
+              <a:defRPr sz="1800">
+                <a:solidFill>
+                  <a:schemeClr val="tx1"/>
+                </a:solidFill>
+              </a:defRPr>
+            </a:lvl1pPr>
+            <a:lvl2pPr marL="457200" indent="0">
+              <a:buNone/>
+              <a:defRPr sz="1800">
+                <a:solidFill>
+                  <a:schemeClr val="tx1">
+                    <a:tint val="75000"/>
+                  </a:schemeClr>
+                </a:solidFill>
+              </a:defRPr>
+            </a:lvl2pPr>
+            <a:lvl3pPr marL="914400" indent="0">
+              <a:buNone/>
+              <a:defRPr sz="1600">
+                <a:solidFill>
+                  <a:schemeClr val="tx1">
+                    <a:tint val="75000"/>
+                  </a:schemeClr>
+                </a:solidFill>
+              </a:defRPr>
+            </a:lvl3pPr>
+            <a:lvl4pPr marL="1371600" indent="0">
+              <a:buNone/>
+              <a:defRPr sz="1400">
+                <a:solidFill>
+                  <a:schemeClr val="tx1">
+                    <a:tint val="75000"/>
+                  </a:schemeClr>
+                </a:solidFill>
+              </a:defRPr>
+            </a:lvl4pPr>
+            <a:lvl5pPr marL="1828800" indent="0">
+              <a:buNone/>
+              <a:defRPr sz="1400">
+                <a:solidFill>
+                  <a:schemeClr val="tx1">
+                    <a:tint val="75000"/>
+                  </a:schemeClr>
+                </a:solidFill>
+              </a:defRPr>
+            </a:lvl5pPr>
+            <a:lvl6pPr marL="2286000" indent="0">
+              <a:buNone/>
+              <a:defRPr sz="1400">
+                <a:solidFill>
+                  <a:schemeClr val="tx1">
+                    <a:tint val="75000"/>
+                  </a:schemeClr>
+                </a:solidFill>
+              </a:defRPr>
+            </a:lvl6pPr>
+            <a:lvl7pPr marL="2743200" indent="0">
+              <a:buNone/>
+              <a:defRPr sz="1400">
+                <a:solidFill>
+                  <a:schemeClr val="tx1">
+                    <a:tint val="75000"/>
+                  </a:schemeClr>
+                </a:solidFill>
+              </a:defRPr>
+            </a:lvl7pPr>
+            <a:lvl8pPr marL="3200400" indent="0">
+              <a:buNone/>
+              <a:defRPr sz="1400">
+                <a:solidFill>
+                  <a:schemeClr val="tx1">
+                    <a:tint val="75000"/>
+                  </a:schemeClr>
+                </a:solidFill>
+              </a:defRPr>
+            </a:lvl8pPr>
+            <a:lvl9pPr marL="3657600" indent="0">
+              <a:buNone/>
+              <a:defRPr sz="1400">
+                <a:solidFill>
+                  <a:schemeClr val="tx1">
+                    <a:tint val="75000"/>
+                  </a:schemeClr>
+                </a:solidFill>
+              </a:defRPr>
+            </a:lvl9pPr>
+          </a:lstStyle>
+          <a:p>
+            <a:pPr lvl="0"/>
+            <a:r>
+              <a:rPr lang="es-ES"/>
+              <a:t>Haga clic para modificar los estilos de texto del patrón</a:t>
+            </a:r>
+          </a:p>
+        </p:txBody>
+      </p:sp>
+      <p:sp>
+        <p:nvSpPr>
+          <p:cNvPr id="4" name="Date Placeholder 3"/>
+          <p:cNvSpPr>
+            <a:spLocks noGrp="1"/>
+          </p:cNvSpPr>
+          <p:nvPr>
+            <p:ph type="dt" sz="half" idx="10"/>
+          </p:nvPr>
+        </p:nvSpPr>
+        <p:spPr/>
+        <p:txBody>
+          <a:bodyPr/>
+          <a:lstStyle/>
+          <a:p>
+            <a:fld id="{7572CA1D-0F2F-4863-9FA1-F22AF1696BC3}" type="datetimeFigureOut">
+              <a:rPr lang="es-CL" smtClean="0"/>
+              <a:t>02-12-2022</a:t>
+            </a:fld>
+            <a:endParaRPr lang="es-CL"/>
+          </a:p>
+        </p:txBody>
+      </p:sp>
+      <p:sp>
+        <p:nvSpPr>
+          <p:cNvPr id="5" name="Footer Placeholder 4"/>
+          <p:cNvSpPr>
+            <a:spLocks noGrp="1"/>
+          </p:cNvSpPr>
+          <p:nvPr>
+            <p:ph type="ftr" sz="quarter" idx="11"/>
+          </p:nvPr>
+        </p:nvSpPr>
+        <p:spPr/>
+        <p:txBody>
+          <a:bodyPr/>
+          <a:lstStyle/>
+          <a:p>
+            <a:endParaRPr lang="es-CL"/>
+          </a:p>
+        </p:txBody>
+      </p:sp>
+      <p:sp>
+        <p:nvSpPr>
+          <p:cNvPr id="6" name="Slide Number Placeholder 5"/>
+          <p:cNvSpPr>
+            <a:spLocks noGrp="1"/>
+          </p:cNvSpPr>
+          <p:nvPr>
+            <p:ph type="sldNum" sz="quarter" idx="12"/>
+          </p:nvPr>
+        </p:nvSpPr>
+        <p:spPr/>
+        <p:txBody>
+          <a:bodyPr/>
+          <a:lstStyle/>
+          <a:p>
+            <a:fld id="{8E72EABE-7279-4B2C-A70A-79951A8C2769}" type="slidenum">
+              <a:rPr lang="es-CL" smtClean="0"/>
+              <a:t>‹Nº›</a:t>
+            </a:fld>
+            <a:endParaRPr lang="es-CL"/>
+          </a:p>
+        </p:txBody>
+      </p:sp>
+      <p:sp>
+        <p:nvSpPr>
+          <p:cNvPr id="12" name="TextBox 11"/>
+          <p:cNvSpPr txBox="1"/>
+          <p:nvPr/>
+        </p:nvSpPr>
+        <p:spPr>
+          <a:xfrm>
+            <a:off x="862013" y="879961"/>
+            <a:ext cx="609600" cy="584776"/>
+          </a:xfrm>
+          <a:prstGeom prst="rect">
+            <a:avLst/>
+          </a:prstGeom>
+        </p:spPr>
+        <p:txBody>
+          <a:bodyPr vert="horz" lIns="91440" tIns="45720" rIns="91440" bIns="45720" rtlCol="0" anchor="ctr">
+            <a:noAutofit/>
+          </a:bodyPr>
+          <a:lstStyle/>
+          <a:p>
+            <a:pPr lvl="0"/>
+            <a:r>
+              <a:rPr lang="en-US" sz="8000" dirty="0">
+                <a:solidFill>
+                  <a:schemeClr val="tx1"/>
+                </a:solidFill>
+                <a:effectLst/>
+              </a:rPr>
+              <a:t>“</a:t>
+            </a:r>
+          </a:p>
+        </p:txBody>
+      </p:sp>
+      <p:sp>
+        <p:nvSpPr>
+          <p:cNvPr id="13" name="TextBox 12"/>
+          <p:cNvSpPr txBox="1"/>
+          <p:nvPr/>
+        </p:nvSpPr>
+        <p:spPr>
+          <a:xfrm>
+            <a:off x="10600267" y="2599261"/>
+            <a:ext cx="609600" cy="584776"/>
+          </a:xfrm>
+          <a:prstGeom prst="rect">
+            <a:avLst/>
+          </a:prstGeom>
+        </p:spPr>
+        <p:txBody>
+          <a:bodyPr vert="horz" lIns="91440" tIns="45720" rIns="91440" bIns="45720" rtlCol="0" anchor="ctr">
+            <a:noAutofit/>
+          </a:bodyPr>
+          <a:lstStyle/>
+          <a:p>
+            <a:pPr lvl="0" algn="r"/>
+            <a:r>
+              <a:rPr lang="en-US" sz="8000" dirty="0">
+                <a:solidFill>
+                  <a:schemeClr val="tx1"/>
+                </a:solidFill>
+                <a:effectLst/>
+              </a:rPr>
+              <a:t>”</a:t>
+            </a:r>
+          </a:p>
+        </p:txBody>
+      </p:sp>
+      <p:cxnSp>
+        <p:nvCxnSpPr>
+          <p:cNvPr id="26" name="Straight Connector 25"/>
+          <p:cNvCxnSpPr/>
+          <p:nvPr/>
+        </p:nvCxnSpPr>
+        <p:spPr>
+          <a:xfrm>
+            <a:off x="1396169" y="3429000"/>
+            <a:ext cx="9407298" cy="0"/>
+          </a:xfrm>
+          <a:prstGeom prst="line">
+            <a:avLst/>
+          </a:prstGeom>
+          <a:ln w="15875"/>
+        </p:spPr>
+        <p:style>
+          <a:lnRef idx="2">
+            <a:schemeClr val="accent1"/>
+          </a:lnRef>
+          <a:fillRef idx="0">
+            <a:schemeClr val="accent1"/>
+          </a:fillRef>
+          <a:effectRef idx="1">
+            <a:schemeClr val="accent1"/>
+          </a:effectRef>
+          <a:fontRef idx="minor">
+            <a:schemeClr val="tx1"/>
+          </a:fontRef>
+        </p:style>
+      </p:cxnSp>
+    </p:spTree>
+    <p:extLst>
+      <p:ext uri="{BB962C8B-B14F-4D97-AF65-F5344CB8AC3E}">
+        <p14:creationId xmlns:p14="http://schemas.microsoft.com/office/powerpoint/2010/main" val="1517051213"/>
+      </p:ext>
+    </p:extLst>
+  </p:cSld>
+  <p:clrMapOvr>
+    <a:masterClrMapping/>
+  </p:clrMapOvr>
+</p:sldLayout>
+</file>
+
+<file path=ppt/slideLayouts/slideLayout15.xml><?xml version="1.0" encoding="utf-8"?>
+<p:sldLayout xmlns:a="http://schemas.openxmlformats.org/drawingml/2006/main" xmlns:r="http://schemas.openxmlformats.org/officeDocument/2006/relationships" xmlns:p="http://schemas.openxmlformats.org/presentationml/2006/main" preserve="1">
+  <p:cSld name="Verdadero o falso">
+    <p:spTree>
+      <p:nvGrpSpPr>
+        <p:cNvPr id="1" name=""/>
+        <p:cNvGrpSpPr/>
+        <p:nvPr/>
+      </p:nvGrpSpPr>
+      <p:grpSpPr>
+        <a:xfrm>
+          <a:off x="0" y="0"/>
+          <a:ext cx="0" cy="0"/>
+          <a:chOff x="0" y="0"/>
+          <a:chExt cx="0" cy="0"/>
+        </a:xfrm>
+      </p:grpSpPr>
+      <p:sp>
+        <p:nvSpPr>
+          <p:cNvPr id="2" name="Title 1"/>
+          <p:cNvSpPr>
+            <a:spLocks noGrp="1"/>
+          </p:cNvSpPr>
+          <p:nvPr>
+            <p:ph type="title"/>
+          </p:nvPr>
+        </p:nvSpPr>
+        <p:spPr>
+          <a:xfrm>
+            <a:off x="1295401" y="982132"/>
+            <a:ext cx="9609666" cy="2243668"/>
+          </a:xfrm>
+        </p:spPr>
+        <p:txBody>
+          <a:bodyPr vert="horz" lIns="91440" tIns="45720" rIns="91440" bIns="45720" rtlCol="0" anchor="ctr">
+            <a:normAutofit/>
+          </a:bodyPr>
+          <a:lstStyle>
+            <a:lvl1pPr>
+              <a:defRPr lang="en-US" b="0" dirty="0"/>
+            </a:lvl1pPr>
+          </a:lstStyle>
+          <a:p>
+            <a:pPr marL="0" lvl="0"/>
+            <a:r>
+              <a:rPr lang="es-ES"/>
+              <a:t>Haga clic para modificar el estilo de título del patrón</a:t>
+            </a:r>
+            <a:endParaRPr lang="en-US" dirty="0"/>
+          </a:p>
+        </p:txBody>
+      </p:sp>
+      <p:sp>
+        <p:nvSpPr>
+          <p:cNvPr id="20" name="Text Placeholder 2"/>
+          <p:cNvSpPr>
+            <a:spLocks noGrp="1"/>
+          </p:cNvSpPr>
+          <p:nvPr>
+            <p:ph type="body" idx="13"/>
+          </p:nvPr>
+        </p:nvSpPr>
+        <p:spPr>
+          <a:xfrm>
+            <a:off x="1295401" y="3630168"/>
+            <a:ext cx="9609668" cy="841248"/>
+          </a:xfrm>
+        </p:spPr>
+        <p:txBody>
+          <a:bodyPr anchor="b">
+            <a:normAutofit/>
+          </a:bodyPr>
+          <a:lstStyle>
+            <a:lvl1pPr marL="0" indent="0" algn="l">
+              <a:spcBef>
+                <a:spcPts val="0"/>
+              </a:spcBef>
+              <a:buNone/>
+              <a:defRPr sz="2800">
+                <a:solidFill>
+                  <a:schemeClr val="tx1"/>
+                </a:solidFill>
+              </a:defRPr>
+            </a:lvl1pPr>
+            <a:lvl2pPr marL="457200" indent="0">
+              <a:buNone/>
+              <a:defRPr sz="1800">
+                <a:solidFill>
+                  <a:schemeClr val="tx1">
+                    <a:tint val="75000"/>
+                  </a:schemeClr>
+                </a:solidFill>
+              </a:defRPr>
+            </a:lvl2pPr>
+            <a:lvl3pPr marL="914400" indent="0">
+              <a:buNone/>
+              <a:defRPr sz="1600">
+                <a:solidFill>
+                  <a:schemeClr val="tx1">
+                    <a:tint val="75000"/>
+                  </a:schemeClr>
+                </a:solidFill>
+              </a:defRPr>
+            </a:lvl3pPr>
+            <a:lvl4pPr marL="1371600" indent="0">
+              <a:buNone/>
+              <a:defRPr sz="1400">
+                <a:solidFill>
+                  <a:schemeClr val="tx1">
+                    <a:tint val="75000"/>
+                  </a:schemeClr>
+                </a:solidFill>
+              </a:defRPr>
+            </a:lvl4pPr>
+            <a:lvl5pPr marL="1828800" indent="0">
+              <a:buNone/>
+              <a:defRPr sz="1400">
+                <a:solidFill>
+                  <a:schemeClr val="tx1">
+                    <a:tint val="75000"/>
+                  </a:schemeClr>
+                </a:solidFill>
+              </a:defRPr>
+            </a:lvl5pPr>
+            <a:lvl6pPr marL="2286000" indent="0">
+              <a:buNone/>
+              <a:defRPr sz="1400">
+                <a:solidFill>
+                  <a:schemeClr val="tx1">
+                    <a:tint val="75000"/>
+                  </a:schemeClr>
+                </a:solidFill>
+              </a:defRPr>
+            </a:lvl6pPr>
+            <a:lvl7pPr marL="2743200" indent="0">
+              <a:buNone/>
+              <a:defRPr sz="1400">
+                <a:solidFill>
+                  <a:schemeClr val="tx1">
+                    <a:tint val="75000"/>
+                  </a:schemeClr>
+                </a:solidFill>
+              </a:defRPr>
+            </a:lvl7pPr>
+            <a:lvl8pPr marL="3200400" indent="0">
+              <a:buNone/>
+              <a:defRPr sz="1400">
+                <a:solidFill>
+                  <a:schemeClr val="tx1">
+                    <a:tint val="75000"/>
+                  </a:schemeClr>
+                </a:solidFill>
+              </a:defRPr>
+            </a:lvl8pPr>
+            <a:lvl9pPr marL="3657600" indent="0">
+              <a:buNone/>
+              <a:defRPr sz="1400">
+                <a:solidFill>
+                  <a:schemeClr val="tx1">
+                    <a:tint val="75000"/>
+                  </a:schemeClr>
+                </a:solidFill>
+              </a:defRPr>
+            </a:lvl9pPr>
+          </a:lstStyle>
+          <a:p>
+            <a:pPr lvl="0"/>
+            <a:r>
+              <a:rPr lang="es-ES"/>
+              <a:t>Haga clic para modificar los estilos de texto del patrón</a:t>
+            </a:r>
+          </a:p>
+        </p:txBody>
+      </p:sp>
+      <p:sp>
+        <p:nvSpPr>
+          <p:cNvPr id="3" name="Text Placeholder 2"/>
+          <p:cNvSpPr>
+            <a:spLocks noGrp="1"/>
+          </p:cNvSpPr>
+          <p:nvPr>
+            <p:ph type="body" idx="1"/>
+          </p:nvPr>
+        </p:nvSpPr>
+        <p:spPr>
+          <a:xfrm>
+            <a:off x="1295400" y="4470399"/>
+            <a:ext cx="9609670" cy="1405467"/>
+          </a:xfrm>
+        </p:spPr>
+        <p:txBody>
+          <a:bodyPr anchor="t">
+            <a:normAutofit/>
+          </a:bodyPr>
+          <a:lstStyle>
+            <a:lvl1pPr marL="0" indent="0" algn="l">
+              <a:buNone/>
+              <a:defRPr sz="1800">
+                <a:solidFill>
+                  <a:schemeClr val="tx1"/>
+                </a:solidFill>
+              </a:defRPr>
+            </a:lvl1pPr>
+            <a:lvl2pPr marL="457200" indent="0">
+              <a:buNone/>
+              <a:defRPr sz="1800">
+                <a:solidFill>
+                  <a:schemeClr val="tx1">
+                    <a:tint val="75000"/>
+                  </a:schemeClr>
+                </a:solidFill>
+              </a:defRPr>
+            </a:lvl2pPr>
+            <a:lvl3pPr marL="914400" indent="0">
+              <a:buNone/>
+              <a:defRPr sz="1600">
+                <a:solidFill>
+                  <a:schemeClr val="tx1">
+                    <a:tint val="75000"/>
+                  </a:schemeClr>
+                </a:solidFill>
+              </a:defRPr>
+            </a:lvl3pPr>
+            <a:lvl4pPr marL="1371600" indent="0">
+              <a:buNone/>
+              <a:defRPr sz="1400">
+                <a:solidFill>
+                  <a:schemeClr val="tx1">
+                    <a:tint val="75000"/>
+                  </a:schemeClr>
+                </a:solidFill>
+              </a:defRPr>
+            </a:lvl4pPr>
+            <a:lvl5pPr marL="1828800" indent="0">
+              <a:buNone/>
+              <a:defRPr sz="1400">
+                <a:solidFill>
+                  <a:schemeClr val="tx1">
+                    <a:tint val="75000"/>
+                  </a:schemeClr>
+                </a:solidFill>
+              </a:defRPr>
+            </a:lvl5pPr>
+            <a:lvl6pPr marL="2286000" indent="0">
+              <a:buNone/>
+              <a:defRPr sz="1400">
+                <a:solidFill>
+                  <a:schemeClr val="tx1">
+                    <a:tint val="75000"/>
+                  </a:schemeClr>
+                </a:solidFill>
+              </a:defRPr>
+            </a:lvl6pPr>
+            <a:lvl7pPr marL="2743200" indent="0">
+              <a:buNone/>
+              <a:defRPr sz="1400">
+                <a:solidFill>
+                  <a:schemeClr val="tx1">
+                    <a:tint val="75000"/>
+                  </a:schemeClr>
+                </a:solidFill>
+              </a:defRPr>
+            </a:lvl7pPr>
+            <a:lvl8pPr marL="3200400" indent="0">
+              <a:buNone/>
+              <a:defRPr sz="1400">
+                <a:solidFill>
+                  <a:schemeClr val="tx1">
+                    <a:tint val="75000"/>
+                  </a:schemeClr>
+                </a:solidFill>
+              </a:defRPr>
+            </a:lvl8pPr>
+            <a:lvl9pPr marL="3657600" indent="0">
+              <a:buNone/>
+              <a:defRPr sz="1400">
+                <a:solidFill>
+                  <a:schemeClr val="tx1">
+                    <a:tint val="75000"/>
+                  </a:schemeClr>
+                </a:solidFill>
+              </a:defRPr>
+            </a:lvl9pPr>
+          </a:lstStyle>
+          <a:p>
+            <a:pPr lvl="0"/>
+            <a:r>
+              <a:rPr lang="es-ES"/>
+              <a:t>Haga clic para modificar los estilos de texto del patrón</a:t>
+            </a:r>
+          </a:p>
+        </p:txBody>
+      </p:sp>
+      <p:sp>
+        <p:nvSpPr>
+          <p:cNvPr id="4" name="Date Placeholder 3"/>
+          <p:cNvSpPr>
+            <a:spLocks noGrp="1"/>
+          </p:cNvSpPr>
+          <p:nvPr>
+            <p:ph type="dt" sz="half" idx="10"/>
+          </p:nvPr>
+        </p:nvSpPr>
+        <p:spPr/>
+        <p:txBody>
+          <a:bodyPr/>
+          <a:lstStyle/>
+          <a:p>
+            <a:fld id="{7572CA1D-0F2F-4863-9FA1-F22AF1696BC3}" type="datetimeFigureOut">
+              <a:rPr lang="es-CL" smtClean="0"/>
+              <a:t>02-12-2022</a:t>
+            </a:fld>
+            <a:endParaRPr lang="es-CL"/>
+          </a:p>
+        </p:txBody>
+      </p:sp>
+      <p:sp>
+        <p:nvSpPr>
+          <p:cNvPr id="5" name="Footer Placeholder 4"/>
+          <p:cNvSpPr>
+            <a:spLocks noGrp="1"/>
+          </p:cNvSpPr>
+          <p:nvPr>
+            <p:ph type="ftr" sz="quarter" idx="11"/>
+          </p:nvPr>
+        </p:nvSpPr>
+        <p:spPr/>
+        <p:txBody>
+          <a:bodyPr/>
+          <a:lstStyle/>
+          <a:p>
+            <a:endParaRPr lang="es-CL"/>
+          </a:p>
+        </p:txBody>
+      </p:sp>
+      <p:sp>
+        <p:nvSpPr>
+          <p:cNvPr id="6" name="Slide Number Placeholder 5"/>
+          <p:cNvSpPr>
+            <a:spLocks noGrp="1"/>
+          </p:cNvSpPr>
+          <p:nvPr>
+            <p:ph type="sldNum" sz="quarter" idx="12"/>
+          </p:nvPr>
+        </p:nvSpPr>
+        <p:spPr/>
+        <p:txBody>
+          <a:bodyPr/>
+          <a:lstStyle/>
+          <a:p>
+            <a:fld id="{8E72EABE-7279-4B2C-A70A-79951A8C2769}" type="slidenum">
+              <a:rPr lang="es-CL" smtClean="0"/>
+              <a:t>‹Nº›</a:t>
+            </a:fld>
+            <a:endParaRPr lang="es-CL"/>
+          </a:p>
+        </p:txBody>
+      </p:sp>
+      <p:cxnSp>
+        <p:nvCxnSpPr>
+          <p:cNvPr id="15" name="Straight Connector 14"/>
+          <p:cNvCxnSpPr/>
+          <p:nvPr/>
+        </p:nvCxnSpPr>
+        <p:spPr>
+          <a:xfrm>
+            <a:off x="1396169" y="3429000"/>
+            <a:ext cx="9407298" cy="0"/>
+          </a:xfrm>
+          <a:prstGeom prst="line">
+            <a:avLst/>
+          </a:prstGeom>
+          <a:ln w="15875"/>
+        </p:spPr>
+        <p:style>
+          <a:lnRef idx="2">
+            <a:schemeClr val="accent1"/>
+          </a:lnRef>
+          <a:fillRef idx="0">
+            <a:schemeClr val="accent1"/>
+          </a:fillRef>
+          <a:effectRef idx="1">
+            <a:schemeClr val="accent1"/>
+          </a:effectRef>
+          <a:fontRef idx="minor">
+            <a:schemeClr val="tx1"/>
+          </a:fontRef>
+        </p:style>
+      </p:cxnSp>
+    </p:spTree>
+    <p:extLst>
+      <p:ext uri="{BB962C8B-B14F-4D97-AF65-F5344CB8AC3E}">
+        <p14:creationId xmlns:p14="http://schemas.microsoft.com/office/powerpoint/2010/main" val="314947037"/>
+      </p:ext>
+    </p:extLst>
+  </p:cSld>
+  <p:clrMapOvr>
+    <a:masterClrMapping/>
+  </p:clrMapOvr>
+</p:sldLayout>
+</file>
+
+<file path=ppt/slideLayouts/slideLayout16.xml><?xml version="1.0" encoding="utf-8"?>
 <p:sldLayout xmlns:a="http://schemas.openxmlformats.org/drawingml/2006/main" xmlns:r="http://schemas.openxmlformats.org/officeDocument/2006/relationships" xmlns:p="http://schemas.openxmlformats.org/presentationml/2006/main" type="vertTx" preserve="1">
   <p:cSld name="Título y texto vertical">
     <p:spTree>
@@ -355,13 +2664,7 @@
       </p:grpSpPr>
       <p:sp>
         <p:nvSpPr>
-          <p:cNvPr id="2" name="Título 1">
-            <a:extLst>
-              <a:ext uri="{FF2B5EF4-FFF2-40B4-BE49-F238E27FC236}">
-                <a16:creationId xmlns:a16="http://schemas.microsoft.com/office/drawing/2014/main" id="{61D72EAB-41C8-DFC9-8578-E1CD1E5C57E0}"/>
-              </a:ext>
-            </a:extLst>
-          </p:cNvPr>
+          <p:cNvPr id="2" name="Title 1"/>
           <p:cNvSpPr>
             <a:spLocks noGrp="1"/>
           </p:cNvSpPr>
@@ -372,25 +2675,23 @@
         <p:spPr/>
         <p:txBody>
           <a:bodyPr/>
-          <a:lstStyle/>
+          <a:lstStyle>
+            <a:lvl1pPr algn="ctr">
+              <a:defRPr/>
+            </a:lvl1pPr>
+          </a:lstStyle>
           <a:p>
             <a:r>
               <a:rPr lang="es-ES"/>
               <a:t>Haga clic para modificar el estilo de título del patrón</a:t>
             </a:r>
-            <a:endParaRPr lang="es-CL"/>
-          </a:p>
-        </p:txBody>
-      </p:sp>
-      <p:sp>
-        <p:nvSpPr>
-          <p:cNvPr id="3" name="Marcador de texto vertical 2">
-            <a:extLst>
-              <a:ext uri="{FF2B5EF4-FFF2-40B4-BE49-F238E27FC236}">
-                <a16:creationId xmlns:a16="http://schemas.microsoft.com/office/drawing/2014/main" id="{058CE883-3BAF-F67A-D917-B3868194D465}"/>
-              </a:ext>
-            </a:extLst>
-          </p:cNvPr>
+            <a:endParaRPr lang="en-US" dirty="0"/>
+          </a:p>
+        </p:txBody>
+      </p:sp>
+      <p:sp>
+        <p:nvSpPr>
+          <p:cNvPr id="3" name="Vertical Text Placeholder 2"/>
           <p:cNvSpPr>
             <a:spLocks noGrp="1"/>
           </p:cNvSpPr>
@@ -400,7 +2701,7 @@
         </p:nvSpPr>
         <p:spPr/>
         <p:txBody>
-          <a:bodyPr vert="eaVert"/>
+          <a:bodyPr vert="eaVert" anchor="t"/>
           <a:lstStyle/>
           <a:p>
             <a:pPr lvl="0"/>
@@ -436,19 +2737,13 @@
               <a:rPr lang="es-ES"/>
               <a:t>Quinto nivel</a:t>
             </a:r>
-            <a:endParaRPr lang="es-CL"/>
-          </a:p>
-        </p:txBody>
-      </p:sp>
-      <p:sp>
-        <p:nvSpPr>
-          <p:cNvPr id="4" name="Marcador de fecha 3">
-            <a:extLst>
-              <a:ext uri="{FF2B5EF4-FFF2-40B4-BE49-F238E27FC236}">
-                <a16:creationId xmlns:a16="http://schemas.microsoft.com/office/drawing/2014/main" id="{81C5CA5A-5C40-79C3-854B-DF929A0474EA}"/>
-              </a:ext>
-            </a:extLst>
-          </p:cNvPr>
+            <a:endParaRPr lang="en-US" dirty="0"/>
+          </a:p>
+        </p:txBody>
+      </p:sp>
+      <p:sp>
+        <p:nvSpPr>
+          <p:cNvPr id="4" name="Date Placeholder 3"/>
           <p:cNvSpPr>
             <a:spLocks noGrp="1"/>
           </p:cNvSpPr>
@@ -463,7 +2758,7 @@
           <a:p>
             <a:fld id="{7572CA1D-0F2F-4863-9FA1-F22AF1696BC3}" type="datetimeFigureOut">
               <a:rPr lang="es-CL" smtClean="0"/>
-              <a:t>01-12-2022</a:t>
+              <a:t>02-12-2022</a:t>
             </a:fld>
             <a:endParaRPr lang="es-CL"/>
           </a:p>
@@ -471,13 +2766,7 @@
       </p:sp>
       <p:sp>
         <p:nvSpPr>
-          <p:cNvPr id="5" name="Marcador de pie de página 4">
-            <a:extLst>
-              <a:ext uri="{FF2B5EF4-FFF2-40B4-BE49-F238E27FC236}">
-                <a16:creationId xmlns:a16="http://schemas.microsoft.com/office/drawing/2014/main" id="{551E083D-3B29-98E9-1FDE-A8BA8EEC943A}"/>
-              </a:ext>
-            </a:extLst>
-          </p:cNvPr>
+          <p:cNvPr id="5" name="Footer Placeholder 4"/>
           <p:cNvSpPr>
             <a:spLocks noGrp="1"/>
           </p:cNvSpPr>
@@ -496,13 +2785,7 @@
       </p:sp>
       <p:sp>
         <p:nvSpPr>
-          <p:cNvPr id="6" name="Marcador de número de diapositiva 5">
-            <a:extLst>
-              <a:ext uri="{FF2B5EF4-FFF2-40B4-BE49-F238E27FC236}">
-                <a16:creationId xmlns:a16="http://schemas.microsoft.com/office/drawing/2014/main" id="{472E300B-9A08-B073-AD10-7EE4FCB13C90}"/>
-              </a:ext>
-            </a:extLst>
-          </p:cNvPr>
+          <p:cNvPr id="6" name="Slide Number Placeholder 5"/>
           <p:cNvSpPr>
             <a:spLocks noGrp="1"/>
           </p:cNvSpPr>
@@ -523,10 +2806,41 @@
           </a:p>
         </p:txBody>
       </p:sp>
+      <p:cxnSp>
+        <p:nvCxnSpPr>
+          <p:cNvPr id="14" name="Straight Connector 13"/>
+          <p:cNvCxnSpPr/>
+          <p:nvPr/>
+        </p:nvCxnSpPr>
+        <p:spPr>
+          <a:xfrm>
+            <a:off x="1396169" y="2421466"/>
+            <a:ext cx="9407298" cy="0"/>
+          </a:xfrm>
+          <a:prstGeom prst="line">
+            <a:avLst/>
+          </a:prstGeom>
+          <a:ln w="15875"/>
+        </p:spPr>
+        <p:style>
+          <a:lnRef idx="2">
+            <a:schemeClr val="accent1"/>
+          </a:lnRef>
+          <a:fillRef idx="0">
+            <a:schemeClr val="accent1"/>
+          </a:fillRef>
+          <a:effectRef idx="1">
+            <a:schemeClr val="accent1"/>
+          </a:effectRef>
+          <a:fontRef idx="minor">
+            <a:schemeClr val="tx1"/>
+          </a:fontRef>
+        </p:style>
+      </p:cxnSp>
     </p:spTree>
     <p:extLst>
       <p:ext uri="{BB962C8B-B14F-4D97-AF65-F5344CB8AC3E}">
-        <p14:creationId xmlns:p14="http://schemas.microsoft.com/office/powerpoint/2010/main" val="1948896259"/>
+        <p14:creationId xmlns:p14="http://schemas.microsoft.com/office/powerpoint/2010/main" val="4014781035"/>
       </p:ext>
     </p:extLst>
   </p:cSld>
@@ -536,7 +2850,7 @@
 </p:sldLayout>
 </file>
 
-<file path=ppt/slideLayouts/slideLayout11.xml><?xml version="1.0" encoding="utf-8"?>
+<file path=ppt/slideLayouts/slideLayout17.xml><?xml version="1.0" encoding="utf-8"?>
 <p:sldLayout xmlns:a="http://schemas.openxmlformats.org/drawingml/2006/main" xmlns:r="http://schemas.openxmlformats.org/officeDocument/2006/relationships" xmlns:p="http://schemas.openxmlformats.org/presentationml/2006/main" type="vertTitleAndTx" preserve="1">
   <p:cSld name="Título vertical y texto">
     <p:spTree>
@@ -555,13 +2869,7 @@
       </p:grpSpPr>
       <p:sp>
         <p:nvSpPr>
-          <p:cNvPr id="2" name="Título vertical 1">
-            <a:extLst>
-              <a:ext uri="{FF2B5EF4-FFF2-40B4-BE49-F238E27FC236}">
-                <a16:creationId xmlns:a16="http://schemas.microsoft.com/office/drawing/2014/main" id="{42FD3531-0658-2A7B-ED9A-415D724937B7}"/>
-              </a:ext>
-            </a:extLst>
-          </p:cNvPr>
+          <p:cNvPr id="2" name="Vertical Title 1"/>
           <p:cNvSpPr>
             <a:spLocks noGrp="1"/>
           </p:cNvSpPr>
@@ -571,8 +2879,8 @@
         </p:nvSpPr>
         <p:spPr>
           <a:xfrm>
-            <a:off x="8724900" y="365125"/>
-            <a:ext cx="2628900" cy="5811838"/>
+            <a:off x="8999356" y="982131"/>
+            <a:ext cx="1890895" cy="4893735"/>
           </a:xfrm>
         </p:spPr>
         <p:txBody>
@@ -583,19 +2891,13 @@
               <a:rPr lang="es-ES"/>
               <a:t>Haga clic para modificar el estilo de título del patrón</a:t>
             </a:r>
-            <a:endParaRPr lang="es-CL"/>
-          </a:p>
-        </p:txBody>
-      </p:sp>
-      <p:sp>
-        <p:nvSpPr>
-          <p:cNvPr id="3" name="Marcador de texto vertical 2">
-            <a:extLst>
-              <a:ext uri="{FF2B5EF4-FFF2-40B4-BE49-F238E27FC236}">
-                <a16:creationId xmlns:a16="http://schemas.microsoft.com/office/drawing/2014/main" id="{0BAEF826-FFAA-7C0E-6B3A-0590050258AF}"/>
-              </a:ext>
-            </a:extLst>
-          </p:cNvPr>
+            <a:endParaRPr lang="en-US" dirty="0"/>
+          </a:p>
+        </p:txBody>
+      </p:sp>
+      <p:sp>
+        <p:nvSpPr>
+          <p:cNvPr id="3" name="Vertical Text Placeholder 2"/>
           <p:cNvSpPr>
             <a:spLocks noGrp="1"/>
           </p:cNvSpPr>
@@ -605,12 +2907,12 @@
         </p:nvSpPr>
         <p:spPr>
           <a:xfrm>
-            <a:off x="838200" y="365125"/>
-            <a:ext cx="7734300" cy="5811838"/>
+            <a:off x="1295398" y="982132"/>
+            <a:ext cx="7433025" cy="4893734"/>
           </a:xfrm>
         </p:spPr>
         <p:txBody>
-          <a:bodyPr vert="eaVert"/>
+          <a:bodyPr vert="eaVert" anchor="t"/>
           <a:lstStyle/>
           <a:p>
             <a:pPr lvl="0"/>
@@ -646,19 +2948,13 @@
               <a:rPr lang="es-ES"/>
               <a:t>Quinto nivel</a:t>
             </a:r>
-            <a:endParaRPr lang="es-CL"/>
-          </a:p>
-        </p:txBody>
-      </p:sp>
-      <p:sp>
-        <p:nvSpPr>
-          <p:cNvPr id="4" name="Marcador de fecha 3">
-            <a:extLst>
-              <a:ext uri="{FF2B5EF4-FFF2-40B4-BE49-F238E27FC236}">
-                <a16:creationId xmlns:a16="http://schemas.microsoft.com/office/drawing/2014/main" id="{24AAAAA3-21A4-C016-E398-382452B2A9C6}"/>
-              </a:ext>
-            </a:extLst>
-          </p:cNvPr>
+            <a:endParaRPr lang="en-US" dirty="0"/>
+          </a:p>
+        </p:txBody>
+      </p:sp>
+      <p:sp>
+        <p:nvSpPr>
+          <p:cNvPr id="4" name="Date Placeholder 3"/>
           <p:cNvSpPr>
             <a:spLocks noGrp="1"/>
           </p:cNvSpPr>
@@ -673,7 +2969,7 @@
           <a:p>
             <a:fld id="{7572CA1D-0F2F-4863-9FA1-F22AF1696BC3}" type="datetimeFigureOut">
               <a:rPr lang="es-CL" smtClean="0"/>
-              <a:t>01-12-2022</a:t>
+              <a:t>02-12-2022</a:t>
             </a:fld>
             <a:endParaRPr lang="es-CL"/>
           </a:p>
@@ -681,13 +2977,7 @@
       </p:sp>
       <p:sp>
         <p:nvSpPr>
-          <p:cNvPr id="5" name="Marcador de pie de página 4">
-            <a:extLst>
-              <a:ext uri="{FF2B5EF4-FFF2-40B4-BE49-F238E27FC236}">
-                <a16:creationId xmlns:a16="http://schemas.microsoft.com/office/drawing/2014/main" id="{CA292C43-196E-9E3C-38A5-8CE625D48ADF}"/>
-              </a:ext>
-            </a:extLst>
-          </p:cNvPr>
+          <p:cNvPr id="5" name="Footer Placeholder 4"/>
           <p:cNvSpPr>
             <a:spLocks noGrp="1"/>
           </p:cNvSpPr>
@@ -706,13 +2996,7 @@
       </p:sp>
       <p:sp>
         <p:nvSpPr>
-          <p:cNvPr id="6" name="Marcador de número de diapositiva 5">
-            <a:extLst>
-              <a:ext uri="{FF2B5EF4-FFF2-40B4-BE49-F238E27FC236}">
-                <a16:creationId xmlns:a16="http://schemas.microsoft.com/office/drawing/2014/main" id="{75209A31-7E40-4B48-1BFB-C8E626A55291}"/>
-              </a:ext>
-            </a:extLst>
-          </p:cNvPr>
+          <p:cNvPr id="6" name="Slide Number Placeholder 5"/>
           <p:cNvSpPr>
             <a:spLocks noGrp="1"/>
           </p:cNvSpPr>
@@ -733,10 +3017,41 @@
           </a:p>
         </p:txBody>
       </p:sp>
+      <p:cxnSp>
+        <p:nvCxnSpPr>
+          <p:cNvPr id="14" name="Straight Connector 13"/>
+          <p:cNvCxnSpPr/>
+          <p:nvPr/>
+        </p:nvCxnSpPr>
+        <p:spPr>
+          <a:xfrm>
+            <a:off x="8863890" y="990600"/>
+            <a:ext cx="0" cy="4876800"/>
+          </a:xfrm>
+          <a:prstGeom prst="line">
+            <a:avLst/>
+          </a:prstGeom>
+          <a:ln w="15875"/>
+        </p:spPr>
+        <p:style>
+          <a:lnRef idx="2">
+            <a:schemeClr val="accent1"/>
+          </a:lnRef>
+          <a:fillRef idx="0">
+            <a:schemeClr val="accent1"/>
+          </a:fillRef>
+          <a:effectRef idx="1">
+            <a:schemeClr val="accent1"/>
+          </a:effectRef>
+          <a:fontRef idx="minor">
+            <a:schemeClr val="tx1"/>
+          </a:fontRef>
+        </p:style>
+      </p:cxnSp>
     </p:spTree>
     <p:extLst>
       <p:ext uri="{BB962C8B-B14F-4D97-AF65-F5344CB8AC3E}">
-        <p14:creationId xmlns:p14="http://schemas.microsoft.com/office/powerpoint/2010/main" val="4121825930"/>
+        <p14:creationId xmlns:p14="http://schemas.microsoft.com/office/powerpoint/2010/main" val="2713641967"/>
       </p:ext>
     </p:extLst>
   </p:cSld>
@@ -763,15 +3078,40 @@
           <a:chExt cx="0" cy="0"/>
         </a:xfrm>
       </p:grpSpPr>
-      <p:sp>
-        <p:nvSpPr>
-          <p:cNvPr id="2" name="Título 1">
-            <a:extLst>
-              <a:ext uri="{FF2B5EF4-FFF2-40B4-BE49-F238E27FC236}">
-                <a16:creationId xmlns:a16="http://schemas.microsoft.com/office/drawing/2014/main" id="{F69C844F-46DE-B216-AE6E-709F0BDBB32F}"/>
-              </a:ext>
-            </a:extLst>
-          </p:cNvPr>
+      <p:cxnSp>
+        <p:nvCxnSpPr>
+          <p:cNvPr id="7" name="Straight Connector 6"/>
+          <p:cNvCxnSpPr/>
+          <p:nvPr/>
+        </p:nvCxnSpPr>
+        <p:spPr>
+          <a:xfrm>
+            <a:off x="1396169" y="2421466"/>
+            <a:ext cx="9407298" cy="0"/>
+          </a:xfrm>
+          <a:prstGeom prst="line">
+            <a:avLst/>
+          </a:prstGeom>
+          <a:ln w="15875"/>
+        </p:spPr>
+        <p:style>
+          <a:lnRef idx="2">
+            <a:schemeClr val="accent1"/>
+          </a:lnRef>
+          <a:fillRef idx="0">
+            <a:schemeClr val="accent1"/>
+          </a:fillRef>
+          <a:effectRef idx="1">
+            <a:schemeClr val="accent1"/>
+          </a:effectRef>
+          <a:fontRef idx="minor">
+            <a:schemeClr val="tx1"/>
+          </a:fontRef>
+        </p:style>
+      </p:cxnSp>
+      <p:sp>
+        <p:nvSpPr>
+          <p:cNvPr id="2" name="Title 1"/>
           <p:cNvSpPr>
             <a:spLocks noGrp="1"/>
           </p:cNvSpPr>
@@ -788,19 +3128,13 @@
               <a:rPr lang="es-ES"/>
               <a:t>Haga clic para modificar el estilo de título del patrón</a:t>
             </a:r>
-            <a:endParaRPr lang="es-CL"/>
-          </a:p>
-        </p:txBody>
-      </p:sp>
-      <p:sp>
-        <p:nvSpPr>
-          <p:cNvPr id="3" name="Marcador de contenido 2">
-            <a:extLst>
-              <a:ext uri="{FF2B5EF4-FFF2-40B4-BE49-F238E27FC236}">
-                <a16:creationId xmlns:a16="http://schemas.microsoft.com/office/drawing/2014/main" id="{0D340877-197F-99F4-31B0-B4F76FEB160C}"/>
-              </a:ext>
-            </a:extLst>
-          </p:cNvPr>
+            <a:endParaRPr lang="en-US" dirty="0"/>
+          </a:p>
+        </p:txBody>
+      </p:sp>
+      <p:sp>
+        <p:nvSpPr>
+          <p:cNvPr id="3" name="Content Placeholder 2"/>
           <p:cNvSpPr>
             <a:spLocks noGrp="1"/>
           </p:cNvSpPr>
@@ -846,19 +3180,13 @@
               <a:rPr lang="es-ES"/>
               <a:t>Quinto nivel</a:t>
             </a:r>
-            <a:endParaRPr lang="es-CL"/>
-          </a:p>
-        </p:txBody>
-      </p:sp>
-      <p:sp>
-        <p:nvSpPr>
-          <p:cNvPr id="4" name="Marcador de fecha 3">
-            <a:extLst>
-              <a:ext uri="{FF2B5EF4-FFF2-40B4-BE49-F238E27FC236}">
-                <a16:creationId xmlns:a16="http://schemas.microsoft.com/office/drawing/2014/main" id="{150E6AB5-9962-861B-F2C0-6DFCBAA1EF39}"/>
-              </a:ext>
-            </a:extLst>
-          </p:cNvPr>
+            <a:endParaRPr lang="en-US" dirty="0"/>
+          </a:p>
+        </p:txBody>
+      </p:sp>
+      <p:sp>
+        <p:nvSpPr>
+          <p:cNvPr id="4" name="Date Placeholder 3"/>
           <p:cNvSpPr>
             <a:spLocks noGrp="1"/>
           </p:cNvSpPr>
@@ -873,7 +3201,7 @@
           <a:p>
             <a:fld id="{7572CA1D-0F2F-4863-9FA1-F22AF1696BC3}" type="datetimeFigureOut">
               <a:rPr lang="es-CL" smtClean="0"/>
-              <a:t>01-12-2022</a:t>
+              <a:t>02-12-2022</a:t>
             </a:fld>
             <a:endParaRPr lang="es-CL"/>
           </a:p>
@@ -881,13 +3209,7 @@
       </p:sp>
       <p:sp>
         <p:nvSpPr>
-          <p:cNvPr id="5" name="Marcador de pie de página 4">
-            <a:extLst>
-              <a:ext uri="{FF2B5EF4-FFF2-40B4-BE49-F238E27FC236}">
-                <a16:creationId xmlns:a16="http://schemas.microsoft.com/office/drawing/2014/main" id="{499F0DAF-B512-E426-C0AD-6F43AD51380B}"/>
-              </a:ext>
-            </a:extLst>
-          </p:cNvPr>
+          <p:cNvPr id="5" name="Footer Placeholder 4"/>
           <p:cNvSpPr>
             <a:spLocks noGrp="1"/>
           </p:cNvSpPr>
@@ -906,13 +3228,7 @@
       </p:sp>
       <p:sp>
         <p:nvSpPr>
-          <p:cNvPr id="6" name="Marcador de número de diapositiva 5">
-            <a:extLst>
-              <a:ext uri="{FF2B5EF4-FFF2-40B4-BE49-F238E27FC236}">
-                <a16:creationId xmlns:a16="http://schemas.microsoft.com/office/drawing/2014/main" id="{4297D7E5-C0F6-809A-81D7-BDFA52ED6C30}"/>
-              </a:ext>
-            </a:extLst>
-          </p:cNvPr>
+          <p:cNvPr id="6" name="Slide Number Placeholder 5"/>
           <p:cNvSpPr>
             <a:spLocks noGrp="1"/>
           </p:cNvSpPr>
@@ -936,7 +3252,7 @@
     </p:spTree>
     <p:extLst>
       <p:ext uri="{BB962C8B-B14F-4D97-AF65-F5344CB8AC3E}">
-        <p14:creationId xmlns:p14="http://schemas.microsoft.com/office/powerpoint/2010/main" val="164082598"/>
+        <p14:creationId xmlns:p14="http://schemas.microsoft.com/office/powerpoint/2010/main" val="1257859348"/>
       </p:ext>
     </p:extLst>
   </p:cSld>
@@ -965,13 +3281,7 @@
       </p:grpSpPr>
       <p:sp>
         <p:nvSpPr>
-          <p:cNvPr id="2" name="Título 1">
-            <a:extLst>
-              <a:ext uri="{FF2B5EF4-FFF2-40B4-BE49-F238E27FC236}">
-                <a16:creationId xmlns:a16="http://schemas.microsoft.com/office/drawing/2014/main" id="{70589BDC-A44B-CBA2-2DDA-D7CE30B1D3E0}"/>
-              </a:ext>
-            </a:extLst>
-          </p:cNvPr>
+          <p:cNvPr id="2" name="Title 1"/>
           <p:cNvSpPr>
             <a:spLocks noGrp="1"/>
           </p:cNvSpPr>
@@ -981,15 +3291,17 @@
         </p:nvSpPr>
         <p:spPr>
           <a:xfrm>
-            <a:off x="831850" y="1709738"/>
-            <a:ext cx="10515600" cy="2852737"/>
+            <a:off x="2015069" y="1752606"/>
+            <a:ext cx="8158688" cy="1822514"/>
           </a:xfrm>
         </p:spPr>
         <p:txBody>
-          <a:bodyPr anchor="b"/>
+          <a:bodyPr anchor="b">
+            <a:normAutofit/>
+          </a:bodyPr>
           <a:lstStyle>
-            <a:lvl1pPr>
-              <a:defRPr sz="6000"/>
+            <a:lvl1pPr algn="ctr">
+              <a:defRPr sz="4400" b="0" cap="none"/>
             </a:lvl1pPr>
           </a:lstStyle>
           <a:p>
@@ -997,19 +3309,13 @@
               <a:rPr lang="es-ES"/>
               <a:t>Haga clic para modificar el estilo de título del patrón</a:t>
             </a:r>
-            <a:endParaRPr lang="es-CL"/>
-          </a:p>
-        </p:txBody>
-      </p:sp>
-      <p:sp>
-        <p:nvSpPr>
-          <p:cNvPr id="3" name="Marcador de texto 2">
-            <a:extLst>
-              <a:ext uri="{FF2B5EF4-FFF2-40B4-BE49-F238E27FC236}">
-                <a16:creationId xmlns:a16="http://schemas.microsoft.com/office/drawing/2014/main" id="{60BCDF77-E446-D849-205C-30CE717232A1}"/>
-              </a:ext>
-            </a:extLst>
-          </p:cNvPr>
+            <a:endParaRPr lang="en-US" dirty="0"/>
+          </a:p>
+        </p:txBody>
+      </p:sp>
+      <p:sp>
+        <p:nvSpPr>
+          <p:cNvPr id="3" name="Text Placeholder 2"/>
           <p:cNvSpPr>
             <a:spLocks noGrp="1"/>
           </p:cNvSpPr>
@@ -1019,102 +3325,102 @@
         </p:nvSpPr>
         <p:spPr>
           <a:xfrm>
-            <a:off x="831850" y="4589463"/>
-            <a:ext cx="10515600" cy="1500187"/>
+            <a:off x="2015067" y="3846051"/>
+            <a:ext cx="8158690" cy="954547"/>
           </a:xfrm>
         </p:spPr>
         <p:txBody>
-          <a:bodyPr/>
+          <a:bodyPr anchor="t">
+            <a:normAutofit/>
+          </a:bodyPr>
           <a:lstStyle>
-            <a:lvl1pPr marL="0" indent="0">
+            <a:lvl1pPr marL="0" indent="0" algn="ctr">
               <a:buNone/>
               <a:defRPr sz="2400">
+                <a:solidFill>
+                  <a:schemeClr val="tx1"/>
+                </a:solidFill>
+              </a:defRPr>
+            </a:lvl1pPr>
+            <a:lvl2pPr marL="457200" indent="0">
+              <a:buNone/>
+              <a:defRPr sz="1800">
                 <a:solidFill>
                   <a:schemeClr val="tx1">
                     <a:tint val="75000"/>
                   </a:schemeClr>
                 </a:solidFill>
               </a:defRPr>
-            </a:lvl1pPr>
-            <a:lvl2pPr marL="457200" indent="0">
-              <a:buNone/>
-              <a:defRPr sz="2000">
+            </a:lvl2pPr>
+            <a:lvl3pPr marL="914400" indent="0">
+              <a:buNone/>
+              <a:defRPr sz="1600">
                 <a:solidFill>
                   <a:schemeClr val="tx1">
                     <a:tint val="75000"/>
                   </a:schemeClr>
                 </a:solidFill>
               </a:defRPr>
-            </a:lvl2pPr>
-            <a:lvl3pPr marL="914400" indent="0">
-              <a:buNone/>
-              <a:defRPr sz="1800">
+            </a:lvl3pPr>
+            <a:lvl4pPr marL="1371600" indent="0">
+              <a:buNone/>
+              <a:defRPr sz="1400">
                 <a:solidFill>
                   <a:schemeClr val="tx1">
                     <a:tint val="75000"/>
                   </a:schemeClr>
                 </a:solidFill>
               </a:defRPr>
-            </a:lvl3pPr>
-            <a:lvl4pPr marL="1371600" indent="0">
-              <a:buNone/>
-              <a:defRPr sz="1600">
+            </a:lvl4pPr>
+            <a:lvl5pPr marL="1828800" indent="0">
+              <a:buNone/>
+              <a:defRPr sz="1400">
                 <a:solidFill>
                   <a:schemeClr val="tx1">
                     <a:tint val="75000"/>
                   </a:schemeClr>
                 </a:solidFill>
               </a:defRPr>
-            </a:lvl4pPr>
-            <a:lvl5pPr marL="1828800" indent="0">
-              <a:buNone/>
-              <a:defRPr sz="1600">
+            </a:lvl5pPr>
+            <a:lvl6pPr marL="2286000" indent="0">
+              <a:buNone/>
+              <a:defRPr sz="1400">
                 <a:solidFill>
                   <a:schemeClr val="tx1">
                     <a:tint val="75000"/>
                   </a:schemeClr>
                 </a:solidFill>
               </a:defRPr>
-            </a:lvl5pPr>
-            <a:lvl6pPr marL="2286000" indent="0">
-              <a:buNone/>
-              <a:defRPr sz="1600">
+            </a:lvl6pPr>
+            <a:lvl7pPr marL="2743200" indent="0">
+              <a:buNone/>
+              <a:defRPr sz="1400">
                 <a:solidFill>
                   <a:schemeClr val="tx1">
                     <a:tint val="75000"/>
                   </a:schemeClr>
                 </a:solidFill>
               </a:defRPr>
-            </a:lvl6pPr>
-            <a:lvl7pPr marL="2743200" indent="0">
-              <a:buNone/>
-              <a:defRPr sz="1600">
+            </a:lvl7pPr>
+            <a:lvl8pPr marL="3200400" indent="0">
+              <a:buNone/>
+              <a:defRPr sz="1400">
                 <a:solidFill>
                   <a:schemeClr val="tx1">
                     <a:tint val="75000"/>
                   </a:schemeClr>
                 </a:solidFill>
               </a:defRPr>
-            </a:lvl7pPr>
-            <a:lvl8pPr marL="3200400" indent="0">
-              <a:buNone/>
-              <a:defRPr sz="1600">
+            </a:lvl8pPr>
+            <a:lvl9pPr marL="3657600" indent="0">
+              <a:buNone/>
+              <a:defRPr sz="1400">
                 <a:solidFill>
                   <a:schemeClr val="tx1">
                     <a:tint val="75000"/>
                   </a:schemeClr>
                 </a:solidFill>
               </a:defRPr>
-            </a:lvl8pPr>
-            <a:lvl9pPr marL="3657600" indent="0">
-              <a:buNone/>
-              <a:defRPr sz="1600">
-                <a:solidFill>
-                  <a:schemeClr val="tx1">
-                    <a:tint val="75000"/>
-                  </a:schemeClr>
-                </a:solidFill>
-              </a:defRPr>
             </a:lvl9pPr>
           </a:lstStyle>
           <a:p>
@@ -1128,13 +3434,7 @@
       </p:sp>
       <p:sp>
         <p:nvSpPr>
-          <p:cNvPr id="4" name="Marcador de fecha 3">
-            <a:extLst>
-              <a:ext uri="{FF2B5EF4-FFF2-40B4-BE49-F238E27FC236}">
-                <a16:creationId xmlns:a16="http://schemas.microsoft.com/office/drawing/2014/main" id="{369B90DD-E1CF-5004-06C8-F835DDA08F44}"/>
-              </a:ext>
-            </a:extLst>
-          </p:cNvPr>
+          <p:cNvPr id="4" name="Date Placeholder 3"/>
           <p:cNvSpPr>
             <a:spLocks noGrp="1"/>
           </p:cNvSpPr>
@@ -1149,7 +3449,7 @@
           <a:p>
             <a:fld id="{7572CA1D-0F2F-4863-9FA1-F22AF1696BC3}" type="datetimeFigureOut">
               <a:rPr lang="es-CL" smtClean="0"/>
-              <a:t>01-12-2022</a:t>
+              <a:t>02-12-2022</a:t>
             </a:fld>
             <a:endParaRPr lang="es-CL"/>
           </a:p>
@@ -1157,13 +3457,7 @@
       </p:sp>
       <p:sp>
         <p:nvSpPr>
-          <p:cNvPr id="5" name="Marcador de pie de página 4">
-            <a:extLst>
-              <a:ext uri="{FF2B5EF4-FFF2-40B4-BE49-F238E27FC236}">
-                <a16:creationId xmlns:a16="http://schemas.microsoft.com/office/drawing/2014/main" id="{84520E31-E446-47DA-ABE4-5CC26DF8AD7B}"/>
-              </a:ext>
-            </a:extLst>
-          </p:cNvPr>
+          <p:cNvPr id="5" name="Footer Placeholder 4"/>
           <p:cNvSpPr>
             <a:spLocks noGrp="1"/>
           </p:cNvSpPr>
@@ -1182,13 +3476,7 @@
       </p:sp>
       <p:sp>
         <p:nvSpPr>
-          <p:cNvPr id="6" name="Marcador de número de diapositiva 5">
-            <a:extLst>
-              <a:ext uri="{FF2B5EF4-FFF2-40B4-BE49-F238E27FC236}">
-                <a16:creationId xmlns:a16="http://schemas.microsoft.com/office/drawing/2014/main" id="{6261469F-0105-190E-D96A-5BEFD8CF8086}"/>
-              </a:ext>
-            </a:extLst>
-          </p:cNvPr>
+          <p:cNvPr id="6" name="Slide Number Placeholder 5"/>
           <p:cNvSpPr>
             <a:spLocks noGrp="1"/>
           </p:cNvSpPr>
@@ -1209,10 +3497,41 @@
           </a:p>
         </p:txBody>
       </p:sp>
+      <p:cxnSp>
+        <p:nvCxnSpPr>
+          <p:cNvPr id="16" name="Straight Connector 15"/>
+          <p:cNvCxnSpPr/>
+          <p:nvPr/>
+        </p:nvCxnSpPr>
+        <p:spPr>
+          <a:xfrm>
+            <a:off x="2012723" y="3710585"/>
+            <a:ext cx="8163380" cy="0"/>
+          </a:xfrm>
+          <a:prstGeom prst="line">
+            <a:avLst/>
+          </a:prstGeom>
+          <a:ln w="15875"/>
+        </p:spPr>
+        <p:style>
+          <a:lnRef idx="2">
+            <a:schemeClr val="accent1"/>
+          </a:lnRef>
+          <a:fillRef idx="0">
+            <a:schemeClr val="accent1"/>
+          </a:fillRef>
+          <a:effectRef idx="1">
+            <a:schemeClr val="accent1"/>
+          </a:effectRef>
+          <a:fontRef idx="minor">
+            <a:schemeClr val="tx1"/>
+          </a:fontRef>
+        </p:style>
+      </p:cxnSp>
     </p:spTree>
     <p:extLst>
       <p:ext uri="{BB962C8B-B14F-4D97-AF65-F5344CB8AC3E}">
-        <p14:creationId xmlns:p14="http://schemas.microsoft.com/office/powerpoint/2010/main" val="3072243647"/>
+        <p14:creationId xmlns:p14="http://schemas.microsoft.com/office/powerpoint/2010/main" val="432254249"/>
       </p:ext>
     </p:extLst>
   </p:cSld>
@@ -1239,59 +3558,80 @@
           <a:chExt cx="0" cy="0"/>
         </a:xfrm>
       </p:grpSpPr>
-      <p:sp>
-        <p:nvSpPr>
-          <p:cNvPr id="2" name="Título 1">
-            <a:extLst>
-              <a:ext uri="{FF2B5EF4-FFF2-40B4-BE49-F238E27FC236}">
-                <a16:creationId xmlns:a16="http://schemas.microsoft.com/office/drawing/2014/main" id="{5C2620F3-3102-3549-233A-63AF92A77987}"/>
-              </a:ext>
-            </a:extLst>
-          </p:cNvPr>
-          <p:cNvSpPr>
-            <a:spLocks noGrp="1"/>
-          </p:cNvSpPr>
-          <p:nvPr>
-            <p:ph type="title"/>
-          </p:nvPr>
-        </p:nvSpPr>
-        <p:spPr/>
-        <p:txBody>
-          <a:bodyPr/>
-          <a:lstStyle/>
-          <a:p>
-            <a:r>
-              <a:rPr lang="es-ES"/>
-              <a:t>Haga clic para modificar el estilo de título del patrón</a:t>
-            </a:r>
-            <a:endParaRPr lang="es-CL"/>
-          </a:p>
-        </p:txBody>
-      </p:sp>
-      <p:sp>
-        <p:nvSpPr>
-          <p:cNvPr id="3" name="Marcador de contenido 2">
-            <a:extLst>
-              <a:ext uri="{FF2B5EF4-FFF2-40B4-BE49-F238E27FC236}">
-                <a16:creationId xmlns:a16="http://schemas.microsoft.com/office/drawing/2014/main" id="{7AAB4632-77CB-C5EC-08CF-DF32591935AC}"/>
-              </a:ext>
-            </a:extLst>
-          </p:cNvPr>
-          <p:cNvSpPr>
-            <a:spLocks noGrp="1"/>
-          </p:cNvSpPr>
-          <p:nvPr>
-            <p:ph sz="half" idx="1"/>
-          </p:nvPr>
-        </p:nvSpPr>
+      <p:cxnSp>
+        <p:nvCxnSpPr>
+          <p:cNvPr id="8" name="Straight Connector 7"/>
+          <p:cNvCxnSpPr/>
+          <p:nvPr/>
+        </p:nvCxnSpPr>
         <p:spPr>
           <a:xfrm>
-            <a:off x="838200" y="1825625"/>
-            <a:ext cx="5181600" cy="4351338"/>
+            <a:off x="1396169" y="2421466"/>
+            <a:ext cx="9407298" cy="0"/>
+          </a:xfrm>
+          <a:prstGeom prst="line">
+            <a:avLst/>
+          </a:prstGeom>
+          <a:ln w="15875"/>
+        </p:spPr>
+        <p:style>
+          <a:lnRef idx="2">
+            <a:schemeClr val="accent1"/>
+          </a:lnRef>
+          <a:fillRef idx="0">
+            <a:schemeClr val="accent1"/>
+          </a:fillRef>
+          <a:effectRef idx="1">
+            <a:schemeClr val="accent1"/>
+          </a:effectRef>
+          <a:fontRef idx="minor">
+            <a:schemeClr val="tx1"/>
+          </a:fontRef>
+        </p:style>
+      </p:cxnSp>
+      <p:sp>
+        <p:nvSpPr>
+          <p:cNvPr id="2" name="Title 1"/>
+          <p:cNvSpPr>
+            <a:spLocks noGrp="1"/>
+          </p:cNvSpPr>
+          <p:nvPr>
+            <p:ph type="title"/>
+          </p:nvPr>
+        </p:nvSpPr>
+        <p:spPr/>
+        <p:txBody>
+          <a:bodyPr/>
+          <a:lstStyle/>
+          <a:p>
+            <a:r>
+              <a:rPr lang="es-ES"/>
+              <a:t>Haga clic para modificar el estilo de título del patrón</a:t>
+            </a:r>
+            <a:endParaRPr lang="en-US" dirty="0"/>
+          </a:p>
+        </p:txBody>
+      </p:sp>
+      <p:sp>
+        <p:nvSpPr>
+          <p:cNvPr id="3" name="Content Placeholder 2"/>
+          <p:cNvSpPr>
+            <a:spLocks noGrp="1"/>
+          </p:cNvSpPr>
+          <p:nvPr>
+            <p:ph sz="half" idx="1"/>
+          </p:nvPr>
+        </p:nvSpPr>
+        <p:spPr>
+          <a:xfrm>
+            <a:off x="1298448" y="2560320"/>
+            <a:ext cx="4718304" cy="3310128"/>
           </a:xfrm>
         </p:spPr>
         <p:txBody>
-          <a:bodyPr/>
+          <a:bodyPr>
+            <a:normAutofit/>
+          </a:bodyPr>
           <a:lstStyle/>
           <a:p>
             <a:pPr lvl="0"/>
@@ -1327,19 +3667,13 @@
               <a:rPr lang="es-ES"/>
               <a:t>Quinto nivel</a:t>
             </a:r>
-            <a:endParaRPr lang="es-CL"/>
-          </a:p>
-        </p:txBody>
-      </p:sp>
-      <p:sp>
-        <p:nvSpPr>
-          <p:cNvPr id="4" name="Marcador de contenido 3">
-            <a:extLst>
-              <a:ext uri="{FF2B5EF4-FFF2-40B4-BE49-F238E27FC236}">
-                <a16:creationId xmlns:a16="http://schemas.microsoft.com/office/drawing/2014/main" id="{7538C347-B3D6-1CDE-B673-7C1FD99A9F85}"/>
-              </a:ext>
-            </a:extLst>
-          </p:cNvPr>
+            <a:endParaRPr lang="en-US" dirty="0"/>
+          </a:p>
+        </p:txBody>
+      </p:sp>
+      <p:sp>
+        <p:nvSpPr>
+          <p:cNvPr id="4" name="Content Placeholder 3"/>
           <p:cNvSpPr>
             <a:spLocks noGrp="1"/>
           </p:cNvSpPr>
@@ -1349,12 +3683,14 @@
         </p:nvSpPr>
         <p:spPr>
           <a:xfrm>
-            <a:off x="6172200" y="1825625"/>
-            <a:ext cx="5181600" cy="4351338"/>
+            <a:off x="6181344" y="2560320"/>
+            <a:ext cx="4718304" cy="3310128"/>
           </a:xfrm>
         </p:spPr>
         <p:txBody>
-          <a:bodyPr/>
+          <a:bodyPr>
+            <a:normAutofit/>
+          </a:bodyPr>
           <a:lstStyle/>
           <a:p>
             <a:pPr lvl="0"/>
@@ -1390,19 +3726,13 @@
               <a:rPr lang="es-ES"/>
               <a:t>Quinto nivel</a:t>
             </a:r>
-            <a:endParaRPr lang="es-CL"/>
-          </a:p>
-        </p:txBody>
-      </p:sp>
-      <p:sp>
-        <p:nvSpPr>
-          <p:cNvPr id="5" name="Marcador de fecha 4">
-            <a:extLst>
-              <a:ext uri="{FF2B5EF4-FFF2-40B4-BE49-F238E27FC236}">
-                <a16:creationId xmlns:a16="http://schemas.microsoft.com/office/drawing/2014/main" id="{FE7F4981-BC4F-DFEB-CC08-0F8A1A04BA37}"/>
-              </a:ext>
-            </a:extLst>
-          </p:cNvPr>
+            <a:endParaRPr lang="en-US" dirty="0"/>
+          </a:p>
+        </p:txBody>
+      </p:sp>
+      <p:sp>
+        <p:nvSpPr>
+          <p:cNvPr id="5" name="Date Placeholder 4"/>
           <p:cNvSpPr>
             <a:spLocks noGrp="1"/>
           </p:cNvSpPr>
@@ -1417,7 +3747,7 @@
           <a:p>
             <a:fld id="{7572CA1D-0F2F-4863-9FA1-F22AF1696BC3}" type="datetimeFigureOut">
               <a:rPr lang="es-CL" smtClean="0"/>
-              <a:t>01-12-2022</a:t>
+              <a:t>02-12-2022</a:t>
             </a:fld>
             <a:endParaRPr lang="es-CL"/>
           </a:p>
@@ -1425,13 +3755,7 @@
       </p:sp>
       <p:sp>
         <p:nvSpPr>
-          <p:cNvPr id="6" name="Marcador de pie de página 5">
-            <a:extLst>
-              <a:ext uri="{FF2B5EF4-FFF2-40B4-BE49-F238E27FC236}">
-                <a16:creationId xmlns:a16="http://schemas.microsoft.com/office/drawing/2014/main" id="{091790CE-B174-F2A3-0B23-71780A590FC2}"/>
-              </a:ext>
-            </a:extLst>
-          </p:cNvPr>
+          <p:cNvPr id="6" name="Footer Placeholder 5"/>
           <p:cNvSpPr>
             <a:spLocks noGrp="1"/>
           </p:cNvSpPr>
@@ -1450,13 +3774,7 @@
       </p:sp>
       <p:sp>
         <p:nvSpPr>
-          <p:cNvPr id="7" name="Marcador de número de diapositiva 6">
-            <a:extLst>
-              <a:ext uri="{FF2B5EF4-FFF2-40B4-BE49-F238E27FC236}">
-                <a16:creationId xmlns:a16="http://schemas.microsoft.com/office/drawing/2014/main" id="{C6CA5EA9-87D6-1E16-A05B-E7E7340445C5}"/>
-              </a:ext>
-            </a:extLst>
-          </p:cNvPr>
+          <p:cNvPr id="7" name="Slide Number Placeholder 6"/>
           <p:cNvSpPr>
             <a:spLocks noGrp="1"/>
           </p:cNvSpPr>
@@ -1480,7 +3798,7 @@
     </p:spTree>
     <p:extLst>
       <p:ext uri="{BB962C8B-B14F-4D97-AF65-F5344CB8AC3E}">
-        <p14:creationId xmlns:p14="http://schemas.microsoft.com/office/powerpoint/2010/main" val="21738903"/>
+        <p14:creationId xmlns:p14="http://schemas.microsoft.com/office/powerpoint/2010/main" val="3363683387"/>
       </p:ext>
     </p:extLst>
   </p:cSld>
@@ -1509,66 +3827,65 @@
       </p:grpSpPr>
       <p:sp>
         <p:nvSpPr>
-          <p:cNvPr id="2" name="Título 1">
-            <a:extLst>
-              <a:ext uri="{FF2B5EF4-FFF2-40B4-BE49-F238E27FC236}">
-                <a16:creationId xmlns:a16="http://schemas.microsoft.com/office/drawing/2014/main" id="{63AAAB70-88EF-E2F5-D98F-06BFFCB6762C}"/>
-              </a:ext>
-            </a:extLst>
-          </p:cNvPr>
+          <p:cNvPr id="2" name="Title 1"/>
           <p:cNvSpPr>
             <a:spLocks noGrp="1"/>
           </p:cNvSpPr>
           <p:nvPr>
             <p:ph type="title"/>
+          </p:nvPr>
+        </p:nvSpPr>
+        <p:spPr/>
+        <p:txBody>
+          <a:bodyPr/>
+          <a:lstStyle>
+            <a:lvl1pPr>
+              <a:defRPr/>
+            </a:lvl1pPr>
+          </a:lstStyle>
+          <a:p>
+            <a:r>
+              <a:rPr lang="es-ES"/>
+              <a:t>Haga clic para modificar el estilo de título del patrón</a:t>
+            </a:r>
+            <a:endParaRPr lang="en-US" dirty="0"/>
+          </a:p>
+        </p:txBody>
+      </p:sp>
+      <p:sp>
+        <p:nvSpPr>
+          <p:cNvPr id="3" name="Text Placeholder 2"/>
+          <p:cNvSpPr>
+            <a:spLocks noGrp="1"/>
+          </p:cNvSpPr>
+          <p:nvPr>
+            <p:ph type="body" idx="1"/>
           </p:nvPr>
         </p:nvSpPr>
         <p:spPr>
           <a:xfrm>
-            <a:off x="839788" y="365125"/>
-            <a:ext cx="10515600" cy="1325563"/>
+            <a:off x="1295400" y="2658533"/>
+            <a:ext cx="4718304" cy="576262"/>
           </a:xfrm>
         </p:spPr>
         <p:txBody>
-          <a:bodyPr/>
-          <a:lstStyle/>
-          <a:p>
-            <a:r>
-              <a:rPr lang="es-ES"/>
-              <a:t>Haga clic para modificar el estilo de título del patrón</a:t>
-            </a:r>
-            <a:endParaRPr lang="es-CL"/>
-          </a:p>
-        </p:txBody>
-      </p:sp>
-      <p:sp>
-        <p:nvSpPr>
-          <p:cNvPr id="3" name="Marcador de texto 2">
-            <a:extLst>
-              <a:ext uri="{FF2B5EF4-FFF2-40B4-BE49-F238E27FC236}">
-                <a16:creationId xmlns:a16="http://schemas.microsoft.com/office/drawing/2014/main" id="{2CACFCC2-20CA-CD5C-766C-1C16E69D696E}"/>
-              </a:ext>
-            </a:extLst>
-          </p:cNvPr>
-          <p:cNvSpPr>
-            <a:spLocks noGrp="1"/>
-          </p:cNvSpPr>
-          <p:nvPr>
-            <p:ph type="body" idx="1"/>
-          </p:nvPr>
-        </p:nvSpPr>
-        <p:spPr>
-          <a:xfrm>
-            <a:off x="839788" y="1681163"/>
-            <a:ext cx="5157787" cy="823912"/>
-          </a:xfrm>
-        </p:spPr>
-        <p:txBody>
-          <a:bodyPr anchor="b"/>
+          <a:bodyPr anchor="b">
+            <a:noAutofit/>
+          </a:bodyPr>
           <a:lstStyle>
             <a:lvl1pPr marL="0" indent="0">
-              <a:buNone/>
-              <a:defRPr sz="2400" b="1"/>
+              <a:spcBef>
+                <a:spcPts val="672"/>
+              </a:spcBef>
+              <a:spcAft>
+                <a:spcPts val="600"/>
+              </a:spcAft>
+              <a:buNone/>
+              <a:defRPr sz="2800" b="0">
+                <a:solidFill>
+                  <a:schemeClr val="accent1"/>
+                </a:solidFill>
+              </a:defRPr>
             </a:lvl1pPr>
             <a:lvl2pPr marL="457200" indent="0">
               <a:buNone/>
@@ -1614,13 +3931,7 @@
       </p:sp>
       <p:sp>
         <p:nvSpPr>
-          <p:cNvPr id="4" name="Marcador de contenido 3">
-            <a:extLst>
-              <a:ext uri="{FF2B5EF4-FFF2-40B4-BE49-F238E27FC236}">
-                <a16:creationId xmlns:a16="http://schemas.microsoft.com/office/drawing/2014/main" id="{158471FD-7851-6196-5A20-981A7D2253F8}"/>
-              </a:ext>
-            </a:extLst>
-          </p:cNvPr>
+          <p:cNvPr id="4" name="Content Placeholder 3"/>
           <p:cNvSpPr>
             <a:spLocks noGrp="1"/>
           </p:cNvSpPr>
@@ -1630,12 +3941,14 @@
         </p:nvSpPr>
         <p:spPr>
           <a:xfrm>
-            <a:off x="839788" y="2505075"/>
-            <a:ext cx="5157787" cy="3684588"/>
+            <a:off x="1295400" y="3243262"/>
+            <a:ext cx="4718304" cy="2632605"/>
           </a:xfrm>
         </p:spPr>
         <p:txBody>
-          <a:bodyPr/>
+          <a:bodyPr anchor="t">
+            <a:normAutofit/>
+          </a:bodyPr>
           <a:lstStyle/>
           <a:p>
             <a:pPr lvl="0"/>
@@ -1671,19 +3984,13 @@
               <a:rPr lang="es-ES"/>
               <a:t>Quinto nivel</a:t>
             </a:r>
-            <a:endParaRPr lang="es-CL"/>
-          </a:p>
-        </p:txBody>
-      </p:sp>
-      <p:sp>
-        <p:nvSpPr>
-          <p:cNvPr id="5" name="Marcador de texto 4">
-            <a:extLst>
-              <a:ext uri="{FF2B5EF4-FFF2-40B4-BE49-F238E27FC236}">
-                <a16:creationId xmlns:a16="http://schemas.microsoft.com/office/drawing/2014/main" id="{6D1B749C-C56B-AF69-704E-8093A1BC7FEF}"/>
-              </a:ext>
-            </a:extLst>
-          </p:cNvPr>
+            <a:endParaRPr lang="en-US" dirty="0"/>
+          </a:p>
+        </p:txBody>
+      </p:sp>
+      <p:sp>
+        <p:nvSpPr>
+          <p:cNvPr id="5" name="Text Placeholder 4"/>
           <p:cNvSpPr>
             <a:spLocks noGrp="1"/>
           </p:cNvSpPr>
@@ -1693,16 +4000,28 @@
         </p:nvSpPr>
         <p:spPr>
           <a:xfrm>
-            <a:off x="6172200" y="1681163"/>
-            <a:ext cx="5183188" cy="823912"/>
+            <a:off x="6180670" y="2658533"/>
+            <a:ext cx="4718304" cy="576262"/>
           </a:xfrm>
         </p:spPr>
         <p:txBody>
-          <a:bodyPr anchor="b"/>
+          <a:bodyPr anchor="b">
+            <a:noAutofit/>
+          </a:bodyPr>
           <a:lstStyle>
             <a:lvl1pPr marL="0" indent="0">
-              <a:buNone/>
-              <a:defRPr sz="2400" b="1"/>
+              <a:spcBef>
+                <a:spcPts val="672"/>
+              </a:spcBef>
+              <a:spcAft>
+                <a:spcPts val="600"/>
+              </a:spcAft>
+              <a:buNone/>
+              <a:defRPr sz="2800" b="0">
+                <a:solidFill>
+                  <a:schemeClr val="accent1"/>
+                </a:solidFill>
+              </a:defRPr>
             </a:lvl1pPr>
             <a:lvl2pPr marL="457200" indent="0">
               <a:buNone/>
@@ -1748,13 +4067,7 @@
       </p:sp>
       <p:sp>
         <p:nvSpPr>
-          <p:cNvPr id="6" name="Marcador de contenido 5">
-            <a:extLst>
-              <a:ext uri="{FF2B5EF4-FFF2-40B4-BE49-F238E27FC236}">
-                <a16:creationId xmlns:a16="http://schemas.microsoft.com/office/drawing/2014/main" id="{B1FC8569-6F2E-52AF-ADD8-153878BDDEBD}"/>
-              </a:ext>
-            </a:extLst>
-          </p:cNvPr>
+          <p:cNvPr id="6" name="Content Placeholder 5"/>
           <p:cNvSpPr>
             <a:spLocks noGrp="1"/>
           </p:cNvSpPr>
@@ -1764,12 +4077,14 @@
         </p:nvSpPr>
         <p:spPr>
           <a:xfrm>
-            <a:off x="6172200" y="2505075"/>
-            <a:ext cx="5183188" cy="3684588"/>
+            <a:off x="6180670" y="3243262"/>
+            <a:ext cx="4718304" cy="2632605"/>
           </a:xfrm>
         </p:spPr>
         <p:txBody>
-          <a:bodyPr/>
+          <a:bodyPr anchor="t">
+            <a:normAutofit/>
+          </a:bodyPr>
           <a:lstStyle/>
           <a:p>
             <a:pPr lvl="0"/>
@@ -1805,19 +4120,13 @@
               <a:rPr lang="es-ES"/>
               <a:t>Quinto nivel</a:t>
             </a:r>
-            <a:endParaRPr lang="es-CL"/>
-          </a:p>
-        </p:txBody>
-      </p:sp>
-      <p:sp>
-        <p:nvSpPr>
-          <p:cNvPr id="7" name="Marcador de fecha 6">
-            <a:extLst>
-              <a:ext uri="{FF2B5EF4-FFF2-40B4-BE49-F238E27FC236}">
-                <a16:creationId xmlns:a16="http://schemas.microsoft.com/office/drawing/2014/main" id="{E5ADEE46-FBB5-FC80-21BD-7A4716309721}"/>
-              </a:ext>
-            </a:extLst>
-          </p:cNvPr>
+            <a:endParaRPr lang="en-US" dirty="0"/>
+          </a:p>
+        </p:txBody>
+      </p:sp>
+      <p:sp>
+        <p:nvSpPr>
+          <p:cNvPr id="7" name="Date Placeholder 6"/>
           <p:cNvSpPr>
             <a:spLocks noGrp="1"/>
           </p:cNvSpPr>
@@ -1832,7 +4141,7 @@
           <a:p>
             <a:fld id="{7572CA1D-0F2F-4863-9FA1-F22AF1696BC3}" type="datetimeFigureOut">
               <a:rPr lang="es-CL" smtClean="0"/>
-              <a:t>01-12-2022</a:t>
+              <a:t>02-12-2022</a:t>
             </a:fld>
             <a:endParaRPr lang="es-CL"/>
           </a:p>
@@ -1840,13 +4149,7 @@
       </p:sp>
       <p:sp>
         <p:nvSpPr>
-          <p:cNvPr id="8" name="Marcador de pie de página 7">
-            <a:extLst>
-              <a:ext uri="{FF2B5EF4-FFF2-40B4-BE49-F238E27FC236}">
-                <a16:creationId xmlns:a16="http://schemas.microsoft.com/office/drawing/2014/main" id="{5A9346F3-56AF-4528-C537-37589CD24654}"/>
-              </a:ext>
-            </a:extLst>
-          </p:cNvPr>
+          <p:cNvPr id="8" name="Footer Placeholder 7"/>
           <p:cNvSpPr>
             <a:spLocks noGrp="1"/>
           </p:cNvSpPr>
@@ -1865,13 +4168,7 @@
       </p:sp>
       <p:sp>
         <p:nvSpPr>
-          <p:cNvPr id="9" name="Marcador de número de diapositiva 8">
-            <a:extLst>
-              <a:ext uri="{FF2B5EF4-FFF2-40B4-BE49-F238E27FC236}">
-                <a16:creationId xmlns:a16="http://schemas.microsoft.com/office/drawing/2014/main" id="{33F040D8-24BF-648B-71C2-ABE44BD9BC89}"/>
-              </a:ext>
-            </a:extLst>
-          </p:cNvPr>
+          <p:cNvPr id="9" name="Slide Number Placeholder 8"/>
           <p:cNvSpPr>
             <a:spLocks noGrp="1"/>
           </p:cNvSpPr>
@@ -1892,10 +4189,41 @@
           </a:p>
         </p:txBody>
       </p:sp>
+      <p:cxnSp>
+        <p:nvCxnSpPr>
+          <p:cNvPr id="18" name="Straight Connector 17"/>
+          <p:cNvCxnSpPr/>
+          <p:nvPr/>
+        </p:nvCxnSpPr>
+        <p:spPr>
+          <a:xfrm>
+            <a:off x="1396169" y="2421466"/>
+            <a:ext cx="9407298" cy="0"/>
+          </a:xfrm>
+          <a:prstGeom prst="line">
+            <a:avLst/>
+          </a:prstGeom>
+          <a:ln w="15875"/>
+        </p:spPr>
+        <p:style>
+          <a:lnRef idx="2">
+            <a:schemeClr val="accent1"/>
+          </a:lnRef>
+          <a:fillRef idx="0">
+            <a:schemeClr val="accent1"/>
+          </a:fillRef>
+          <a:effectRef idx="1">
+            <a:schemeClr val="accent1"/>
+          </a:effectRef>
+          <a:fontRef idx="minor">
+            <a:schemeClr val="tx1"/>
+          </a:fontRef>
+        </p:style>
+      </p:cxnSp>
     </p:spTree>
     <p:extLst>
       <p:ext uri="{BB962C8B-B14F-4D97-AF65-F5344CB8AC3E}">
-        <p14:creationId xmlns:p14="http://schemas.microsoft.com/office/powerpoint/2010/main" val="3803108412"/>
+        <p14:creationId xmlns:p14="http://schemas.microsoft.com/office/powerpoint/2010/main" val="2358403586"/>
       </p:ext>
     </p:extLst>
   </p:cSld>
@@ -1924,13 +4252,7 @@
       </p:grpSpPr>
       <p:sp>
         <p:nvSpPr>
-          <p:cNvPr id="2" name="Título 1">
-            <a:extLst>
-              <a:ext uri="{FF2B5EF4-FFF2-40B4-BE49-F238E27FC236}">
-                <a16:creationId xmlns:a16="http://schemas.microsoft.com/office/drawing/2014/main" id="{6D3CE21A-611B-6392-38B5-F75D012E87AE}"/>
-              </a:ext>
-            </a:extLst>
-          </p:cNvPr>
+          <p:cNvPr id="2" name="Title 1"/>
           <p:cNvSpPr>
             <a:spLocks noGrp="1"/>
           </p:cNvSpPr>
@@ -1947,19 +4269,13 @@
               <a:rPr lang="es-ES"/>
               <a:t>Haga clic para modificar el estilo de título del patrón</a:t>
             </a:r>
-            <a:endParaRPr lang="es-CL"/>
-          </a:p>
-        </p:txBody>
-      </p:sp>
-      <p:sp>
-        <p:nvSpPr>
-          <p:cNvPr id="3" name="Marcador de fecha 2">
-            <a:extLst>
-              <a:ext uri="{FF2B5EF4-FFF2-40B4-BE49-F238E27FC236}">
-                <a16:creationId xmlns:a16="http://schemas.microsoft.com/office/drawing/2014/main" id="{287862C4-451D-5024-07CA-136B21B44CD8}"/>
-              </a:ext>
-            </a:extLst>
-          </p:cNvPr>
+            <a:endParaRPr lang="en-US" dirty="0"/>
+          </a:p>
+        </p:txBody>
+      </p:sp>
+      <p:sp>
+        <p:nvSpPr>
+          <p:cNvPr id="3" name="Date Placeholder 2"/>
           <p:cNvSpPr>
             <a:spLocks noGrp="1"/>
           </p:cNvSpPr>
@@ -1974,7 +4290,7 @@
           <a:p>
             <a:fld id="{7572CA1D-0F2F-4863-9FA1-F22AF1696BC3}" type="datetimeFigureOut">
               <a:rPr lang="es-CL" smtClean="0"/>
-              <a:t>01-12-2022</a:t>
+              <a:t>02-12-2022</a:t>
             </a:fld>
             <a:endParaRPr lang="es-CL"/>
           </a:p>
@@ -1982,13 +4298,7 @@
       </p:sp>
       <p:sp>
         <p:nvSpPr>
-          <p:cNvPr id="4" name="Marcador de pie de página 3">
-            <a:extLst>
-              <a:ext uri="{FF2B5EF4-FFF2-40B4-BE49-F238E27FC236}">
-                <a16:creationId xmlns:a16="http://schemas.microsoft.com/office/drawing/2014/main" id="{90573362-0602-C6A1-0589-B94F67C0C4FA}"/>
-              </a:ext>
-            </a:extLst>
-          </p:cNvPr>
+          <p:cNvPr id="4" name="Footer Placeholder 3"/>
           <p:cNvSpPr>
             <a:spLocks noGrp="1"/>
           </p:cNvSpPr>
@@ -2007,13 +4317,7 @@
       </p:sp>
       <p:sp>
         <p:nvSpPr>
-          <p:cNvPr id="5" name="Marcador de número de diapositiva 4">
-            <a:extLst>
-              <a:ext uri="{FF2B5EF4-FFF2-40B4-BE49-F238E27FC236}">
-                <a16:creationId xmlns:a16="http://schemas.microsoft.com/office/drawing/2014/main" id="{00A82A8F-911E-4464-879F-5068524F0AA9}"/>
-              </a:ext>
-            </a:extLst>
-          </p:cNvPr>
+          <p:cNvPr id="5" name="Slide Number Placeholder 4"/>
           <p:cNvSpPr>
             <a:spLocks noGrp="1"/>
           </p:cNvSpPr>
@@ -2034,10 +4338,41 @@
           </a:p>
         </p:txBody>
       </p:sp>
+      <p:cxnSp>
+        <p:nvCxnSpPr>
+          <p:cNvPr id="14" name="Straight Connector 13"/>
+          <p:cNvCxnSpPr/>
+          <p:nvPr/>
+        </p:nvCxnSpPr>
+        <p:spPr>
+          <a:xfrm>
+            <a:off x="1396169" y="2421466"/>
+            <a:ext cx="9407298" cy="0"/>
+          </a:xfrm>
+          <a:prstGeom prst="line">
+            <a:avLst/>
+          </a:prstGeom>
+          <a:ln w="15875"/>
+        </p:spPr>
+        <p:style>
+          <a:lnRef idx="2">
+            <a:schemeClr val="accent1"/>
+          </a:lnRef>
+          <a:fillRef idx="0">
+            <a:schemeClr val="accent1"/>
+          </a:fillRef>
+          <a:effectRef idx="1">
+            <a:schemeClr val="accent1"/>
+          </a:effectRef>
+          <a:fontRef idx="minor">
+            <a:schemeClr val="tx1"/>
+          </a:fontRef>
+        </p:style>
+      </p:cxnSp>
     </p:spTree>
     <p:extLst>
       <p:ext uri="{BB962C8B-B14F-4D97-AF65-F5344CB8AC3E}">
-        <p14:creationId xmlns:p14="http://schemas.microsoft.com/office/powerpoint/2010/main" val="1989471835"/>
+        <p14:creationId xmlns:p14="http://schemas.microsoft.com/office/powerpoint/2010/main" val="2584872022"/>
       </p:ext>
     </p:extLst>
   </p:cSld>
@@ -2066,13 +4401,7 @@
       </p:grpSpPr>
       <p:sp>
         <p:nvSpPr>
-          <p:cNvPr id="2" name="Marcador de fecha 1">
-            <a:extLst>
-              <a:ext uri="{FF2B5EF4-FFF2-40B4-BE49-F238E27FC236}">
-                <a16:creationId xmlns:a16="http://schemas.microsoft.com/office/drawing/2014/main" id="{2B9968FE-5246-12C3-9389-BC17DC6C8E15}"/>
-              </a:ext>
-            </a:extLst>
-          </p:cNvPr>
+          <p:cNvPr id="2" name="Date Placeholder 1"/>
           <p:cNvSpPr>
             <a:spLocks noGrp="1"/>
           </p:cNvSpPr>
@@ -2087,7 +4416,7 @@
           <a:p>
             <a:fld id="{7572CA1D-0F2F-4863-9FA1-F22AF1696BC3}" type="datetimeFigureOut">
               <a:rPr lang="es-CL" smtClean="0"/>
-              <a:t>01-12-2022</a:t>
+              <a:t>02-12-2022</a:t>
             </a:fld>
             <a:endParaRPr lang="es-CL"/>
           </a:p>
@@ -2095,13 +4424,7 @@
       </p:sp>
       <p:sp>
         <p:nvSpPr>
-          <p:cNvPr id="3" name="Marcador de pie de página 2">
-            <a:extLst>
-              <a:ext uri="{FF2B5EF4-FFF2-40B4-BE49-F238E27FC236}">
-                <a16:creationId xmlns:a16="http://schemas.microsoft.com/office/drawing/2014/main" id="{DBB21A5C-BACF-8FB4-8B97-2BCFBD4E77FB}"/>
-              </a:ext>
-            </a:extLst>
-          </p:cNvPr>
+          <p:cNvPr id="3" name="Footer Placeholder 2"/>
           <p:cNvSpPr>
             <a:spLocks noGrp="1"/>
           </p:cNvSpPr>
@@ -2120,13 +4443,7 @@
       </p:sp>
       <p:sp>
         <p:nvSpPr>
-          <p:cNvPr id="4" name="Marcador de número de diapositiva 3">
-            <a:extLst>
-              <a:ext uri="{FF2B5EF4-FFF2-40B4-BE49-F238E27FC236}">
-                <a16:creationId xmlns:a16="http://schemas.microsoft.com/office/drawing/2014/main" id="{1F008D41-F394-FE14-C725-565CD1E5052F}"/>
-              </a:ext>
-            </a:extLst>
-          </p:cNvPr>
+          <p:cNvPr id="4" name="Slide Number Placeholder 3"/>
           <p:cNvSpPr>
             <a:spLocks noGrp="1"/>
           </p:cNvSpPr>
@@ -2150,7 +4467,7 @@
     </p:spTree>
     <p:extLst>
       <p:ext uri="{BB962C8B-B14F-4D97-AF65-F5344CB8AC3E}">
-        <p14:creationId xmlns:p14="http://schemas.microsoft.com/office/powerpoint/2010/main" val="1905652499"/>
+        <p14:creationId xmlns:p14="http://schemas.microsoft.com/office/powerpoint/2010/main" val="3049032534"/>
       </p:ext>
     </p:extLst>
   </p:cSld>
@@ -2179,13 +4496,7 @@
       </p:grpSpPr>
       <p:sp>
         <p:nvSpPr>
-          <p:cNvPr id="2" name="Título 1">
-            <a:extLst>
-              <a:ext uri="{FF2B5EF4-FFF2-40B4-BE49-F238E27FC236}">
-                <a16:creationId xmlns:a16="http://schemas.microsoft.com/office/drawing/2014/main" id="{75192284-2767-A03E-6EEB-B852B780EE5B}"/>
-              </a:ext>
-            </a:extLst>
-          </p:cNvPr>
+          <p:cNvPr id="2" name="Title 1"/>
           <p:cNvSpPr>
             <a:spLocks noGrp="1"/>
           </p:cNvSpPr>
@@ -2195,15 +4506,17 @@
         </p:nvSpPr>
         <p:spPr>
           <a:xfrm>
-            <a:off x="839788" y="457200"/>
-            <a:ext cx="3932237" cy="1600200"/>
+            <a:off x="1293811" y="1388534"/>
+            <a:ext cx="3718455" cy="1371600"/>
           </a:xfrm>
         </p:spPr>
         <p:txBody>
-          <a:bodyPr anchor="b"/>
+          <a:bodyPr anchor="b">
+            <a:normAutofit/>
+          </a:bodyPr>
           <a:lstStyle>
-            <a:lvl1pPr>
-              <a:defRPr sz="3200"/>
+            <a:lvl1pPr algn="ctr">
+              <a:defRPr sz="2400" b="0"/>
             </a:lvl1pPr>
           </a:lstStyle>
           <a:p>
@@ -2211,19 +4524,13 @@
               <a:rPr lang="es-ES"/>
               <a:t>Haga clic para modificar el estilo de título del patrón</a:t>
             </a:r>
-            <a:endParaRPr lang="es-CL"/>
-          </a:p>
-        </p:txBody>
-      </p:sp>
-      <p:sp>
-        <p:nvSpPr>
-          <p:cNvPr id="3" name="Marcador de contenido 2">
-            <a:extLst>
-              <a:ext uri="{FF2B5EF4-FFF2-40B4-BE49-F238E27FC236}">
-                <a16:creationId xmlns:a16="http://schemas.microsoft.com/office/drawing/2014/main" id="{ABB609B5-2FB2-1A82-6AE4-9867333B1AC7}"/>
-              </a:ext>
-            </a:extLst>
-          </p:cNvPr>
+            <a:endParaRPr lang="en-US" dirty="0"/>
+          </a:p>
+        </p:txBody>
+      </p:sp>
+      <p:sp>
+        <p:nvSpPr>
+          <p:cNvPr id="3" name="Content Placeholder 2"/>
           <p:cNvSpPr>
             <a:spLocks noGrp="1"/>
           </p:cNvSpPr>
@@ -2233,41 +4540,15 @@
         </p:nvSpPr>
         <p:spPr>
           <a:xfrm>
-            <a:off x="5183188" y="987425"/>
-            <a:ext cx="6172200" cy="4873625"/>
+            <a:off x="5418668" y="982131"/>
+            <a:ext cx="5469466" cy="4893735"/>
           </a:xfrm>
         </p:spPr>
         <p:txBody>
-          <a:bodyPr/>
-          <a:lstStyle>
-            <a:lvl1pPr>
-              <a:defRPr sz="3200"/>
-            </a:lvl1pPr>
-            <a:lvl2pPr>
-              <a:defRPr sz="2800"/>
-            </a:lvl2pPr>
-            <a:lvl3pPr>
-              <a:defRPr sz="2400"/>
-            </a:lvl3pPr>
-            <a:lvl4pPr>
-              <a:defRPr sz="2000"/>
-            </a:lvl4pPr>
-            <a:lvl5pPr>
-              <a:defRPr sz="2000"/>
-            </a:lvl5pPr>
-            <a:lvl6pPr>
-              <a:defRPr sz="2000"/>
-            </a:lvl6pPr>
-            <a:lvl7pPr>
-              <a:defRPr sz="2000"/>
-            </a:lvl7pPr>
-            <a:lvl8pPr>
-              <a:defRPr sz="2000"/>
-            </a:lvl8pPr>
-            <a:lvl9pPr>
-              <a:defRPr sz="2000"/>
-            </a:lvl9pPr>
-          </a:lstStyle>
+          <a:bodyPr anchor="ctr">
+            <a:normAutofit/>
+          </a:bodyPr>
+          <a:lstStyle/>
           <a:p>
             <a:pPr lvl="0"/>
             <a:r>
@@ -2302,19 +4583,13 @@
               <a:rPr lang="es-ES"/>
               <a:t>Quinto nivel</a:t>
             </a:r>
-            <a:endParaRPr lang="es-CL"/>
-          </a:p>
-        </p:txBody>
-      </p:sp>
-      <p:sp>
-        <p:nvSpPr>
-          <p:cNvPr id="4" name="Marcador de texto 3">
-            <a:extLst>
-              <a:ext uri="{FF2B5EF4-FFF2-40B4-BE49-F238E27FC236}">
-                <a16:creationId xmlns:a16="http://schemas.microsoft.com/office/drawing/2014/main" id="{90B32450-84AF-7B43-15D1-27FB3BE174CB}"/>
-              </a:ext>
-            </a:extLst>
-          </p:cNvPr>
+            <a:endParaRPr lang="en-US" dirty="0"/>
+          </a:p>
+        </p:txBody>
+      </p:sp>
+      <p:sp>
+        <p:nvSpPr>
+          <p:cNvPr id="4" name="Text Placeholder 3"/>
           <p:cNvSpPr>
             <a:spLocks noGrp="1"/>
           </p:cNvSpPr>
@@ -2324,48 +4599,50 @@
         </p:nvSpPr>
         <p:spPr>
           <a:xfrm>
-            <a:off x="839788" y="2057400"/>
-            <a:ext cx="3932237" cy="3811588"/>
+            <a:off x="1293811" y="3031065"/>
+            <a:ext cx="3718455" cy="2438404"/>
           </a:xfrm>
         </p:spPr>
         <p:txBody>
-          <a:bodyPr/>
+          <a:bodyPr anchor="t">
+            <a:normAutofit/>
+          </a:bodyPr>
           <a:lstStyle>
-            <a:lvl1pPr marL="0" indent="0">
+            <a:lvl1pPr marL="0" indent="0" algn="ctr">
               <a:buNone/>
               <a:defRPr sz="1600"/>
             </a:lvl1pPr>
             <a:lvl2pPr marL="457200" indent="0">
               <a:buNone/>
-              <a:defRPr sz="1400"/>
+              <a:defRPr sz="1200"/>
             </a:lvl2pPr>
             <a:lvl3pPr marL="914400" indent="0">
               <a:buNone/>
-              <a:defRPr sz="1200"/>
+              <a:defRPr sz="1000"/>
             </a:lvl3pPr>
             <a:lvl4pPr marL="1371600" indent="0">
               <a:buNone/>
-              <a:defRPr sz="1000"/>
+              <a:defRPr sz="900"/>
             </a:lvl4pPr>
             <a:lvl5pPr marL="1828800" indent="0">
               <a:buNone/>
-              <a:defRPr sz="1000"/>
+              <a:defRPr sz="900"/>
             </a:lvl5pPr>
             <a:lvl6pPr marL="2286000" indent="0">
               <a:buNone/>
-              <a:defRPr sz="1000"/>
+              <a:defRPr sz="900"/>
             </a:lvl6pPr>
             <a:lvl7pPr marL="2743200" indent="0">
               <a:buNone/>
-              <a:defRPr sz="1000"/>
+              <a:defRPr sz="900"/>
             </a:lvl7pPr>
             <a:lvl8pPr marL="3200400" indent="0">
               <a:buNone/>
-              <a:defRPr sz="1000"/>
+              <a:defRPr sz="900"/>
             </a:lvl8pPr>
             <a:lvl9pPr marL="3657600" indent="0">
               <a:buNone/>
-              <a:defRPr sz="1000"/>
+              <a:defRPr sz="900"/>
             </a:lvl9pPr>
           </a:lstStyle>
           <a:p>
@@ -2379,13 +4656,7 @@
       </p:sp>
       <p:sp>
         <p:nvSpPr>
-          <p:cNvPr id="5" name="Marcador de fecha 4">
-            <a:extLst>
-              <a:ext uri="{FF2B5EF4-FFF2-40B4-BE49-F238E27FC236}">
-                <a16:creationId xmlns:a16="http://schemas.microsoft.com/office/drawing/2014/main" id="{B37C5A1C-F4E3-7B9A-5081-49C1F7DACE77}"/>
-              </a:ext>
-            </a:extLst>
-          </p:cNvPr>
+          <p:cNvPr id="5" name="Date Placeholder 4"/>
           <p:cNvSpPr>
             <a:spLocks noGrp="1"/>
           </p:cNvSpPr>
@@ -2400,7 +4671,7 @@
           <a:p>
             <a:fld id="{7572CA1D-0F2F-4863-9FA1-F22AF1696BC3}" type="datetimeFigureOut">
               <a:rPr lang="es-CL" smtClean="0"/>
-              <a:t>01-12-2022</a:t>
+              <a:t>02-12-2022</a:t>
             </a:fld>
             <a:endParaRPr lang="es-CL"/>
           </a:p>
@@ -2408,13 +4679,7 @@
       </p:sp>
       <p:sp>
         <p:nvSpPr>
-          <p:cNvPr id="6" name="Marcador de pie de página 5">
-            <a:extLst>
-              <a:ext uri="{FF2B5EF4-FFF2-40B4-BE49-F238E27FC236}">
-                <a16:creationId xmlns:a16="http://schemas.microsoft.com/office/drawing/2014/main" id="{3215B7D4-0B8E-87F8-4F61-C1042B5A7B24}"/>
-              </a:ext>
-            </a:extLst>
-          </p:cNvPr>
+          <p:cNvPr id="6" name="Footer Placeholder 5"/>
           <p:cNvSpPr>
             <a:spLocks noGrp="1"/>
           </p:cNvSpPr>
@@ -2433,13 +4698,7 @@
       </p:sp>
       <p:sp>
         <p:nvSpPr>
-          <p:cNvPr id="7" name="Marcador de número de diapositiva 6">
-            <a:extLst>
-              <a:ext uri="{FF2B5EF4-FFF2-40B4-BE49-F238E27FC236}">
-                <a16:creationId xmlns:a16="http://schemas.microsoft.com/office/drawing/2014/main" id="{ACE7B7F6-2270-5F2A-6C77-64BA8ADE1266}"/>
-              </a:ext>
-            </a:extLst>
-          </p:cNvPr>
+          <p:cNvPr id="7" name="Slide Number Placeholder 6"/>
           <p:cNvSpPr>
             <a:spLocks noGrp="1"/>
           </p:cNvSpPr>
@@ -2460,10 +4719,41 @@
           </a:p>
         </p:txBody>
       </p:sp>
+      <p:cxnSp>
+        <p:nvCxnSpPr>
+          <p:cNvPr id="16" name="Straight Connector 15"/>
+          <p:cNvCxnSpPr/>
+          <p:nvPr/>
+        </p:nvCxnSpPr>
+        <p:spPr>
+          <a:xfrm>
+            <a:off x="1396169" y="2912533"/>
+            <a:ext cx="3514498" cy="0"/>
+          </a:xfrm>
+          <a:prstGeom prst="line">
+            <a:avLst/>
+          </a:prstGeom>
+          <a:ln w="15875"/>
+        </p:spPr>
+        <p:style>
+          <a:lnRef idx="2">
+            <a:schemeClr val="accent1"/>
+          </a:lnRef>
+          <a:fillRef idx="0">
+            <a:schemeClr val="accent1"/>
+          </a:fillRef>
+          <a:effectRef idx="1">
+            <a:schemeClr val="accent1"/>
+          </a:effectRef>
+          <a:fontRef idx="minor">
+            <a:schemeClr val="tx1"/>
+          </a:fontRef>
+        </p:style>
+      </p:cxnSp>
     </p:spTree>
     <p:extLst>
       <p:ext uri="{BB962C8B-B14F-4D97-AF65-F5344CB8AC3E}">
-        <p14:creationId xmlns:p14="http://schemas.microsoft.com/office/powerpoint/2010/main" val="3482857005"/>
+        <p14:creationId xmlns:p14="http://schemas.microsoft.com/office/powerpoint/2010/main" val="1544118090"/>
       </p:ext>
     </p:extLst>
   </p:cSld>
@@ -2492,13 +4782,7 @@
       </p:grpSpPr>
       <p:sp>
         <p:nvSpPr>
-          <p:cNvPr id="2" name="Título 1">
-            <a:extLst>
-              <a:ext uri="{FF2B5EF4-FFF2-40B4-BE49-F238E27FC236}">
-                <a16:creationId xmlns:a16="http://schemas.microsoft.com/office/drawing/2014/main" id="{A9FCF745-70B4-A311-49D7-3C745A9089B5}"/>
-              </a:ext>
-            </a:extLst>
-          </p:cNvPr>
+          <p:cNvPr id="2" name="Title 1"/>
           <p:cNvSpPr>
             <a:spLocks noGrp="1"/>
           </p:cNvSpPr>
@@ -2508,15 +4792,17 @@
         </p:nvSpPr>
         <p:spPr>
           <a:xfrm>
-            <a:off x="839788" y="457200"/>
-            <a:ext cx="3932237" cy="1600200"/>
+            <a:off x="1295399" y="1883832"/>
+            <a:ext cx="6241816" cy="1371600"/>
           </a:xfrm>
         </p:spPr>
         <p:txBody>
-          <a:bodyPr anchor="b"/>
+          <a:bodyPr anchor="b">
+            <a:normAutofit/>
+          </a:bodyPr>
           <a:lstStyle>
-            <a:lvl1pPr>
-              <a:defRPr sz="3200"/>
+            <a:lvl1pPr algn="ctr">
+              <a:defRPr sz="2800" b="0"/>
             </a:lvl1pPr>
           </a:lstStyle>
           <a:p>
@@ -2524,21 +4810,15 @@
               <a:rPr lang="es-ES"/>
               <a:t>Haga clic para modificar el estilo de título del patrón</a:t>
             </a:r>
-            <a:endParaRPr lang="es-CL"/>
-          </a:p>
-        </p:txBody>
-      </p:sp>
-      <p:sp>
-        <p:nvSpPr>
-          <p:cNvPr id="3" name="Marcador de posición de imagen 2">
-            <a:extLst>
-              <a:ext uri="{FF2B5EF4-FFF2-40B4-BE49-F238E27FC236}">
-                <a16:creationId xmlns:a16="http://schemas.microsoft.com/office/drawing/2014/main" id="{C9AE9F8F-462C-F1A3-CD03-5916FD60A4BA}"/>
-              </a:ext>
-            </a:extLst>
-          </p:cNvPr>
-          <p:cNvSpPr>
-            <a:spLocks noGrp="1"/>
+            <a:endParaRPr lang="en-US" dirty="0"/>
+          </a:p>
+        </p:txBody>
+      </p:sp>
+      <p:sp>
+        <p:nvSpPr>
+          <p:cNvPr id="17" name="Picture Placeholder 2"/>
+          <p:cNvSpPr>
+            <a:spLocks noGrp="1" noChangeAspect="1"/>
           </p:cNvSpPr>
           <p:nvPr>
             <p:ph type="pic" idx="1"/>
@@ -2546,118 +4826,141 @@
         </p:nvSpPr>
         <p:spPr>
           <a:xfrm>
-            <a:off x="5183188" y="987425"/>
-            <a:ext cx="6172200" cy="4873625"/>
+            <a:off x="8094831" y="1041400"/>
+            <a:ext cx="3063347" cy="4775200"/>
           </a:xfrm>
+          <a:prstGeom prst="roundRect">
+            <a:avLst>
+              <a:gd name="adj" fmla="val 0"/>
+            </a:avLst>
+          </a:prstGeom>
+          <a:ln w="57150" cmpd="thickThin">
+            <a:solidFill>
+              <a:schemeClr val="tx1">
+                <a:lumMod val="50000"/>
+                <a:lumOff val="50000"/>
+              </a:schemeClr>
+            </a:solidFill>
+            <a:miter lim="800000"/>
+          </a:ln>
+          <a:effectLst>
+            <a:innerShdw blurRad="57150" dist="38100" dir="14460000">
+              <a:srgbClr val="000000">
+                <a:alpha val="70000"/>
+              </a:srgbClr>
+            </a:innerShdw>
+          </a:effectLst>
         </p:spPr>
         <p:txBody>
-          <a:bodyPr/>
+          <a:bodyPr anchor="t">
+            <a:normAutofit/>
+          </a:bodyPr>
           <a:lstStyle>
-            <a:lvl1pPr marL="0" indent="0">
-              <a:buNone/>
-              <a:defRPr sz="3200"/>
-            </a:lvl1pPr>
-            <a:lvl2pPr marL="457200" indent="0">
-              <a:buNone/>
-              <a:defRPr sz="2800"/>
-            </a:lvl2pPr>
-            <a:lvl3pPr marL="914400" indent="0">
-              <a:buNone/>
-              <a:defRPr sz="2400"/>
-            </a:lvl3pPr>
-            <a:lvl4pPr marL="1371600" indent="0">
-              <a:buNone/>
-              <a:defRPr sz="2000"/>
-            </a:lvl4pPr>
-            <a:lvl5pPr marL="1828800" indent="0">
-              <a:buNone/>
-              <a:defRPr sz="2000"/>
-            </a:lvl5pPr>
-            <a:lvl6pPr marL="2286000" indent="0">
-              <a:buNone/>
-              <a:defRPr sz="2000"/>
-            </a:lvl6pPr>
-            <a:lvl7pPr marL="2743200" indent="0">
-              <a:buNone/>
-              <a:defRPr sz="2000"/>
-            </a:lvl7pPr>
-            <a:lvl8pPr marL="3200400" indent="0">
-              <a:buNone/>
-              <a:defRPr sz="2000"/>
-            </a:lvl8pPr>
-            <a:lvl9pPr marL="3657600" indent="0">
-              <a:buNone/>
-              <a:defRPr sz="2000"/>
-            </a:lvl9pPr>
-          </a:lstStyle>
-          <a:p>
-            <a:endParaRPr lang="es-CL"/>
-          </a:p>
-        </p:txBody>
-      </p:sp>
-      <p:sp>
-        <p:nvSpPr>
-          <p:cNvPr id="4" name="Marcador de texto 3">
-            <a:extLst>
-              <a:ext uri="{FF2B5EF4-FFF2-40B4-BE49-F238E27FC236}">
-                <a16:creationId xmlns:a16="http://schemas.microsoft.com/office/drawing/2014/main" id="{2CA53DFB-9953-EB6C-439B-9F2A8F53D13B}"/>
-              </a:ext>
-            </a:extLst>
-          </p:cNvPr>
-          <p:cNvSpPr>
-            <a:spLocks noGrp="1"/>
-          </p:cNvSpPr>
-          <p:nvPr>
-            <p:ph type="body" sz="half" idx="2"/>
-          </p:nvPr>
-        </p:nvSpPr>
-        <p:spPr>
-          <a:xfrm>
-            <a:off x="839788" y="2057400"/>
-            <a:ext cx="3932237" cy="3811588"/>
-          </a:xfrm>
-        </p:spPr>
-        <p:txBody>
-          <a:bodyPr/>
-          <a:lstStyle>
-            <a:lvl1pPr marL="0" indent="0">
+            <a:lvl1pPr marL="0" indent="0" algn="ctr">
               <a:buNone/>
               <a:defRPr sz="1600"/>
             </a:lvl1pPr>
             <a:lvl2pPr marL="457200" indent="0">
               <a:buNone/>
-              <a:defRPr sz="1400"/>
+              <a:defRPr sz="1600"/>
             </a:lvl2pPr>
             <a:lvl3pPr marL="914400" indent="0">
               <a:buNone/>
-              <a:defRPr sz="1200"/>
+              <a:defRPr sz="1600"/>
             </a:lvl3pPr>
             <a:lvl4pPr marL="1371600" indent="0">
               <a:buNone/>
-              <a:defRPr sz="1000"/>
+              <a:defRPr sz="1600"/>
             </a:lvl4pPr>
             <a:lvl5pPr marL="1828800" indent="0">
               <a:buNone/>
-              <a:defRPr sz="1000"/>
+              <a:defRPr sz="1600"/>
             </a:lvl5pPr>
             <a:lvl6pPr marL="2286000" indent="0">
               <a:buNone/>
-              <a:defRPr sz="1000"/>
+              <a:defRPr sz="1600"/>
             </a:lvl6pPr>
             <a:lvl7pPr marL="2743200" indent="0">
               <a:buNone/>
-              <a:defRPr sz="1000"/>
+              <a:defRPr sz="1600"/>
             </a:lvl7pPr>
             <a:lvl8pPr marL="3200400" indent="0">
               <a:buNone/>
-              <a:defRPr sz="1000"/>
+              <a:defRPr sz="1600"/>
             </a:lvl8pPr>
             <a:lvl9pPr marL="3657600" indent="0">
               <a:buNone/>
-              <a:defRPr sz="1000"/>
+              <a:defRPr sz="1600"/>
             </a:lvl9pPr>
           </a:lstStyle>
           <a:p>
+            <a:r>
+              <a:rPr lang="es-ES"/>
+              <a:t>Haga clic en el icono para agregar una imagen</a:t>
+            </a:r>
+            <a:endParaRPr lang="en-US" dirty="0"/>
+          </a:p>
+        </p:txBody>
+      </p:sp>
+      <p:sp>
+        <p:nvSpPr>
+          <p:cNvPr id="4" name="Text Placeholder 3"/>
+          <p:cNvSpPr>
+            <a:spLocks noGrp="1"/>
+          </p:cNvSpPr>
+          <p:nvPr>
+            <p:ph type="body" sz="half" idx="2"/>
+          </p:nvPr>
+        </p:nvSpPr>
+        <p:spPr>
+          <a:xfrm>
+            <a:off x="1295399" y="3255432"/>
+            <a:ext cx="6241816" cy="1828800"/>
+          </a:xfrm>
+        </p:spPr>
+        <p:txBody>
+          <a:bodyPr anchor="t">
+            <a:normAutofit/>
+          </a:bodyPr>
+          <a:lstStyle>
+            <a:lvl1pPr marL="0" indent="0" algn="ctr">
+              <a:buNone/>
+              <a:defRPr sz="1800"/>
+            </a:lvl1pPr>
+            <a:lvl2pPr marL="457200" indent="0">
+              <a:buNone/>
+              <a:defRPr sz="1200"/>
+            </a:lvl2pPr>
+            <a:lvl3pPr marL="914400" indent="0">
+              <a:buNone/>
+              <a:defRPr sz="1000"/>
+            </a:lvl3pPr>
+            <a:lvl4pPr marL="1371600" indent="0">
+              <a:buNone/>
+              <a:defRPr sz="900"/>
+            </a:lvl4pPr>
+            <a:lvl5pPr marL="1828800" indent="0">
+              <a:buNone/>
+              <a:defRPr sz="900"/>
+            </a:lvl5pPr>
+            <a:lvl6pPr marL="2286000" indent="0">
+              <a:buNone/>
+              <a:defRPr sz="900"/>
+            </a:lvl6pPr>
+            <a:lvl7pPr marL="2743200" indent="0">
+              <a:buNone/>
+              <a:defRPr sz="900"/>
+            </a:lvl7pPr>
+            <a:lvl8pPr marL="3200400" indent="0">
+              <a:buNone/>
+              <a:defRPr sz="900"/>
+            </a:lvl8pPr>
+            <a:lvl9pPr marL="3657600" indent="0">
+              <a:buNone/>
+              <a:defRPr sz="900"/>
+            </a:lvl9pPr>
+          </a:lstStyle>
+          <a:p>
             <a:pPr lvl="0"/>
             <a:r>
               <a:rPr lang="es-ES"/>
@@ -2668,13 +4971,7 @@
       </p:sp>
       <p:sp>
         <p:nvSpPr>
-          <p:cNvPr id="5" name="Marcador de fecha 4">
-            <a:extLst>
-              <a:ext uri="{FF2B5EF4-FFF2-40B4-BE49-F238E27FC236}">
-                <a16:creationId xmlns:a16="http://schemas.microsoft.com/office/drawing/2014/main" id="{AF20E39C-CE4C-F116-EC0F-E9FBD186CA4D}"/>
-              </a:ext>
-            </a:extLst>
-          </p:cNvPr>
+          <p:cNvPr id="5" name="Date Placeholder 4"/>
           <p:cNvSpPr>
             <a:spLocks noGrp="1"/>
           </p:cNvSpPr>
@@ -2689,7 +4986,7 @@
           <a:p>
             <a:fld id="{7572CA1D-0F2F-4863-9FA1-F22AF1696BC3}" type="datetimeFigureOut">
               <a:rPr lang="es-CL" smtClean="0"/>
-              <a:t>01-12-2022</a:t>
+              <a:t>02-12-2022</a:t>
             </a:fld>
             <a:endParaRPr lang="es-CL"/>
           </a:p>
@@ -2697,13 +4994,7 @@
       </p:sp>
       <p:sp>
         <p:nvSpPr>
-          <p:cNvPr id="6" name="Marcador de pie de página 5">
-            <a:extLst>
-              <a:ext uri="{FF2B5EF4-FFF2-40B4-BE49-F238E27FC236}">
-                <a16:creationId xmlns:a16="http://schemas.microsoft.com/office/drawing/2014/main" id="{126B7A0A-ACBE-ED18-DAC9-382B1DF78BAA}"/>
-              </a:ext>
-            </a:extLst>
-          </p:cNvPr>
+          <p:cNvPr id="6" name="Footer Placeholder 5"/>
           <p:cNvSpPr>
             <a:spLocks noGrp="1"/>
           </p:cNvSpPr>
@@ -2722,13 +5013,7 @@
       </p:sp>
       <p:sp>
         <p:nvSpPr>
-          <p:cNvPr id="7" name="Marcador de número de diapositiva 6">
-            <a:extLst>
-              <a:ext uri="{FF2B5EF4-FFF2-40B4-BE49-F238E27FC236}">
-                <a16:creationId xmlns:a16="http://schemas.microsoft.com/office/drawing/2014/main" id="{895A46D2-C54B-8FFB-13C8-D100CA51CDAC}"/>
-              </a:ext>
-            </a:extLst>
-          </p:cNvPr>
+          <p:cNvPr id="7" name="Slide Number Placeholder 6"/>
           <p:cNvSpPr>
             <a:spLocks noGrp="1"/>
           </p:cNvSpPr>
@@ -2752,7 +5037,7 @@
     </p:spTree>
     <p:extLst>
       <p:ext uri="{BB962C8B-B14F-4D97-AF65-F5344CB8AC3E}">
-        <p14:creationId xmlns:p14="http://schemas.microsoft.com/office/powerpoint/2010/main" val="2587779540"/>
+        <p14:creationId xmlns:p14="http://schemas.microsoft.com/office/powerpoint/2010/main" val="410397790"/>
       </p:ext>
     </p:extLst>
   </p:cSld>
@@ -2766,7 +5051,7 @@
 <p:sldMaster xmlns:a="http://schemas.openxmlformats.org/drawingml/2006/main" xmlns:r="http://schemas.openxmlformats.org/officeDocument/2006/relationships" xmlns:p="http://schemas.openxmlformats.org/presentationml/2006/main">
   <p:cSld>
     <p:bg>
-      <p:bgRef idx="1001">
+      <p:bgRef idx="1003">
         <a:schemeClr val="bg1"/>
       </p:bgRef>
     </p:bg>
@@ -2784,15 +5069,146 @@
           <a:chExt cx="0" cy="0"/>
         </a:xfrm>
       </p:grpSpPr>
-      <p:sp>
-        <p:nvSpPr>
-          <p:cNvPr id="2" name="Marcador de título 1">
-            <a:extLst>
-              <a:ext uri="{FF2B5EF4-FFF2-40B4-BE49-F238E27FC236}">
-                <a16:creationId xmlns:a16="http://schemas.microsoft.com/office/drawing/2014/main" id="{3F804F61-75A1-01E9-17EA-C4E4E3A00F6C}"/>
-              </a:ext>
-            </a:extLst>
-          </p:cNvPr>
+      <p:grpSp>
+        <p:nvGrpSpPr>
+          <p:cNvPr id="7" name="Group 6"/>
+          <p:cNvGrpSpPr/>
+          <p:nvPr/>
+        </p:nvGrpSpPr>
+        <p:grpSpPr>
+          <a:xfrm>
+            <a:off x="-15736" y="0"/>
+            <a:ext cx="12229962" cy="6856214"/>
+            <a:chOff x="-15736" y="0"/>
+            <a:chExt cx="12229962" cy="6856214"/>
+          </a:xfrm>
+        </p:grpSpPr>
+        <p:pic>
+          <p:nvPicPr>
+            <p:cNvPr id="8" name="Picture 7" descr="HD-PanelContent.png"/>
+            <p:cNvPicPr>
+              <a:picLocks noChangeAspect="1"/>
+            </p:cNvPicPr>
+            <p:nvPr/>
+          </p:nvPicPr>
+          <p:blipFill>
+            <a:blip r:embed="rId19">
+              <a:extLst>
+                <a:ext uri="{28A0092B-C50C-407E-A947-70E740481C1C}">
+                  <a14:useLocalDpi xmlns:a14="http://schemas.microsoft.com/office/drawing/2010/main" val="0"/>
+                </a:ext>
+              </a:extLst>
+            </a:blip>
+            <a:stretch>
+              <a:fillRect/>
+            </a:stretch>
+          </p:blipFill>
+          <p:spPr>
+            <a:xfrm>
+              <a:off x="0" y="0"/>
+              <a:ext cx="12188825" cy="6856214"/>
+            </a:xfrm>
+            <a:prstGeom prst="rect">
+              <a:avLst/>
+            </a:prstGeom>
+          </p:spPr>
+        </p:pic>
+        <p:sp>
+          <p:nvSpPr>
+            <p:cNvPr id="9" name="Rectangle 8"/>
+            <p:cNvSpPr/>
+            <p:nvPr/>
+          </p:nvSpPr>
+          <p:spPr>
+            <a:xfrm>
+              <a:off x="608012" y="609600"/>
+              <a:ext cx="10972800" cy="5638800"/>
+            </a:xfrm>
+            <a:prstGeom prst="rect">
+              <a:avLst/>
+            </a:prstGeom>
+            <a:noFill/>
+            <a:ln w="15875" cap="flat">
+              <a:miter lim="800000"/>
+            </a:ln>
+          </p:spPr>
+          <p:style>
+            <a:lnRef idx="1">
+              <a:schemeClr val="accent1"/>
+            </a:lnRef>
+            <a:fillRef idx="3">
+              <a:schemeClr val="accent1"/>
+            </a:fillRef>
+            <a:effectRef idx="2">
+              <a:schemeClr val="accent1"/>
+            </a:effectRef>
+            <a:fontRef idx="minor">
+              <a:schemeClr val="lt1"/>
+            </a:fontRef>
+          </p:style>
+        </p:sp>
+        <p:pic>
+          <p:nvPicPr>
+            <p:cNvPr id="10" name="Picture 9" descr="HDRibbonContent-UniformTrim.png"/>
+            <p:cNvPicPr>
+              <a:picLocks noChangeAspect="1"/>
+            </p:cNvPicPr>
+            <p:nvPr/>
+          </p:nvPicPr>
+          <p:blipFill rotWithShape="1">
+            <a:blip r:embed="rId20">
+              <a:extLst>
+                <a:ext uri="{28A0092B-C50C-407E-A947-70E740481C1C}">
+                  <a14:useLocalDpi xmlns:a14="http://schemas.microsoft.com/office/drawing/2010/main" val="0"/>
+                </a:ext>
+              </a:extLst>
+            </a:blip>
+            <a:srcRect/>
+            <a:stretch/>
+          </p:blipFill>
+          <p:spPr>
+            <a:xfrm>
+              <a:off x="-15736" y="3153832"/>
+              <a:ext cx="777240" cy="606425"/>
+            </a:xfrm>
+            <a:prstGeom prst="rect">
+              <a:avLst/>
+            </a:prstGeom>
+          </p:spPr>
+        </p:pic>
+        <p:pic>
+          <p:nvPicPr>
+            <p:cNvPr id="11" name="Picture 10" descr="HDRibbonContent-UniformTrim.png"/>
+            <p:cNvPicPr>
+              <a:picLocks noChangeAspect="1"/>
+            </p:cNvPicPr>
+            <p:nvPr/>
+          </p:nvPicPr>
+          <p:blipFill rotWithShape="1">
+            <a:blip r:embed="rId20">
+              <a:extLst>
+                <a:ext uri="{28A0092B-C50C-407E-A947-70E740481C1C}">
+                  <a14:useLocalDpi xmlns:a14="http://schemas.microsoft.com/office/drawing/2010/main" val="0"/>
+                </a:ext>
+              </a:extLst>
+            </a:blip>
+            <a:srcRect/>
+            <a:stretch/>
+          </p:blipFill>
+          <p:spPr>
+            <a:xfrm>
+              <a:off x="11436986" y="3153832"/>
+              <a:ext cx="777240" cy="606425"/>
+            </a:xfrm>
+            <a:prstGeom prst="rect">
+              <a:avLst/>
+            </a:prstGeom>
+          </p:spPr>
+        </p:pic>
+      </p:grpSp>
+      <p:sp>
+        <p:nvSpPr>
+          <p:cNvPr id="2" name="Title Placeholder 1"/>
           <p:cNvSpPr>
             <a:spLocks noGrp="1"/>
           </p:cNvSpPr>
@@ -2802,115 +5218,145 @@
         </p:nvSpPr>
         <p:spPr>
           <a:xfrm>
-            <a:off x="838200" y="365125"/>
-            <a:ext cx="10515600" cy="1325563"/>
+            <a:off x="1295402" y="982132"/>
+            <a:ext cx="9601196" cy="1303867"/>
+          </a:xfrm>
+          <a:prstGeom prst="rect">
+            <a:avLst/>
+          </a:prstGeom>
+          <a:effectLst/>
+        </p:spPr>
+        <p:txBody>
+          <a:bodyPr vert="horz" lIns="91440" tIns="45720" rIns="91440" bIns="45720" rtlCol="0" anchor="ctr">
+            <a:normAutofit/>
+          </a:bodyPr>
+          <a:lstStyle/>
+          <a:p>
+            <a:r>
+              <a:rPr lang="es-ES"/>
+              <a:t>Haga clic para modificar el estilo de título del patrón</a:t>
+            </a:r>
+            <a:endParaRPr lang="en-US" dirty="0"/>
+          </a:p>
+        </p:txBody>
+      </p:sp>
+      <p:sp>
+        <p:nvSpPr>
+          <p:cNvPr id="3" name="Text Placeholder 2"/>
+          <p:cNvSpPr>
+            <a:spLocks noGrp="1"/>
+          </p:cNvSpPr>
+          <p:nvPr>
+            <p:ph type="body" idx="1"/>
+          </p:nvPr>
+        </p:nvSpPr>
+        <p:spPr>
+          <a:xfrm>
+            <a:off x="1295401" y="2556932"/>
+            <a:ext cx="9601196" cy="3318936"/>
           </a:xfrm>
           <a:prstGeom prst="rect">
             <a:avLst/>
           </a:prstGeom>
         </p:spPr>
         <p:txBody>
-          <a:bodyPr vert="horz" lIns="91440" tIns="45720" rIns="91440" bIns="45720" rtlCol="0" anchor="ctr">
+          <a:bodyPr vert="horz" lIns="91440" tIns="45720" rIns="91440" bIns="45720" rtlCol="0" anchor="t">
             <a:normAutofit/>
           </a:bodyPr>
           <a:lstStyle/>
           <a:p>
-            <a:r>
-              <a:rPr lang="es-ES"/>
-              <a:t>Haga clic para modificar el estilo de título del patrón</a:t>
-            </a:r>
-            <a:endParaRPr lang="es-CL"/>
-          </a:p>
-        </p:txBody>
-      </p:sp>
-      <p:sp>
-        <p:nvSpPr>
-          <p:cNvPr id="3" name="Marcador de texto 2">
-            <a:extLst>
-              <a:ext uri="{FF2B5EF4-FFF2-40B4-BE49-F238E27FC236}">
-                <a16:creationId xmlns:a16="http://schemas.microsoft.com/office/drawing/2014/main" id="{4E50A633-2705-D922-5ADA-BAFACAFD02DE}"/>
-              </a:ext>
-            </a:extLst>
-          </p:cNvPr>
-          <p:cNvSpPr>
-            <a:spLocks noGrp="1"/>
-          </p:cNvSpPr>
-          <p:nvPr>
-            <p:ph type="body" idx="1"/>
+            <a:pPr lvl="0"/>
+            <a:r>
+              <a:rPr lang="es-ES"/>
+              <a:t>Haga clic para modificar los estilos de texto del patrón</a:t>
+            </a:r>
+          </a:p>
+          <a:p>
+            <a:pPr lvl="1"/>
+            <a:r>
+              <a:rPr lang="es-ES"/>
+              <a:t>Segundo nivel</a:t>
+            </a:r>
+          </a:p>
+          <a:p>
+            <a:pPr lvl="2"/>
+            <a:r>
+              <a:rPr lang="es-ES"/>
+              <a:t>Tercer nivel</a:t>
+            </a:r>
+          </a:p>
+          <a:p>
+            <a:pPr lvl="3"/>
+            <a:r>
+              <a:rPr lang="es-ES"/>
+              <a:t>Cuarto nivel</a:t>
+            </a:r>
+          </a:p>
+          <a:p>
+            <a:pPr lvl="4"/>
+            <a:r>
+              <a:rPr lang="es-ES"/>
+              <a:t>Quinto nivel</a:t>
+            </a:r>
+            <a:endParaRPr lang="en-US" dirty="0"/>
+          </a:p>
+        </p:txBody>
+      </p:sp>
+      <p:sp>
+        <p:nvSpPr>
+          <p:cNvPr id="4" name="Date Placeholder 3"/>
+          <p:cNvSpPr>
+            <a:spLocks noGrp="1"/>
+          </p:cNvSpPr>
+          <p:nvPr>
+            <p:ph type="dt" sz="half" idx="2"/>
           </p:nvPr>
         </p:nvSpPr>
         <p:spPr>
           <a:xfrm>
-            <a:off x="838200" y="1825625"/>
-            <a:ext cx="10515600" cy="4351338"/>
+            <a:off x="8677501" y="5969000"/>
+            <a:ext cx="1600200" cy="279400"/>
           </a:xfrm>
           <a:prstGeom prst="rect">
             <a:avLst/>
           </a:prstGeom>
         </p:spPr>
         <p:txBody>
-          <a:bodyPr vert="horz" lIns="91440" tIns="45720" rIns="91440" bIns="45720" rtlCol="0">
-            <a:normAutofit/>
-          </a:bodyPr>
-          <a:lstStyle/>
-          <a:p>
-            <a:pPr lvl="0"/>
-            <a:r>
-              <a:rPr lang="es-ES"/>
-              <a:t>Haga clic para modificar los estilos de texto del patrón</a:t>
-            </a:r>
-          </a:p>
-          <a:p>
-            <a:pPr lvl="1"/>
-            <a:r>
-              <a:rPr lang="es-ES"/>
-              <a:t>Segundo nivel</a:t>
-            </a:r>
-          </a:p>
-          <a:p>
-            <a:pPr lvl="2"/>
-            <a:r>
-              <a:rPr lang="es-ES"/>
-              <a:t>Tercer nivel</a:t>
-            </a:r>
-          </a:p>
-          <a:p>
-            <a:pPr lvl="3"/>
-            <a:r>
-              <a:rPr lang="es-ES"/>
-              <a:t>Cuarto nivel</a:t>
-            </a:r>
-          </a:p>
-          <a:p>
-            <a:pPr lvl="4"/>
-            <a:r>
-              <a:rPr lang="es-ES"/>
-              <a:t>Quinto nivel</a:t>
-            </a:r>
+          <a:bodyPr vert="horz" lIns="91440" tIns="45720" rIns="91440" bIns="45720" rtlCol="0" anchor="ctr"/>
+          <a:lstStyle>
+            <a:lvl1pPr algn="r">
+              <a:defRPr sz="1000" b="0" i="0">
+                <a:solidFill>
+                  <a:schemeClr val="tx1"/>
+                </a:solidFill>
+                <a:effectLst/>
+                <a:latin typeface="+mn-lt"/>
+              </a:defRPr>
+            </a:lvl1pPr>
+          </a:lstStyle>
+          <a:p>
+            <a:fld id="{7572CA1D-0F2F-4863-9FA1-F22AF1696BC3}" type="datetimeFigureOut">
+              <a:rPr lang="es-CL" smtClean="0"/>
+              <a:t>02-12-2022</a:t>
+            </a:fld>
             <a:endParaRPr lang="es-CL"/>
           </a:p>
         </p:txBody>
       </p:sp>
       <p:sp>
         <p:nvSpPr>
-          <p:cNvPr id="4" name="Marcador de fecha 3">
-            <a:extLst>
-              <a:ext uri="{FF2B5EF4-FFF2-40B4-BE49-F238E27FC236}">
-                <a16:creationId xmlns:a16="http://schemas.microsoft.com/office/drawing/2014/main" id="{97BC4AEE-BE5C-FE3F-0D63-8B18190ADEFA}"/>
-              </a:ext>
-            </a:extLst>
-          </p:cNvPr>
-          <p:cNvSpPr>
-            <a:spLocks noGrp="1"/>
-          </p:cNvSpPr>
-          <p:nvPr>
-            <p:ph type="dt" sz="half" idx="2"/>
+          <p:cNvPr id="5" name="Footer Placeholder 4"/>
+          <p:cNvSpPr>
+            <a:spLocks noGrp="1"/>
+          </p:cNvSpPr>
+          <p:nvPr>
+            <p:ph type="ftr" sz="quarter" idx="3"/>
           </p:nvPr>
         </p:nvSpPr>
         <p:spPr>
           <a:xfrm>
-            <a:off x="838200" y="6356350"/>
-            <a:ext cx="2743200" cy="365125"/>
+            <a:off x="1295401" y="5969000"/>
+            <a:ext cx="7305900" cy="279400"/>
           </a:xfrm>
           <a:prstGeom prst="rect">
             <a:avLst/>
@@ -2920,44 +5366,34 @@
           <a:bodyPr vert="horz" lIns="91440" tIns="45720" rIns="91440" bIns="45720" rtlCol="0" anchor="ctr"/>
           <a:lstStyle>
             <a:lvl1pPr algn="l">
-              <a:defRPr sz="1200">
-                <a:solidFill>
-                  <a:schemeClr val="tx1">
-                    <a:tint val="75000"/>
-                  </a:schemeClr>
-                </a:solidFill>
+              <a:defRPr sz="1000" b="0" i="0">
+                <a:solidFill>
+                  <a:schemeClr val="tx1"/>
+                </a:solidFill>
+                <a:effectLst/>
+                <a:latin typeface="+mn-lt"/>
               </a:defRPr>
             </a:lvl1pPr>
           </a:lstStyle>
           <a:p>
-            <a:fld id="{7572CA1D-0F2F-4863-9FA1-F22AF1696BC3}" type="datetimeFigureOut">
-              <a:rPr lang="es-CL" smtClean="0"/>
-              <a:t>01-12-2022</a:t>
-            </a:fld>
             <a:endParaRPr lang="es-CL"/>
           </a:p>
         </p:txBody>
       </p:sp>
       <p:sp>
         <p:nvSpPr>
-          <p:cNvPr id="5" name="Marcador de pie de página 4">
-            <a:extLst>
-              <a:ext uri="{FF2B5EF4-FFF2-40B4-BE49-F238E27FC236}">
-                <a16:creationId xmlns:a16="http://schemas.microsoft.com/office/drawing/2014/main" id="{BDE65C4F-E7C2-9795-0B92-D7314AED9852}"/>
-              </a:ext>
-            </a:extLst>
-          </p:cNvPr>
-          <p:cNvSpPr>
-            <a:spLocks noGrp="1"/>
-          </p:cNvSpPr>
-          <p:nvPr>
-            <p:ph type="ftr" sz="quarter" idx="3"/>
+          <p:cNvPr id="6" name="Slide Number Placeholder 5"/>
+          <p:cNvSpPr>
+            <a:spLocks noGrp="1"/>
+          </p:cNvSpPr>
+          <p:nvPr>
+            <p:ph type="sldNum" sz="quarter" idx="4"/>
           </p:nvPr>
         </p:nvSpPr>
         <p:spPr>
           <a:xfrm>
-            <a:off x="4038600" y="6356350"/>
-            <a:ext cx="4114800" cy="365125"/>
+            <a:off x="10353901" y="5969000"/>
+            <a:ext cx="542697" cy="279400"/>
           </a:xfrm>
           <a:prstGeom prst="rect">
             <a:avLst/>
@@ -2966,56 +5402,13 @@
         <p:txBody>
           <a:bodyPr vert="horz" lIns="91440" tIns="45720" rIns="91440" bIns="45720" rtlCol="0" anchor="ctr"/>
           <a:lstStyle>
-            <a:lvl1pPr algn="ctr">
-              <a:defRPr sz="1200">
-                <a:solidFill>
-                  <a:schemeClr val="tx1">
-                    <a:tint val="75000"/>
-                  </a:schemeClr>
-                </a:solidFill>
-              </a:defRPr>
-            </a:lvl1pPr>
-          </a:lstStyle>
-          <a:p>
-            <a:endParaRPr lang="es-CL"/>
-          </a:p>
-        </p:txBody>
-      </p:sp>
-      <p:sp>
-        <p:nvSpPr>
-          <p:cNvPr id="6" name="Marcador de número de diapositiva 5">
-            <a:extLst>
-              <a:ext uri="{FF2B5EF4-FFF2-40B4-BE49-F238E27FC236}">
-                <a16:creationId xmlns:a16="http://schemas.microsoft.com/office/drawing/2014/main" id="{ABF7FC41-FFAE-E2BE-5883-840DE1F01566}"/>
-              </a:ext>
-            </a:extLst>
-          </p:cNvPr>
-          <p:cNvSpPr>
-            <a:spLocks noGrp="1"/>
-          </p:cNvSpPr>
-          <p:nvPr>
-            <p:ph type="sldNum" sz="quarter" idx="4"/>
-          </p:nvPr>
-        </p:nvSpPr>
-        <p:spPr>
-          <a:xfrm>
-            <a:off x="8610600" y="6356350"/>
-            <a:ext cx="2743200" cy="365125"/>
-          </a:xfrm>
-          <a:prstGeom prst="rect">
-            <a:avLst/>
-          </a:prstGeom>
-        </p:spPr>
-        <p:txBody>
-          <a:bodyPr vert="horz" lIns="91440" tIns="45720" rIns="91440" bIns="45720" rtlCol="0" anchor="ctr"/>
-          <a:lstStyle>
             <a:lvl1pPr algn="r">
-              <a:defRPr sz="1200">
-                <a:solidFill>
-                  <a:schemeClr val="tx1">
-                    <a:tint val="75000"/>
-                  </a:schemeClr>
-                </a:solidFill>
+              <a:defRPr sz="1000" b="0" i="0">
+                <a:solidFill>
+                  <a:schemeClr val="tx1"/>
+                </a:solidFill>
+                <a:effectLst/>
+                <a:latin typeface="+mn-lt"/>
               </a:defRPr>
             </a:lvl1pPr>
           </a:lstStyle>
@@ -3031,55 +5424,352 @@
     </p:spTree>
     <p:extLst>
       <p:ext uri="{BB962C8B-B14F-4D97-AF65-F5344CB8AC3E}">
-        <p14:creationId xmlns:p14="http://schemas.microsoft.com/office/powerpoint/2010/main" val="2619083682"/>
+        <p14:creationId xmlns:p14="http://schemas.microsoft.com/office/powerpoint/2010/main" val="2002158585"/>
       </p:ext>
     </p:extLst>
   </p:cSld>
   <p:clrMap bg1="lt1" tx1="dk1" bg2="lt2" tx2="dk2" accent1="accent1" accent2="accent2" accent3="accent3" accent4="accent4" accent5="accent5" accent6="accent6" hlink="hlink" folHlink="folHlink"/>
   <p:sldLayoutIdLst>
-    <p:sldLayoutId id="2147483649" r:id="rId1"/>
-    <p:sldLayoutId id="2147483650" r:id="rId2"/>
-    <p:sldLayoutId id="2147483651" r:id="rId3"/>
-    <p:sldLayoutId id="2147483652" r:id="rId4"/>
-    <p:sldLayoutId id="2147483653" r:id="rId5"/>
-    <p:sldLayoutId id="2147483654" r:id="rId6"/>
-    <p:sldLayoutId id="2147483655" r:id="rId7"/>
-    <p:sldLayoutId id="2147483656" r:id="rId8"/>
-    <p:sldLayoutId id="2147483657" r:id="rId9"/>
-    <p:sldLayoutId id="2147483658" r:id="rId10"/>
-    <p:sldLayoutId id="2147483659" r:id="rId11"/>
+    <p:sldLayoutId id="2147483691" r:id="rId1"/>
+    <p:sldLayoutId id="2147483692" r:id="rId2"/>
+    <p:sldLayoutId id="2147483693" r:id="rId3"/>
+    <p:sldLayoutId id="2147483694" r:id="rId4"/>
+    <p:sldLayoutId id="2147483695" r:id="rId5"/>
+    <p:sldLayoutId id="2147483696" r:id="rId6"/>
+    <p:sldLayoutId id="2147483697" r:id="rId7"/>
+    <p:sldLayoutId id="2147483698" r:id="rId8"/>
+    <p:sldLayoutId id="2147483699" r:id="rId9"/>
+    <p:sldLayoutId id="2147483700" r:id="rId10"/>
+    <p:sldLayoutId id="2147483701" r:id="rId11"/>
+    <p:sldLayoutId id="2147483702" r:id="rId12"/>
+    <p:sldLayoutId id="2147483703" r:id="rId13"/>
+    <p:sldLayoutId id="2147483704" r:id="rId14"/>
+    <p:sldLayoutId id="2147483705" r:id="rId15"/>
+    <p:sldLayoutId id="2147483706" r:id="rId16"/>
+    <p:sldLayoutId id="2147483707" r:id="rId17"/>
   </p:sldLayoutIdLst>
   <p:txStyles>
     <p:titleStyle>
-      <a:lvl1pPr algn="l" defTabSz="914400" rtl="0" eaLnBrk="1" latinLnBrk="0" hangingPunct="1">
-        <a:lnSpc>
-          <a:spcPct val="90000"/>
-        </a:lnSpc>
+      <a:lvl1pPr algn="ctr" defTabSz="457200" rtl="0" eaLnBrk="1" latinLnBrk="0" hangingPunct="1">
         <a:spcBef>
           <a:spcPct val="0"/>
         </a:spcBef>
         <a:buNone/>
-        <a:defRPr sz="4400" kern="1200">
+        <a:defRPr sz="4400" kern="1200" cap="none">
+          <a:ln w="3175" cmpd="sng">
+            <a:noFill/>
+          </a:ln>
           <a:solidFill>
-            <a:schemeClr val="tx1"/>
+            <a:schemeClr val="tx1">
+              <a:lumMod val="85000"/>
+              <a:lumOff val="15000"/>
+            </a:schemeClr>
           </a:solidFill>
+          <a:effectLst/>
           <a:latin typeface="+mj-lt"/>
           <a:ea typeface="+mj-ea"/>
           <a:cs typeface="+mj-cs"/>
         </a:defRPr>
       </a:lvl1pPr>
+      <a:lvl2pPr eaLnBrk="1" hangingPunct="1">
+        <a:defRPr>
+          <a:solidFill>
+            <a:schemeClr val="tx2"/>
+          </a:solidFill>
+        </a:defRPr>
+      </a:lvl2pPr>
+      <a:lvl3pPr eaLnBrk="1" hangingPunct="1">
+        <a:defRPr>
+          <a:solidFill>
+            <a:schemeClr val="tx2"/>
+          </a:solidFill>
+        </a:defRPr>
+      </a:lvl3pPr>
+      <a:lvl4pPr eaLnBrk="1" hangingPunct="1">
+        <a:defRPr>
+          <a:solidFill>
+            <a:schemeClr val="tx2"/>
+          </a:solidFill>
+        </a:defRPr>
+      </a:lvl4pPr>
+      <a:lvl5pPr eaLnBrk="1" hangingPunct="1">
+        <a:defRPr>
+          <a:solidFill>
+            <a:schemeClr val="tx2"/>
+          </a:solidFill>
+        </a:defRPr>
+      </a:lvl5pPr>
+      <a:lvl6pPr eaLnBrk="1" hangingPunct="1">
+        <a:defRPr>
+          <a:solidFill>
+            <a:schemeClr val="tx2"/>
+          </a:solidFill>
+        </a:defRPr>
+      </a:lvl6pPr>
+      <a:lvl7pPr eaLnBrk="1" hangingPunct="1">
+        <a:defRPr>
+          <a:solidFill>
+            <a:schemeClr val="tx2"/>
+          </a:solidFill>
+        </a:defRPr>
+      </a:lvl7pPr>
+      <a:lvl8pPr eaLnBrk="1" hangingPunct="1">
+        <a:defRPr>
+          <a:solidFill>
+            <a:schemeClr val="tx2"/>
+          </a:solidFill>
+        </a:defRPr>
+      </a:lvl8pPr>
+      <a:lvl9pPr eaLnBrk="1" hangingPunct="1">
+        <a:defRPr>
+          <a:solidFill>
+            <a:schemeClr val="tx2"/>
+          </a:solidFill>
+        </a:defRPr>
+      </a:lvl9pPr>
     </p:titleStyle>
     <p:bodyStyle>
-      <a:lvl1pPr marL="228600" indent="-228600" algn="l" defTabSz="914400" rtl="0" eaLnBrk="1" latinLnBrk="0" hangingPunct="1">
-        <a:lnSpc>
-          <a:spcPct val="90000"/>
-        </a:lnSpc>
+      <a:lvl1pPr marL="285750" indent="-285750" algn="l" defTabSz="457200" rtl="0" eaLnBrk="1" latinLnBrk="0" hangingPunct="1">
         <a:spcBef>
-          <a:spcPts val="1000"/>
+          <a:spcPct val="20000"/>
         </a:spcBef>
-        <a:buFont typeface="Arial" panose="020B0604020202020204" pitchFamily="34" charset="0"/>
+        <a:spcAft>
+          <a:spcPts val="600"/>
+        </a:spcAft>
+        <a:buClr>
+          <a:schemeClr val="accent1"/>
+        </a:buClr>
+        <a:buSzPct val="115000"/>
+        <a:buFont typeface="Arial"/>
         <a:buChar char="•"/>
-        <a:defRPr sz="2800" kern="1200">
+        <a:defRPr sz="2400" kern="1200" cap="none">
+          <a:solidFill>
+            <a:schemeClr val="tx1">
+              <a:lumMod val="85000"/>
+              <a:lumOff val="15000"/>
+            </a:schemeClr>
+          </a:solidFill>
+          <a:effectLst/>
+          <a:latin typeface="+mn-lt"/>
+          <a:ea typeface="+mn-ea"/>
+          <a:cs typeface="+mn-cs"/>
+        </a:defRPr>
+      </a:lvl1pPr>
+      <a:lvl2pPr marL="742950" indent="-285750" algn="l" defTabSz="457200" rtl="0" eaLnBrk="1" latinLnBrk="0" hangingPunct="1">
+        <a:spcBef>
+          <a:spcPct val="20000"/>
+        </a:spcBef>
+        <a:spcAft>
+          <a:spcPts val="600"/>
+        </a:spcAft>
+        <a:buClr>
+          <a:schemeClr val="accent1"/>
+        </a:buClr>
+        <a:buSzPct val="115000"/>
+        <a:buFont typeface="Arial"/>
+        <a:buChar char="•"/>
+        <a:defRPr sz="2000" kern="1200" cap="none">
+          <a:solidFill>
+            <a:schemeClr val="tx1">
+              <a:lumMod val="85000"/>
+              <a:lumOff val="15000"/>
+            </a:schemeClr>
+          </a:solidFill>
+          <a:effectLst/>
+          <a:latin typeface="+mn-lt"/>
+          <a:ea typeface="+mn-ea"/>
+          <a:cs typeface="+mn-cs"/>
+        </a:defRPr>
+      </a:lvl2pPr>
+      <a:lvl3pPr marL="1200150" indent="-285750" algn="l" defTabSz="457200" rtl="0" eaLnBrk="1" latinLnBrk="0" hangingPunct="1">
+        <a:spcBef>
+          <a:spcPct val="20000"/>
+        </a:spcBef>
+        <a:spcAft>
+          <a:spcPts val="600"/>
+        </a:spcAft>
+        <a:buClr>
+          <a:schemeClr val="accent1"/>
+        </a:buClr>
+        <a:buSzPct val="115000"/>
+        <a:buFont typeface="Arial"/>
+        <a:buChar char="•"/>
+        <a:defRPr sz="1800" kern="1200" cap="none">
+          <a:solidFill>
+            <a:schemeClr val="tx1">
+              <a:lumMod val="85000"/>
+              <a:lumOff val="15000"/>
+            </a:schemeClr>
+          </a:solidFill>
+          <a:effectLst/>
+          <a:latin typeface="+mn-lt"/>
+          <a:ea typeface="+mn-ea"/>
+          <a:cs typeface="+mn-cs"/>
+        </a:defRPr>
+      </a:lvl3pPr>
+      <a:lvl4pPr marL="1543050" indent="-171450" algn="l" defTabSz="457200" rtl="0" eaLnBrk="1" latinLnBrk="0" hangingPunct="1">
+        <a:spcBef>
+          <a:spcPct val="20000"/>
+        </a:spcBef>
+        <a:spcAft>
+          <a:spcPts val="600"/>
+        </a:spcAft>
+        <a:buClr>
+          <a:schemeClr val="accent1"/>
+        </a:buClr>
+        <a:buSzPct val="115000"/>
+        <a:buFont typeface="Arial"/>
+        <a:buChar char="•"/>
+        <a:defRPr sz="1600" kern="1200" cap="none">
+          <a:solidFill>
+            <a:schemeClr val="tx1">
+              <a:lumMod val="85000"/>
+              <a:lumOff val="15000"/>
+            </a:schemeClr>
+          </a:solidFill>
+          <a:effectLst/>
+          <a:latin typeface="+mn-lt"/>
+          <a:ea typeface="+mn-ea"/>
+          <a:cs typeface="+mn-cs"/>
+        </a:defRPr>
+      </a:lvl4pPr>
+      <a:lvl5pPr marL="2000250" indent="-171450" algn="l" defTabSz="457200" rtl="0" eaLnBrk="1" latinLnBrk="0" hangingPunct="1">
+        <a:spcBef>
+          <a:spcPct val="20000"/>
+        </a:spcBef>
+        <a:spcAft>
+          <a:spcPts val="600"/>
+        </a:spcAft>
+        <a:buClr>
+          <a:schemeClr val="accent1"/>
+        </a:buClr>
+        <a:buSzPct val="115000"/>
+        <a:buFont typeface="Arial"/>
+        <a:buChar char="•"/>
+        <a:defRPr sz="1400" kern="1200" cap="none">
+          <a:solidFill>
+            <a:schemeClr val="tx1">
+              <a:lumMod val="85000"/>
+              <a:lumOff val="15000"/>
+            </a:schemeClr>
+          </a:solidFill>
+          <a:effectLst/>
+          <a:latin typeface="+mn-lt"/>
+          <a:ea typeface="+mn-ea"/>
+          <a:cs typeface="+mn-cs"/>
+        </a:defRPr>
+      </a:lvl5pPr>
+      <a:lvl6pPr marL="2514600" indent="-228600" algn="l" defTabSz="457200" rtl="0" eaLnBrk="1" latinLnBrk="0" hangingPunct="1">
+        <a:spcBef>
+          <a:spcPct val="20000"/>
+        </a:spcBef>
+        <a:spcAft>
+          <a:spcPts val="600"/>
+        </a:spcAft>
+        <a:buClr>
+          <a:schemeClr val="accent1"/>
+        </a:buClr>
+        <a:buSzPct val="115000"/>
+        <a:buFont typeface="Arial"/>
+        <a:buChar char="•"/>
+        <a:defRPr sz="1400" kern="1200" cap="none">
+          <a:solidFill>
+            <a:schemeClr val="tx1">
+              <a:lumMod val="85000"/>
+              <a:lumOff val="15000"/>
+            </a:schemeClr>
+          </a:solidFill>
+          <a:effectLst/>
+          <a:latin typeface="+mn-lt"/>
+          <a:ea typeface="+mn-ea"/>
+          <a:cs typeface="+mn-cs"/>
+        </a:defRPr>
+      </a:lvl6pPr>
+      <a:lvl7pPr marL="2971800" indent="-228600" algn="l" defTabSz="457200" rtl="0" eaLnBrk="1" latinLnBrk="0" hangingPunct="1">
+        <a:spcBef>
+          <a:spcPct val="20000"/>
+        </a:spcBef>
+        <a:spcAft>
+          <a:spcPts val="600"/>
+        </a:spcAft>
+        <a:buClr>
+          <a:schemeClr val="accent1"/>
+        </a:buClr>
+        <a:buSzPct val="115000"/>
+        <a:buFont typeface="Arial"/>
+        <a:buChar char="•"/>
+        <a:defRPr sz="1400" kern="1200" cap="none">
+          <a:solidFill>
+            <a:schemeClr val="tx1">
+              <a:lumMod val="85000"/>
+              <a:lumOff val="15000"/>
+            </a:schemeClr>
+          </a:solidFill>
+          <a:effectLst/>
+          <a:latin typeface="+mn-lt"/>
+          <a:ea typeface="+mn-ea"/>
+          <a:cs typeface="+mn-cs"/>
+        </a:defRPr>
+      </a:lvl7pPr>
+      <a:lvl8pPr marL="3429000" indent="-228600" algn="l" defTabSz="457200" rtl="0" eaLnBrk="1" latinLnBrk="0" hangingPunct="1">
+        <a:spcBef>
+          <a:spcPct val="20000"/>
+        </a:spcBef>
+        <a:spcAft>
+          <a:spcPts val="600"/>
+        </a:spcAft>
+        <a:buClr>
+          <a:schemeClr val="accent1"/>
+        </a:buClr>
+        <a:buSzPct val="115000"/>
+        <a:buFont typeface="Arial"/>
+        <a:buChar char="•"/>
+        <a:defRPr sz="1400" kern="1200" cap="none">
+          <a:solidFill>
+            <a:schemeClr val="tx1">
+              <a:lumMod val="85000"/>
+              <a:lumOff val="15000"/>
+            </a:schemeClr>
+          </a:solidFill>
+          <a:effectLst/>
+          <a:latin typeface="+mn-lt"/>
+          <a:ea typeface="+mn-ea"/>
+          <a:cs typeface="+mn-cs"/>
+        </a:defRPr>
+      </a:lvl8pPr>
+      <a:lvl9pPr marL="3886200" indent="-228600" algn="l" defTabSz="457200" rtl="0" eaLnBrk="1" latinLnBrk="0" hangingPunct="1">
+        <a:spcBef>
+          <a:spcPct val="20000"/>
+        </a:spcBef>
+        <a:spcAft>
+          <a:spcPts val="600"/>
+        </a:spcAft>
+        <a:buClr>
+          <a:schemeClr val="accent1"/>
+        </a:buClr>
+        <a:buSzPct val="115000"/>
+        <a:buFont typeface="Arial"/>
+        <a:buChar char="•"/>
+        <a:defRPr sz="1400" kern="1200" cap="none">
+          <a:solidFill>
+            <a:schemeClr val="tx1">
+              <a:lumMod val="85000"/>
+              <a:lumOff val="15000"/>
+            </a:schemeClr>
+          </a:solidFill>
+          <a:effectLst/>
+          <a:latin typeface="+mn-lt"/>
+          <a:ea typeface="+mn-ea"/>
+          <a:cs typeface="+mn-cs"/>
+        </a:defRPr>
+      </a:lvl9pPr>
+    </p:bodyStyle>
+    <p:otherStyle>
+      <a:defPPr>
+        <a:defRPr lang="en-US"/>
+      </a:defPPr>
+      <a:lvl1pPr marL="0" algn="l" defTabSz="457200" rtl="0" eaLnBrk="1" latinLnBrk="0" hangingPunct="1">
+        <a:defRPr sz="1800" kern="1200">
           <a:solidFill>
             <a:schemeClr val="tx1"/>
           </a:solidFill>
@@ -3088,16 +5778,8 @@
           <a:cs typeface="+mn-cs"/>
         </a:defRPr>
       </a:lvl1pPr>
-      <a:lvl2pPr marL="685800" indent="-228600" algn="l" defTabSz="914400" rtl="0" eaLnBrk="1" latinLnBrk="0" hangingPunct="1">
-        <a:lnSpc>
-          <a:spcPct val="90000"/>
-        </a:lnSpc>
-        <a:spcBef>
-          <a:spcPts val="500"/>
-        </a:spcBef>
-        <a:buFont typeface="Arial" panose="020B0604020202020204" pitchFamily="34" charset="0"/>
-        <a:buChar char="•"/>
-        <a:defRPr sz="2400" kern="1200">
+      <a:lvl2pPr marL="457200" algn="l" defTabSz="457200" rtl="0" eaLnBrk="1" latinLnBrk="0" hangingPunct="1">
+        <a:defRPr sz="1800" kern="1200">
           <a:solidFill>
             <a:schemeClr val="tx1"/>
           </a:solidFill>
@@ -3106,16 +5788,8 @@
           <a:cs typeface="+mn-cs"/>
         </a:defRPr>
       </a:lvl2pPr>
-      <a:lvl3pPr marL="1143000" indent="-228600" algn="l" defTabSz="914400" rtl="0" eaLnBrk="1" latinLnBrk="0" hangingPunct="1">
-        <a:lnSpc>
-          <a:spcPct val="90000"/>
-        </a:lnSpc>
-        <a:spcBef>
-          <a:spcPts val="500"/>
-        </a:spcBef>
-        <a:buFont typeface="Arial" panose="020B0604020202020204" pitchFamily="34" charset="0"/>
-        <a:buChar char="•"/>
-        <a:defRPr sz="2000" kern="1200">
+      <a:lvl3pPr marL="914400" algn="l" defTabSz="457200" rtl="0" eaLnBrk="1" latinLnBrk="0" hangingPunct="1">
+        <a:defRPr sz="1800" kern="1200">
           <a:solidFill>
             <a:schemeClr val="tx1"/>
           </a:solidFill>
@@ -3124,15 +5798,7 @@
           <a:cs typeface="+mn-cs"/>
         </a:defRPr>
       </a:lvl3pPr>
-      <a:lvl4pPr marL="1600200" indent="-228600" algn="l" defTabSz="914400" rtl="0" eaLnBrk="1" latinLnBrk="0" hangingPunct="1">
-        <a:lnSpc>
-          <a:spcPct val="90000"/>
-        </a:lnSpc>
-        <a:spcBef>
-          <a:spcPts val="500"/>
-        </a:spcBef>
-        <a:buFont typeface="Arial" panose="020B0604020202020204" pitchFamily="34" charset="0"/>
-        <a:buChar char="•"/>
+      <a:lvl4pPr marL="1371600" algn="l" defTabSz="457200" rtl="0" eaLnBrk="1" latinLnBrk="0" hangingPunct="1">
         <a:defRPr sz="1800" kern="1200">
           <a:solidFill>
             <a:schemeClr val="tx1"/>
@@ -3142,15 +5808,7 @@
           <a:cs typeface="+mn-cs"/>
         </a:defRPr>
       </a:lvl4pPr>
-      <a:lvl5pPr marL="2057400" indent="-228600" algn="l" defTabSz="914400" rtl="0" eaLnBrk="1" latinLnBrk="0" hangingPunct="1">
-        <a:lnSpc>
-          <a:spcPct val="90000"/>
-        </a:lnSpc>
-        <a:spcBef>
-          <a:spcPts val="500"/>
-        </a:spcBef>
-        <a:buFont typeface="Arial" panose="020B0604020202020204" pitchFamily="34" charset="0"/>
-        <a:buChar char="•"/>
+      <a:lvl5pPr marL="1828800" algn="l" defTabSz="457200" rtl="0" eaLnBrk="1" latinLnBrk="0" hangingPunct="1">
         <a:defRPr sz="1800" kern="1200">
           <a:solidFill>
             <a:schemeClr val="tx1"/>
@@ -3160,15 +5818,7 @@
           <a:cs typeface="+mn-cs"/>
         </a:defRPr>
       </a:lvl5pPr>
-      <a:lvl6pPr marL="2514600" indent="-228600" algn="l" defTabSz="914400" rtl="0" eaLnBrk="1" latinLnBrk="0" hangingPunct="1">
-        <a:lnSpc>
-          <a:spcPct val="90000"/>
-        </a:lnSpc>
-        <a:spcBef>
-          <a:spcPts val="500"/>
-        </a:spcBef>
-        <a:buFont typeface="Arial" panose="020B0604020202020204" pitchFamily="34" charset="0"/>
-        <a:buChar char="•"/>
+      <a:lvl6pPr marL="2286000" algn="l" defTabSz="457200" rtl="0" eaLnBrk="1" latinLnBrk="0" hangingPunct="1">
         <a:defRPr sz="1800" kern="1200">
           <a:solidFill>
             <a:schemeClr val="tx1"/>
@@ -3178,15 +5828,7 @@
           <a:cs typeface="+mn-cs"/>
         </a:defRPr>
       </a:lvl6pPr>
-      <a:lvl7pPr marL="2971800" indent="-228600" algn="l" defTabSz="914400" rtl="0" eaLnBrk="1" latinLnBrk="0" hangingPunct="1">
-        <a:lnSpc>
-          <a:spcPct val="90000"/>
-        </a:lnSpc>
-        <a:spcBef>
-          <a:spcPts val="500"/>
-        </a:spcBef>
-        <a:buFont typeface="Arial" panose="020B0604020202020204" pitchFamily="34" charset="0"/>
-        <a:buChar char="•"/>
+      <a:lvl7pPr marL="2743200" algn="l" defTabSz="457200" rtl="0" eaLnBrk="1" latinLnBrk="0" hangingPunct="1">
         <a:defRPr sz="1800" kern="1200">
           <a:solidFill>
             <a:schemeClr val="tx1"/>
@@ -3196,15 +5838,7 @@
           <a:cs typeface="+mn-cs"/>
         </a:defRPr>
       </a:lvl7pPr>
-      <a:lvl8pPr marL="3429000" indent="-228600" algn="l" defTabSz="914400" rtl="0" eaLnBrk="1" latinLnBrk="0" hangingPunct="1">
-        <a:lnSpc>
-          <a:spcPct val="90000"/>
-        </a:lnSpc>
-        <a:spcBef>
-          <a:spcPts val="500"/>
-        </a:spcBef>
-        <a:buFont typeface="Arial" panose="020B0604020202020204" pitchFamily="34" charset="0"/>
-        <a:buChar char="•"/>
+      <a:lvl8pPr marL="3200400" algn="l" defTabSz="457200" rtl="0" eaLnBrk="1" latinLnBrk="0" hangingPunct="1">
         <a:defRPr sz="1800" kern="1200">
           <a:solidFill>
             <a:schemeClr val="tx1"/>
@@ -3214,110 +5848,7 @@
           <a:cs typeface="+mn-cs"/>
         </a:defRPr>
       </a:lvl8pPr>
-      <a:lvl9pPr marL="3886200" indent="-228600" algn="l" defTabSz="914400" rtl="0" eaLnBrk="1" latinLnBrk="0" hangingPunct="1">
-        <a:lnSpc>
-          <a:spcPct val="90000"/>
-        </a:lnSpc>
-        <a:spcBef>
-          <a:spcPts val="500"/>
-        </a:spcBef>
-        <a:buFont typeface="Arial" panose="020B0604020202020204" pitchFamily="34" charset="0"/>
-        <a:buChar char="•"/>
-        <a:defRPr sz="1800" kern="1200">
-          <a:solidFill>
-            <a:schemeClr val="tx1"/>
-          </a:solidFill>
-          <a:latin typeface="+mn-lt"/>
-          <a:ea typeface="+mn-ea"/>
-          <a:cs typeface="+mn-cs"/>
-        </a:defRPr>
-      </a:lvl9pPr>
-    </p:bodyStyle>
-    <p:otherStyle>
-      <a:defPPr>
-        <a:defRPr lang="es-CL"/>
-      </a:defPPr>
-      <a:lvl1pPr marL="0" algn="l" defTabSz="914400" rtl="0" eaLnBrk="1" latinLnBrk="0" hangingPunct="1">
-        <a:defRPr sz="1800" kern="1200">
-          <a:solidFill>
-            <a:schemeClr val="tx1"/>
-          </a:solidFill>
-          <a:latin typeface="+mn-lt"/>
-          <a:ea typeface="+mn-ea"/>
-          <a:cs typeface="+mn-cs"/>
-        </a:defRPr>
-      </a:lvl1pPr>
-      <a:lvl2pPr marL="457200" algn="l" defTabSz="914400" rtl="0" eaLnBrk="1" latinLnBrk="0" hangingPunct="1">
-        <a:defRPr sz="1800" kern="1200">
-          <a:solidFill>
-            <a:schemeClr val="tx1"/>
-          </a:solidFill>
-          <a:latin typeface="+mn-lt"/>
-          <a:ea typeface="+mn-ea"/>
-          <a:cs typeface="+mn-cs"/>
-        </a:defRPr>
-      </a:lvl2pPr>
-      <a:lvl3pPr marL="914400" algn="l" defTabSz="914400" rtl="0" eaLnBrk="1" latinLnBrk="0" hangingPunct="1">
-        <a:defRPr sz="1800" kern="1200">
-          <a:solidFill>
-            <a:schemeClr val="tx1"/>
-          </a:solidFill>
-          <a:latin typeface="+mn-lt"/>
-          <a:ea typeface="+mn-ea"/>
-          <a:cs typeface="+mn-cs"/>
-        </a:defRPr>
-      </a:lvl3pPr>
-      <a:lvl4pPr marL="1371600" algn="l" defTabSz="914400" rtl="0" eaLnBrk="1" latinLnBrk="0" hangingPunct="1">
-        <a:defRPr sz="1800" kern="1200">
-          <a:solidFill>
-            <a:schemeClr val="tx1"/>
-          </a:solidFill>
-          <a:latin typeface="+mn-lt"/>
-          <a:ea typeface="+mn-ea"/>
-          <a:cs typeface="+mn-cs"/>
-        </a:defRPr>
-      </a:lvl4pPr>
-      <a:lvl5pPr marL="1828800" algn="l" defTabSz="914400" rtl="0" eaLnBrk="1" latinLnBrk="0" hangingPunct="1">
-        <a:defRPr sz="1800" kern="1200">
-          <a:solidFill>
-            <a:schemeClr val="tx1"/>
-          </a:solidFill>
-          <a:latin typeface="+mn-lt"/>
-          <a:ea typeface="+mn-ea"/>
-          <a:cs typeface="+mn-cs"/>
-        </a:defRPr>
-      </a:lvl5pPr>
-      <a:lvl6pPr marL="2286000" algn="l" defTabSz="914400" rtl="0" eaLnBrk="1" latinLnBrk="0" hangingPunct="1">
-        <a:defRPr sz="1800" kern="1200">
-          <a:solidFill>
-            <a:schemeClr val="tx1"/>
-          </a:solidFill>
-          <a:latin typeface="+mn-lt"/>
-          <a:ea typeface="+mn-ea"/>
-          <a:cs typeface="+mn-cs"/>
-        </a:defRPr>
-      </a:lvl6pPr>
-      <a:lvl7pPr marL="2743200" algn="l" defTabSz="914400" rtl="0" eaLnBrk="1" latinLnBrk="0" hangingPunct="1">
-        <a:defRPr sz="1800" kern="1200">
-          <a:solidFill>
-            <a:schemeClr val="tx1"/>
-          </a:solidFill>
-          <a:latin typeface="+mn-lt"/>
-          <a:ea typeface="+mn-ea"/>
-          <a:cs typeface="+mn-cs"/>
-        </a:defRPr>
-      </a:lvl7pPr>
-      <a:lvl8pPr marL="3200400" algn="l" defTabSz="914400" rtl="0" eaLnBrk="1" latinLnBrk="0" hangingPunct="1">
-        <a:defRPr sz="1800" kern="1200">
-          <a:solidFill>
-            <a:schemeClr val="tx1"/>
-          </a:solidFill>
-          <a:latin typeface="+mn-lt"/>
-          <a:ea typeface="+mn-ea"/>
-          <a:cs typeface="+mn-cs"/>
-        </a:defRPr>
-      </a:lvl8pPr>
-      <a:lvl9pPr marL="3657600" algn="l" defTabSz="914400" rtl="0" eaLnBrk="1" latinLnBrk="0" hangingPunct="1">
+      <a:lvl9pPr marL="3657600" algn="l" defTabSz="457200" rtl="0" eaLnBrk="1" latinLnBrk="0" hangingPunct="1">
         <a:defRPr sz="1800" kern="1200">
           <a:solidFill>
             <a:schemeClr val="tx1"/>
@@ -3395,7 +5926,9 @@
         </p:nvSpPr>
         <p:spPr/>
         <p:txBody>
-          <a:bodyPr/>
+          <a:bodyPr>
+            <a:normAutofit/>
+          </a:bodyPr>
           <a:lstStyle/>
           <a:p>
             <a:pPr algn="l"/>
@@ -3605,6 +6138,13 @@
               <a:t>Observar grupos y correlaciones entre los datos a estudiar</a:t>
             </a:r>
           </a:p>
+          <a:p>
+            <a:r>
+              <a:rPr lang="es-ES" dirty="0"/>
+              <a:t>Estudiar la distribución de los datos según las características estudiadas</a:t>
+            </a:r>
+            <a:endParaRPr lang="es-CL" dirty="0"/>
+          </a:p>
         </p:txBody>
       </p:sp>
     </p:spTree>
@@ -3733,7 +6273,7 @@
         </p:blipFill>
         <p:spPr>
           <a:xfrm>
-            <a:off x="612140" y="3200400"/>
+            <a:off x="629127" y="3547054"/>
             <a:ext cx="3535680" cy="2357120"/>
           </a:xfrm>
           <a:prstGeom prst="rect">
@@ -3769,7 +6309,7 @@
         </p:blipFill>
         <p:spPr>
           <a:xfrm>
-            <a:off x="4495800" y="3312160"/>
+            <a:off x="4495799" y="3521885"/>
             <a:ext cx="3200400" cy="2133600"/>
           </a:xfrm>
           <a:prstGeom prst="rect">
@@ -3805,7 +6345,7 @@
         </p:blipFill>
         <p:spPr>
           <a:xfrm>
-            <a:off x="8358183" y="3192235"/>
+            <a:off x="8349794" y="3538889"/>
             <a:ext cx="3343597" cy="2365285"/>
           </a:xfrm>
           <a:prstGeom prst="rect">
@@ -3949,7 +6489,7 @@
           <p:cNvPr id="2" name="Título 1">
             <a:extLst>
               <a:ext uri="{FF2B5EF4-FFF2-40B4-BE49-F238E27FC236}">
-                <a16:creationId xmlns:a16="http://schemas.microsoft.com/office/drawing/2014/main" id="{33BC449B-827F-F94B-AB47-94A3DD5A6AD2}"/>
+                <a16:creationId xmlns:a16="http://schemas.microsoft.com/office/drawing/2014/main" id="{77792FB6-A8C0-39B4-B970-E33F4E60C402}"/>
               </a:ext>
             </a:extLst>
           </p:cNvPr>
@@ -3967,7 +6507,7 @@
           <a:p>
             <a:r>
               <a:rPr lang="es-CL" dirty="0"/>
-              <a:t>Clustering</a:t>
+              <a:t>Análisis Estadístico</a:t>
             </a:r>
           </a:p>
         </p:txBody>
@@ -3977,7 +6517,7 @@
           <p:cNvPr id="3" name="Marcador de contenido 2">
             <a:extLst>
               <a:ext uri="{FF2B5EF4-FFF2-40B4-BE49-F238E27FC236}">
-                <a16:creationId xmlns:a16="http://schemas.microsoft.com/office/drawing/2014/main" id="{B0AA87E7-2680-089D-9BF3-77DB4EF47C48}"/>
+                <a16:creationId xmlns:a16="http://schemas.microsoft.com/office/drawing/2014/main" id="{7B13D7D8-23FD-34C5-EC1F-123A6F4A4A2C}"/>
               </a:ext>
             </a:extLst>
           </p:cNvPr>
@@ -3993,14 +6533,62 @@
           <a:bodyPr/>
           <a:lstStyle/>
           <a:p>
-            <a:endParaRPr lang="es-CL"/>
-          </a:p>
-        </p:txBody>
-      </p:sp>
+            <a:r>
+              <a:rPr lang="es-CL" dirty="0"/>
+              <a:t>Clara desigualdad en la cantidad de publicaciones</a:t>
+            </a:r>
+          </a:p>
+          <a:p>
+            <a:r>
+              <a:rPr lang="es-CL" dirty="0"/>
+              <a:t>Tipo de vendedor más frecuente en la página es un vendedor particular</a:t>
+            </a:r>
+          </a:p>
+          <a:p>
+            <a:r>
+              <a:rPr lang="es-CL" dirty="0"/>
+              <a:t>Promedio de precios varía según región</a:t>
+            </a:r>
+          </a:p>
+          <a:p>
+            <a:endParaRPr lang="es-CL" dirty="0"/>
+          </a:p>
+        </p:txBody>
+      </p:sp>
+      <p:pic>
+        <p:nvPicPr>
+          <p:cNvPr id="5" name="Imagen 4">
+            <a:extLst>
+              <a:ext uri="{FF2B5EF4-FFF2-40B4-BE49-F238E27FC236}">
+                <a16:creationId xmlns:a16="http://schemas.microsoft.com/office/drawing/2014/main" id="{2E851527-9DDF-CE75-BD6C-509D0077B2B9}"/>
+              </a:ext>
+            </a:extLst>
+          </p:cNvPr>
+          <p:cNvPicPr>
+            <a:picLocks noChangeAspect="1"/>
+          </p:cNvPicPr>
+          <p:nvPr/>
+        </p:nvPicPr>
+        <p:blipFill>
+          <a:blip r:embed="rId2"/>
+          <a:stretch>
+            <a:fillRect/>
+          </a:stretch>
+        </p:blipFill>
+        <p:spPr>
+          <a:xfrm>
+            <a:off x="7269935" y="3738880"/>
+            <a:ext cx="4099105" cy="2983196"/>
+          </a:xfrm>
+          <a:prstGeom prst="rect">
+            <a:avLst/>
+          </a:prstGeom>
+        </p:spPr>
+      </p:pic>
     </p:spTree>
     <p:extLst>
       <p:ext uri="{BB962C8B-B14F-4D97-AF65-F5344CB8AC3E}">
-        <p14:creationId xmlns:p14="http://schemas.microsoft.com/office/powerpoint/2010/main" val="1634738478"/>
+        <p14:creationId xmlns:p14="http://schemas.microsoft.com/office/powerpoint/2010/main" val="319634454"/>
       </p:ext>
     </p:extLst>
   </p:cSld>
@@ -4032,7 +6620,7 @@
           <p:cNvPr id="2" name="Título 1">
             <a:extLst>
               <a:ext uri="{FF2B5EF4-FFF2-40B4-BE49-F238E27FC236}">
-                <a16:creationId xmlns:a16="http://schemas.microsoft.com/office/drawing/2014/main" id="{80200EFA-D80D-2DF9-5CF8-BB15564631F9}"/>
+                <a16:creationId xmlns:a16="http://schemas.microsoft.com/office/drawing/2014/main" id="{33BC449B-827F-F94B-AB47-94A3DD5A6AD2}"/>
               </a:ext>
             </a:extLst>
           </p:cNvPr>
@@ -4050,7 +6638,7 @@
           <a:p>
             <a:r>
               <a:rPr lang="es-CL" dirty="0"/>
-              <a:t>Regresión Lineal</a:t>
+              <a:t>Clustering</a:t>
             </a:r>
           </a:p>
         </p:txBody>
@@ -4060,7 +6648,7 @@
           <p:cNvPr id="3" name="Marcador de contenido 2">
             <a:extLst>
               <a:ext uri="{FF2B5EF4-FFF2-40B4-BE49-F238E27FC236}">
-                <a16:creationId xmlns:a16="http://schemas.microsoft.com/office/drawing/2014/main" id="{4B444548-7F5E-3BD6-D49B-802DCFFB4B2D}"/>
+                <a16:creationId xmlns:a16="http://schemas.microsoft.com/office/drawing/2014/main" id="{B0AA87E7-2680-089D-9BF3-77DB4EF47C48}"/>
               </a:ext>
             </a:extLst>
           </p:cNvPr>
@@ -4076,14 +6664,50 @@
           <a:bodyPr/>
           <a:lstStyle/>
           <a:p>
-            <a:endParaRPr lang="es-CL"/>
-          </a:p>
-        </p:txBody>
-      </p:sp>
+            <a:r>
+              <a:rPr lang="es-CL" dirty="0"/>
+              <a:t>No se pueden sacar muchas conclusiones</a:t>
+            </a:r>
+          </a:p>
+          <a:p>
+            <a:endParaRPr lang="es-CL" dirty="0"/>
+          </a:p>
+        </p:txBody>
+      </p:sp>
+      <p:pic>
+        <p:nvPicPr>
+          <p:cNvPr id="5" name="Imagen 4">
+            <a:extLst>
+              <a:ext uri="{FF2B5EF4-FFF2-40B4-BE49-F238E27FC236}">
+                <a16:creationId xmlns:a16="http://schemas.microsoft.com/office/drawing/2014/main" id="{6B7EEA18-D949-0D86-E3BB-D4DA46BBA53B}"/>
+              </a:ext>
+            </a:extLst>
+          </p:cNvPr>
+          <p:cNvPicPr>
+            <a:picLocks noChangeAspect="1"/>
+          </p:cNvPicPr>
+          <p:nvPr/>
+        </p:nvPicPr>
+        <p:blipFill>
+          <a:blip r:embed="rId2"/>
+          <a:stretch>
+            <a:fillRect/>
+          </a:stretch>
+        </p:blipFill>
+        <p:spPr>
+          <a:xfrm>
+            <a:off x="7335520" y="2285999"/>
+            <a:ext cx="4601344" cy="4237491"/>
+          </a:xfrm>
+          <a:prstGeom prst="rect">
+            <a:avLst/>
+          </a:prstGeom>
+        </p:spPr>
+      </p:pic>
     </p:spTree>
     <p:extLst>
       <p:ext uri="{BB962C8B-B14F-4D97-AF65-F5344CB8AC3E}">
-        <p14:creationId xmlns:p14="http://schemas.microsoft.com/office/powerpoint/2010/main" val="141558343"/>
+        <p14:creationId xmlns:p14="http://schemas.microsoft.com/office/powerpoint/2010/main" val="1634738478"/>
       </p:ext>
     </p:extLst>
   </p:cSld>
@@ -4115,6 +6739,89 @@
           <p:cNvPr id="2" name="Título 1">
             <a:extLst>
               <a:ext uri="{FF2B5EF4-FFF2-40B4-BE49-F238E27FC236}">
+                <a16:creationId xmlns:a16="http://schemas.microsoft.com/office/drawing/2014/main" id="{80200EFA-D80D-2DF9-5CF8-BB15564631F9}"/>
+              </a:ext>
+            </a:extLst>
+          </p:cNvPr>
+          <p:cNvSpPr>
+            <a:spLocks noGrp="1"/>
+          </p:cNvSpPr>
+          <p:nvPr>
+            <p:ph type="title"/>
+          </p:nvPr>
+        </p:nvSpPr>
+        <p:spPr/>
+        <p:txBody>
+          <a:bodyPr/>
+          <a:lstStyle/>
+          <a:p>
+            <a:r>
+              <a:rPr lang="es-CL" dirty="0"/>
+              <a:t>Regresión Lineal</a:t>
+            </a:r>
+          </a:p>
+        </p:txBody>
+      </p:sp>
+      <p:sp>
+        <p:nvSpPr>
+          <p:cNvPr id="3" name="Marcador de contenido 2">
+            <a:extLst>
+              <a:ext uri="{FF2B5EF4-FFF2-40B4-BE49-F238E27FC236}">
+                <a16:creationId xmlns:a16="http://schemas.microsoft.com/office/drawing/2014/main" id="{4B444548-7F5E-3BD6-D49B-802DCFFB4B2D}"/>
+              </a:ext>
+            </a:extLst>
+          </p:cNvPr>
+          <p:cNvSpPr>
+            <a:spLocks noGrp="1"/>
+          </p:cNvSpPr>
+          <p:nvPr>
+            <p:ph idx="1"/>
+          </p:nvPr>
+        </p:nvSpPr>
+        <p:spPr/>
+        <p:txBody>
+          <a:bodyPr/>
+          <a:lstStyle/>
+          <a:p>
+            <a:endParaRPr lang="es-CL"/>
+          </a:p>
+        </p:txBody>
+      </p:sp>
+    </p:spTree>
+    <p:extLst>
+      <p:ext uri="{BB962C8B-B14F-4D97-AF65-F5344CB8AC3E}">
+        <p14:creationId xmlns:p14="http://schemas.microsoft.com/office/powerpoint/2010/main" val="141558343"/>
+      </p:ext>
+    </p:extLst>
+  </p:cSld>
+  <p:clrMapOvr>
+    <a:masterClrMapping/>
+  </p:clrMapOvr>
+</p:sld>
+</file>
+
+<file path=ppt/slides/slide9.xml><?xml version="1.0" encoding="utf-8"?>
+<p:sld xmlns:a="http://schemas.openxmlformats.org/drawingml/2006/main" xmlns:r="http://schemas.openxmlformats.org/officeDocument/2006/relationships" xmlns:p="http://schemas.openxmlformats.org/presentationml/2006/main">
+  <p:cSld>
+    <p:spTree>
+      <p:nvGrpSpPr>
+        <p:cNvPr id="1" name=""/>
+        <p:cNvGrpSpPr/>
+        <p:nvPr/>
+      </p:nvGrpSpPr>
+      <p:grpSpPr>
+        <a:xfrm>
+          <a:off x="0" y="0"/>
+          <a:ext cx="0" cy="0"/>
+          <a:chOff x="0" y="0"/>
+          <a:chExt cx="0" cy="0"/>
+        </a:xfrm>
+      </p:grpSpPr>
+      <p:sp>
+        <p:nvSpPr>
+          <p:cNvPr id="2" name="Título 1">
+            <a:extLst>
+              <a:ext uri="{FF2B5EF4-FFF2-40B4-BE49-F238E27FC236}">
                 <a16:creationId xmlns:a16="http://schemas.microsoft.com/office/drawing/2014/main" id="{D52BED88-12BC-2DD1-BE95-816D93DA7598}"/>
               </a:ext>
             </a:extLst>
@@ -4186,9 +6893,9 @@
 </file>
 
 <file path=ppt/theme/theme1.xml><?xml version="1.0" encoding="utf-8"?>
-<a:theme xmlns:a="http://schemas.openxmlformats.org/drawingml/2006/main" name="Tema de Office">
+<a:theme xmlns:a="http://schemas.openxmlformats.org/drawingml/2006/main" name="Orgánico">
   <a:themeElements>
-    <a:clrScheme name="Office">
+    <a:clrScheme name="Orgánico">
       <a:dk1>
         <a:sysClr val="windowText" lastClr="000000"/>
       </a:dk1>
@@ -4196,44 +6903,79 @@
         <a:sysClr val="window" lastClr="FFFFFF"/>
       </a:lt1>
       <a:dk2>
-        <a:srgbClr val="44546A"/>
+        <a:srgbClr val="212121"/>
       </a:dk2>
       <a:lt2>
-        <a:srgbClr val="E7E6E6"/>
+        <a:srgbClr val="DADADA"/>
       </a:lt2>
       <a:accent1>
-        <a:srgbClr val="4472C4"/>
+        <a:srgbClr val="83992A"/>
       </a:accent1>
       <a:accent2>
-        <a:srgbClr val="ED7D31"/>
+        <a:srgbClr val="3C9770"/>
       </a:accent2>
       <a:accent3>
-        <a:srgbClr val="A5A5A5"/>
+        <a:srgbClr val="44709D"/>
       </a:accent3>
       <a:accent4>
-        <a:srgbClr val="FFC000"/>
+        <a:srgbClr val="A23C33"/>
       </a:accent4>
       <a:accent5>
-        <a:srgbClr val="5B9BD5"/>
+        <a:srgbClr val="D97828"/>
       </a:accent5>
       <a:accent6>
-        <a:srgbClr val="70AD47"/>
+        <a:srgbClr val="DEB340"/>
       </a:accent6>
       <a:hlink>
-        <a:srgbClr val="0563C1"/>
+        <a:srgbClr val="A8BF4D"/>
       </a:hlink>
       <a:folHlink>
-        <a:srgbClr val="954F72"/>
+        <a:srgbClr val="B4CA80"/>
       </a:folHlink>
     </a:clrScheme>
-    <a:fontScheme name="Office">
+    <a:fontScheme name="Orgánico">
       <a:majorFont>
-        <a:latin typeface="Calibri Light" panose="020F0302020204030204"/>
+        <a:latin typeface="Garamond" panose="02020404030301010803"/>
         <a:ea typeface=""/>
         <a:cs typeface=""/>
-        <a:font script="Jpan" typeface="游ゴシック Light"/>
-        <a:font script="Hang" typeface="맑은 고딕"/>
-        <a:font script="Hans" typeface="等线 Light"/>
+        <a:font script="Jpan" typeface="ＭＳ Ｐゴシック"/>
+        <a:font script="Hang" typeface="돋움"/>
+        <a:font script="Hans" typeface="方正舒体"/>
+        <a:font script="Hant" typeface="微軟正黑體"/>
+        <a:font script="Arab" typeface="Arial"/>
+        <a:font script="Hebr" typeface="Arial"/>
+        <a:font script="Thai" typeface="Cordia New"/>
+        <a:font script="Ethi" typeface="Nyala"/>
+        <a:font script="Beng" typeface="Vrinda"/>
+        <a:font script="Gujr" typeface="Shruti"/>
+        <a:font script="Khmr" typeface="DaunPenh"/>
+        <a:font script="Knda" typeface="Tunga"/>
+        <a:font script="Guru" typeface="Raavi"/>
+        <a:font script="Cans" typeface="Euphemia"/>
+        <a:font script="Cher" typeface="Plantagenet Cherokee"/>
+        <a:font script="Yiii" typeface="Microsoft Yi Baiti"/>
+        <a:font script="Tibt" typeface="Microsoft Himalaya"/>
+        <a:font script="Thaa" typeface="MV Boli"/>
+        <a:font script="Deva" typeface="Mangal"/>
+        <a:font script="Telu" typeface="Gautami"/>
+        <a:font script="Taml" typeface="Latha"/>
+        <a:font script="Syrc" typeface="Estrangelo Edessa"/>
+        <a:font script="Orya" typeface="Kalinga"/>
+        <a:font script="Mlym" typeface="Kartika"/>
+        <a:font script="Laoo" typeface="DokChampa"/>
+        <a:font script="Sinh" typeface="Iskoola Pota"/>
+        <a:font script="Mong" typeface="Mongolian Baiti"/>
+        <a:font script="Viet" typeface="Arial"/>
+        <a:font script="Uigh" typeface="Microsoft Uighur"/>
+        <a:font script="Geor" typeface="Sylfaen"/>
+      </a:majorFont>
+      <a:minorFont>
+        <a:latin typeface="Garamond" panose="02020404030301010803"/>
+        <a:ea typeface=""/>
+        <a:cs typeface=""/>
+        <a:font script="Jpan" typeface="ＭＳ Ｐ明朝"/>
+        <a:font script="Hang" typeface="바탕"/>
+        <a:font script="Hans" typeface="方正舒体"/>
         <a:font script="Hant" typeface="新細明體"/>
         <a:font script="Arab" typeface="Times New Roman"/>
         <a:font script="Hebr" typeface="Times New Roman"/>
@@ -4261,78 +7003,9 @@
         <a:font script="Viet" typeface="Times New Roman"/>
         <a:font script="Uigh" typeface="Microsoft Uighur"/>
         <a:font script="Geor" typeface="Sylfaen"/>
-        <a:font script="Armn" typeface="Arial"/>
-        <a:font script="Bugi" typeface="Leelawadee UI"/>
-        <a:font script="Bopo" typeface="Microsoft JhengHei"/>
-        <a:font script="Java" typeface="Javanese Text"/>
-        <a:font script="Lisu" typeface="Segoe UI"/>
-        <a:font script="Mymr" typeface="Myanmar Text"/>
-        <a:font script="Nkoo" typeface="Ebrima"/>
-        <a:font script="Olck" typeface="Nirmala UI"/>
-        <a:font script="Osma" typeface="Ebrima"/>
-        <a:font script="Phag" typeface="Phagspa"/>
-        <a:font script="Syrn" typeface="Estrangelo Edessa"/>
-        <a:font script="Syrj" typeface="Estrangelo Edessa"/>
-        <a:font script="Syre" typeface="Estrangelo Edessa"/>
-        <a:font script="Sora" typeface="Nirmala UI"/>
-        <a:font script="Tale" typeface="Microsoft Tai Le"/>
-        <a:font script="Talu" typeface="Microsoft New Tai Lue"/>
-        <a:font script="Tfng" typeface="Ebrima"/>
-      </a:majorFont>
-      <a:minorFont>
-        <a:latin typeface="Calibri" panose="020F0502020204030204"/>
-        <a:ea typeface=""/>
-        <a:cs typeface=""/>
-        <a:font script="Jpan" typeface="游ゴシック"/>
-        <a:font script="Hang" typeface="맑은 고딕"/>
-        <a:font script="Hans" typeface="等线"/>
-        <a:font script="Hant" typeface="新細明體"/>
-        <a:font script="Arab" typeface="Arial"/>
-        <a:font script="Hebr" typeface="Arial"/>
-        <a:font script="Thai" typeface="Cordia New"/>
-        <a:font script="Ethi" typeface="Nyala"/>
-        <a:font script="Beng" typeface="Vrinda"/>
-        <a:font script="Gujr" typeface="Shruti"/>
-        <a:font script="Khmr" typeface="DaunPenh"/>
-        <a:font script="Knda" typeface="Tunga"/>
-        <a:font script="Guru" typeface="Raavi"/>
-        <a:font script="Cans" typeface="Euphemia"/>
-        <a:font script="Cher" typeface="Plantagenet Cherokee"/>
-        <a:font script="Yiii" typeface="Microsoft Yi Baiti"/>
-        <a:font script="Tibt" typeface="Microsoft Himalaya"/>
-        <a:font script="Thaa" typeface="MV Boli"/>
-        <a:font script="Deva" typeface="Mangal"/>
-        <a:font script="Telu" typeface="Gautami"/>
-        <a:font script="Taml" typeface="Latha"/>
-        <a:font script="Syrc" typeface="Estrangelo Edessa"/>
-        <a:font script="Orya" typeface="Kalinga"/>
-        <a:font script="Mlym" typeface="Kartika"/>
-        <a:font script="Laoo" typeface="DokChampa"/>
-        <a:font script="Sinh" typeface="Iskoola Pota"/>
-        <a:font script="Mong" typeface="Mongolian Baiti"/>
-        <a:font script="Viet" typeface="Arial"/>
-        <a:font script="Uigh" typeface="Microsoft Uighur"/>
-        <a:font script="Geor" typeface="Sylfaen"/>
-        <a:font script="Armn" typeface="Arial"/>
-        <a:font script="Bugi" typeface="Leelawadee UI"/>
-        <a:font script="Bopo" typeface="Microsoft JhengHei"/>
-        <a:font script="Java" typeface="Javanese Text"/>
-        <a:font script="Lisu" typeface="Segoe UI"/>
-        <a:font script="Mymr" typeface="Myanmar Text"/>
-        <a:font script="Nkoo" typeface="Ebrima"/>
-        <a:font script="Olck" typeface="Nirmala UI"/>
-        <a:font script="Osma" typeface="Ebrima"/>
-        <a:font script="Phag" typeface="Phagspa"/>
-        <a:font script="Syrn" typeface="Estrangelo Edessa"/>
-        <a:font script="Syrj" typeface="Estrangelo Edessa"/>
-        <a:font script="Syre" typeface="Estrangelo Edessa"/>
-        <a:font script="Sora" typeface="Nirmala UI"/>
-        <a:font script="Tale" typeface="Microsoft Tai Le"/>
-        <a:font script="Talu" typeface="Microsoft New Tai Lue"/>
-        <a:font script="Tfng" typeface="Ebrima"/>
       </a:minorFont>
     </a:fontScheme>
-    <a:fmtScheme name="Office">
+    <a:fmtScheme name="Orgánico">
       <a:fillStyleLst>
         <a:solidFill>
           <a:schemeClr val="phClr"/>
@@ -4341,76 +7014,54 @@
           <a:gsLst>
             <a:gs pos="0">
               <a:schemeClr val="phClr">
+                <a:tint val="60000"/>
                 <a:lumMod val="110000"/>
-                <a:satMod val="105000"/>
-                <a:tint val="67000"/>
-              </a:schemeClr>
-            </a:gs>
-            <a:gs pos="50000">
-              <a:schemeClr val="phClr">
-                <a:lumMod val="105000"/>
-                <a:satMod val="103000"/>
-                <a:tint val="73000"/>
               </a:schemeClr>
             </a:gs>
             <a:gs pos="100000">
               <a:schemeClr val="phClr">
-                <a:lumMod val="105000"/>
-                <a:satMod val="109000"/>
-                <a:tint val="81000"/>
+                <a:tint val="82000"/>
               </a:schemeClr>
             </a:gs>
           </a:gsLst>
           <a:lin ang="5400000" scaled="0"/>
         </a:gradFill>
-        <a:gradFill rotWithShape="1">
-          <a:gsLst>
-            <a:gs pos="0">
+        <a:blipFill>
+          <a:blip xmlns:r="http://schemas.openxmlformats.org/officeDocument/2006/relationships" r:embed="rId1">
+            <a:duotone>
               <a:schemeClr val="phClr">
-                <a:satMod val="103000"/>
-                <a:lumMod val="102000"/>
+                <a:shade val="74000"/>
+                <a:satMod val="130000"/>
+                <a:lumMod val="90000"/>
+              </a:schemeClr>
+              <a:schemeClr val="phClr">
                 <a:tint val="94000"/>
+                <a:satMod val="120000"/>
+                <a:lumMod val="104000"/>
               </a:schemeClr>
-            </a:gs>
-            <a:gs pos="50000">
-              <a:schemeClr val="phClr">
-                <a:satMod val="110000"/>
-                <a:lumMod val="100000"/>
-                <a:shade val="100000"/>
-              </a:schemeClr>
-            </a:gs>
-            <a:gs pos="100000">
-              <a:schemeClr val="phClr">
-                <a:lumMod val="99000"/>
-                <a:satMod val="120000"/>
-                <a:shade val="78000"/>
-              </a:schemeClr>
-            </a:gs>
-          </a:gsLst>
-          <a:lin ang="5400000" scaled="0"/>
-        </a:gradFill>
+            </a:duotone>
+          </a:blip>
+          <a:tile tx="0" ty="0" sx="100000" sy="100000" flip="none" algn="tl"/>
+        </a:blipFill>
       </a:fillStyleLst>
       <a:lnStyleLst>
-        <a:ln w="6350" cap="flat" cmpd="sng" algn="ctr">
+        <a:ln w="9525" cap="flat" cmpd="sng" algn="ctr">
           <a:solidFill>
             <a:schemeClr val="phClr"/>
           </a:solidFill>
           <a:prstDash val="solid"/>
-          <a:miter lim="800000"/>
         </a:ln>
-        <a:ln w="12700" cap="flat" cmpd="sng" algn="ctr">
+        <a:ln w="15875" cap="flat" cmpd="sng" algn="ctr">
           <a:solidFill>
             <a:schemeClr val="phClr"/>
           </a:solidFill>
           <a:prstDash val="solid"/>
-          <a:miter lim="800000"/>
         </a:ln>
-        <a:ln w="19050" cap="flat" cmpd="sng" algn="ctr">
+        <a:ln w="25400" cap="flat" cmpd="sng" algn="ctr">
           <a:solidFill>
             <a:schemeClr val="phClr"/>
           </a:solidFill>
           <a:prstDash val="solid"/>
-          <a:miter lim="800000"/>
         </a:ln>
       </a:lnStyleLst>
       <a:effectStyleLst>
@@ -4418,13 +7069,19 @@
           <a:effectLst/>
         </a:effectStyle>
         <a:effectStyle>
-          <a:effectLst/>
+          <a:effectLst>
+            <a:innerShdw blurRad="25400" dist="12700" dir="13500000">
+              <a:srgbClr val="000000">
+                <a:alpha val="45000"/>
+              </a:srgbClr>
+            </a:innerShdw>
+          </a:effectLst>
         </a:effectStyle>
         <a:effectStyle>
           <a:effectLst>
-            <a:outerShdw blurRad="57150" dist="19050" dir="5400000" algn="ctr" rotWithShape="0">
+            <a:outerShdw blurRad="38100" dist="25400" dir="5400000" rotWithShape="0">
               <a:srgbClr val="000000">
-                <a:alpha val="63000"/>
+                <a:alpha val="60000"/>
               </a:srgbClr>
             </a:outerShdw>
           </a:effectLst>
@@ -4434,39 +7091,27 @@
         <a:solidFill>
           <a:schemeClr val="phClr"/>
         </a:solidFill>
-        <a:solidFill>
-          <a:schemeClr val="phClr">
-            <a:tint val="95000"/>
-            <a:satMod val="170000"/>
-          </a:schemeClr>
-        </a:solidFill>
         <a:gradFill rotWithShape="1">
           <a:gsLst>
             <a:gs pos="0">
               <a:schemeClr val="phClr">
-                <a:tint val="93000"/>
-                <a:satMod val="150000"/>
-                <a:shade val="98000"/>
-                <a:lumMod val="102000"/>
-              </a:schemeClr>
-            </a:gs>
-            <a:gs pos="50000">
-              <a:schemeClr val="phClr">
-                <a:tint val="98000"/>
-                <a:satMod val="130000"/>
-                <a:shade val="90000"/>
-                <a:lumMod val="103000"/>
+                <a:tint val="90000"/>
+                <a:lumMod val="110000"/>
               </a:schemeClr>
             </a:gs>
             <a:gs pos="100000">
               <a:schemeClr val="phClr">
-                <a:shade val="63000"/>
-                <a:satMod val="120000"/>
+                <a:shade val="88000"/>
+                <a:lumMod val="98000"/>
               </a:schemeClr>
             </a:gs>
           </a:gsLst>
           <a:lin ang="5400000" scaled="0"/>
         </a:gradFill>
+        <a:blipFill>
+          <a:blip xmlns:r="http://schemas.openxmlformats.org/officeDocument/2006/relationships" r:embed="rId2"/>
+          <a:stretch/>
+        </a:blipFill>
       </a:bgFillStyleLst>
     </a:fmtScheme>
   </a:themeElements>
@@ -4474,8 +7119,211 @@
   <a:extraClrSchemeLst/>
   <a:extLst>
     <a:ext uri="{05A4C25C-085E-4340-85A3-A5531E510DB2}">
-      <thm15:themeFamily xmlns:thm15="http://schemas.microsoft.com/office/thememl/2012/main" name="Office Theme" id="{62F939B6-93AF-4DB8-9C6B-D6C7DFDC589F}" vid="{4A3C46E8-61CC-4603-A589-7422A47A8E4A}"/>
+      <thm15:themeFamily xmlns:thm15="http://schemas.microsoft.com/office/thememl/2012/main" name="Organic" id="{28CDC826-8792-45C0-861B-85EB3ADEDA33}" vid="{7DAC20F1-423D-49E2-BD0B-50532748BAD0}"/>
     </a:ext>
   </a:extLst>
 </a:theme>
+</file>
+
+<file path=customXml/item1.xml><?xml version="1.0" encoding="utf-8"?>
+<?mso-contentType ?>
+<FormTemplates xmlns="http://schemas.microsoft.com/sharepoint/v3/contenttype/forms">
+  <Display>DocumentLibraryForm</Display>
+  <Edit>DocumentLibraryForm</Edit>
+  <New>DocumentLibraryForm</New>
+</FormTemplates>
+</file>
+
+<file path=customXml/item2.xml><?xml version="1.0" encoding="utf-8"?>
+<p:properties xmlns:p="http://schemas.microsoft.com/office/2006/metadata/properties" xmlns:xsi="http://www.w3.org/2001/XMLSchema-instance" xmlns:pc="http://schemas.microsoft.com/office/infopath/2007/PartnerControls">
+  <documentManagement/>
+</p:properties>
+</file>
+
+<file path=customXml/item3.xml><?xml version="1.0" encoding="utf-8"?>
+<ct:contentTypeSchema xmlns:ct="http://schemas.microsoft.com/office/2006/metadata/contentType" xmlns:ma="http://schemas.microsoft.com/office/2006/metadata/properties/metaAttributes" ct:_="" ma:_="" ma:contentTypeName="Document" ma:contentTypeID="0x0101009DFE38729CD90144AD67A62BF5BB3839" ma:contentTypeVersion="4" ma:contentTypeDescription="Create a new document." ma:contentTypeScope="" ma:versionID="3c43f17dc24c913ad5699cd2478e7e37">
+  <xsd:schema xmlns:xsd="http://www.w3.org/2001/XMLSchema" xmlns:xs="http://www.w3.org/2001/XMLSchema" xmlns:p="http://schemas.microsoft.com/office/2006/metadata/properties" xmlns:ns3="4ca8f012-52bd-4e48-bf97-15e8018b398e" targetNamespace="http://schemas.microsoft.com/office/2006/metadata/properties" ma:root="true" ma:fieldsID="457b2b0b429558e99aca9f208527bab5" ns3:_="">
+    <xsd:import namespace="4ca8f012-52bd-4e48-bf97-15e8018b398e"/>
+    <xsd:element name="properties">
+      <xsd:complexType>
+        <xsd:sequence>
+          <xsd:element name="documentManagement">
+            <xsd:complexType>
+              <xsd:all>
+                <xsd:element ref="ns3:MediaServiceMetadata" minOccurs="0"/>
+                <xsd:element ref="ns3:MediaServiceFastMetadata" minOccurs="0"/>
+                <xsd:element ref="ns3:MediaServiceAutoKeyPoints" minOccurs="0"/>
+                <xsd:element ref="ns3:MediaServiceKeyPoints" minOccurs="0"/>
+              </xsd:all>
+            </xsd:complexType>
+          </xsd:element>
+        </xsd:sequence>
+      </xsd:complexType>
+    </xsd:element>
+  </xsd:schema>
+  <xsd:schema xmlns:xsd="http://www.w3.org/2001/XMLSchema" xmlns:xs="http://www.w3.org/2001/XMLSchema" xmlns:dms="http://schemas.microsoft.com/office/2006/documentManagement/types" xmlns:pc="http://schemas.microsoft.com/office/infopath/2007/PartnerControls" targetNamespace="4ca8f012-52bd-4e48-bf97-15e8018b398e" elementFormDefault="qualified">
+    <xsd:import namespace="http://schemas.microsoft.com/office/2006/documentManagement/types"/>
+    <xsd:import namespace="http://schemas.microsoft.com/office/infopath/2007/PartnerControls"/>
+    <xsd:element name="MediaServiceMetadata" ma:index="8" nillable="true" ma:displayName="MediaServiceMetadata" ma:hidden="true" ma:internalName="MediaServiceMetadata" ma:readOnly="true">
+      <xsd:simpleType>
+        <xsd:restriction base="dms:Note"/>
+      </xsd:simpleType>
+    </xsd:element>
+    <xsd:element name="MediaServiceFastMetadata" ma:index="9" nillable="true" ma:displayName="MediaServiceFastMetadata" ma:hidden="true" ma:internalName="MediaServiceFastMetadata" ma:readOnly="true">
+      <xsd:simpleType>
+        <xsd:restriction base="dms:Note"/>
+      </xsd:simpleType>
+    </xsd:element>
+    <xsd:element name="MediaServiceAutoKeyPoints" ma:index="10" nillable="true" ma:displayName="MediaServiceAutoKeyPoints" ma:hidden="true" ma:internalName="MediaServiceAutoKeyPoints" ma:readOnly="true">
+      <xsd:simpleType>
+        <xsd:restriction base="dms:Note"/>
+      </xsd:simpleType>
+    </xsd:element>
+    <xsd:element name="MediaServiceKeyPoints" ma:index="11" nillable="true" ma:displayName="KeyPoints" ma:internalName="MediaServiceKeyPoints" ma:readOnly="true">
+      <xsd:simpleType>
+        <xsd:restriction base="dms:Note">
+          <xsd:maxLength value="255"/>
+        </xsd:restriction>
+      </xsd:simpleType>
+    </xsd:element>
+  </xsd:schema>
+  <xsd:schema xmlns="http://schemas.openxmlformats.org/package/2006/metadata/core-properties" xmlns:xsd="http://www.w3.org/2001/XMLSchema" xmlns:xsi="http://www.w3.org/2001/XMLSchema-instance" xmlns:dc="http://purl.org/dc/elements/1.1/" xmlns:dcterms="http://purl.org/dc/terms/" xmlns:odoc="http://schemas.microsoft.com/internal/obd" targetNamespace="http://schemas.openxmlformats.org/package/2006/metadata/core-properties" elementFormDefault="qualified" attributeFormDefault="unqualified" blockDefault="#all">
+    <xsd:import namespace="http://purl.org/dc/elements/1.1/" schemaLocation="http://dublincore.org/schemas/xmls/qdc/2003/04/02/dc.xsd"/>
+    <xsd:import namespace="http://purl.org/dc/terms/" schemaLocation="http://dublincore.org/schemas/xmls/qdc/2003/04/02/dcterms.xsd"/>
+    <xsd:element name="coreProperties" type="CT_coreProperties"/>
+    <xsd:complexType name="CT_coreProperties">
+      <xsd:all>
+        <xsd:element ref="dc:creator" minOccurs="0" maxOccurs="1"/>
+        <xsd:element ref="dcterms:created" minOccurs="0" maxOccurs="1"/>
+        <xsd:element ref="dc:identifier" minOccurs="0" maxOccurs="1"/>
+        <xsd:element name="contentType" minOccurs="0" maxOccurs="1" type="xsd:string" ma:index="0" ma:displayName="Content Type"/>
+        <xsd:element ref="dc:title" minOccurs="0" maxOccurs="1" ma:index="4" ma:displayName="Title"/>
+        <xsd:element ref="dc:subject" minOccurs="0" maxOccurs="1"/>
+        <xsd:element ref="dc:description" minOccurs="0" maxOccurs="1"/>
+        <xsd:element name="keywords" minOccurs="0" maxOccurs="1" type="xsd:string"/>
+        <xsd:element ref="dc:language" minOccurs="0" maxOccurs="1"/>
+        <xsd:element name="category" minOccurs="0" maxOccurs="1" type="xsd:string"/>
+        <xsd:element name="version" minOccurs="0" maxOccurs="1" type="xsd:string"/>
+        <xsd:element name="revision" minOccurs="0" maxOccurs="1" type="xsd:string">
+          <xsd:annotation>
+            <xsd:documentation>
+                        This value indicates the number of saves or revisions. The application is responsible for updating this value after each revision.
+                    </xsd:documentation>
+          </xsd:annotation>
+        </xsd:element>
+        <xsd:element name="lastModifiedBy" minOccurs="0" maxOccurs="1" type="xsd:string"/>
+        <xsd:element ref="dcterms:modified" minOccurs="0" maxOccurs="1"/>
+        <xsd:element name="contentStatus" minOccurs="0" maxOccurs="1" type="xsd:string"/>
+      </xsd:all>
+    </xsd:complexType>
+  </xsd:schema>
+  <xs:schema xmlns:pc="http://schemas.microsoft.com/office/infopath/2007/PartnerControls" xmlns:xs="http://www.w3.org/2001/XMLSchema" targetNamespace="http://schemas.microsoft.com/office/infopath/2007/PartnerControls" elementFormDefault="qualified" attributeFormDefault="unqualified">
+    <xs:element name="Person">
+      <xs:complexType>
+        <xs:sequence>
+          <xs:element ref="pc:DisplayName" minOccurs="0"/>
+          <xs:element ref="pc:AccountId" minOccurs="0"/>
+          <xs:element ref="pc:AccountType" minOccurs="0"/>
+        </xs:sequence>
+      </xs:complexType>
+    </xs:element>
+    <xs:element name="DisplayName" type="xs:string"/>
+    <xs:element name="AccountId" type="xs:string"/>
+    <xs:element name="AccountType" type="xs:string"/>
+    <xs:element name="BDCAssociatedEntity">
+      <xs:complexType>
+        <xs:sequence>
+          <xs:element ref="pc:BDCEntity" minOccurs="0" maxOccurs="unbounded"/>
+        </xs:sequence>
+        <xs:attribute ref="pc:EntityNamespace"/>
+        <xs:attribute ref="pc:EntityName"/>
+        <xs:attribute ref="pc:SystemInstanceName"/>
+        <xs:attribute ref="pc:AssociationName"/>
+      </xs:complexType>
+    </xs:element>
+    <xs:attribute name="EntityNamespace" type="xs:string"/>
+    <xs:attribute name="EntityName" type="xs:string"/>
+    <xs:attribute name="SystemInstanceName" type="xs:string"/>
+    <xs:attribute name="AssociationName" type="xs:string"/>
+    <xs:element name="BDCEntity">
+      <xs:complexType>
+        <xs:sequence>
+          <xs:element ref="pc:EntityDisplayName" minOccurs="0"/>
+          <xs:element ref="pc:EntityInstanceReference" minOccurs="0"/>
+          <xs:element ref="pc:EntityId1" minOccurs="0"/>
+          <xs:element ref="pc:EntityId2" minOccurs="0"/>
+          <xs:element ref="pc:EntityId3" minOccurs="0"/>
+          <xs:element ref="pc:EntityId4" minOccurs="0"/>
+          <xs:element ref="pc:EntityId5" minOccurs="0"/>
+        </xs:sequence>
+      </xs:complexType>
+    </xs:element>
+    <xs:element name="EntityDisplayName" type="xs:string"/>
+    <xs:element name="EntityInstanceReference" type="xs:string"/>
+    <xs:element name="EntityId1" type="xs:string"/>
+    <xs:element name="EntityId2" type="xs:string"/>
+    <xs:element name="EntityId3" type="xs:string"/>
+    <xs:element name="EntityId4" type="xs:string"/>
+    <xs:element name="EntityId5" type="xs:string"/>
+    <xs:element name="Terms">
+      <xs:complexType>
+        <xs:sequence>
+          <xs:element ref="pc:TermInfo" minOccurs="0" maxOccurs="unbounded"/>
+        </xs:sequence>
+      </xs:complexType>
+    </xs:element>
+    <xs:element name="TermInfo">
+      <xs:complexType>
+        <xs:sequence>
+          <xs:element ref="pc:TermName" minOccurs="0"/>
+          <xs:element ref="pc:TermId" minOccurs="0"/>
+        </xs:sequence>
+      </xs:complexType>
+    </xs:element>
+    <xs:element name="TermName" type="xs:string"/>
+    <xs:element name="TermId" type="xs:string"/>
+  </xs:schema>
+</ct:contentTypeSchema>
+</file>
+
+<file path=customXml/itemProps1.xml><?xml version="1.0" encoding="utf-8"?>
+<ds:datastoreItem xmlns:ds="http://schemas.openxmlformats.org/officeDocument/2006/customXml" ds:itemID="{60AC11E8-6782-4806-9C2E-258214D73956}">
+  <ds:schemaRefs>
+    <ds:schemaRef ds:uri="http://schemas.microsoft.com/sharepoint/v3/contenttype/forms"/>
+  </ds:schemaRefs>
+</ds:datastoreItem>
+</file>
+
+<file path=customXml/itemProps2.xml><?xml version="1.0" encoding="utf-8"?>
+<ds:datastoreItem xmlns:ds="http://schemas.openxmlformats.org/officeDocument/2006/customXml" ds:itemID="{512514E7-F4F0-4712-A1BD-86776B8B2E78}">
+  <ds:schemaRefs>
+    <ds:schemaRef ds:uri="http://schemas.openxmlformats.org/package/2006/metadata/core-properties"/>
+    <ds:schemaRef ds:uri="http://purl.org/dc/terms/"/>
+    <ds:schemaRef ds:uri="http://schemas.microsoft.com/office/2006/documentManagement/types"/>
+    <ds:schemaRef ds:uri="http://purl.org/dc/elements/1.1/"/>
+    <ds:schemaRef ds:uri="http://www.w3.org/XML/1998/namespace"/>
+    <ds:schemaRef ds:uri="http://schemas.microsoft.com/office/2006/metadata/properties"/>
+    <ds:schemaRef ds:uri="4ca8f012-52bd-4e48-bf97-15e8018b398e"/>
+    <ds:schemaRef ds:uri="http://schemas.microsoft.com/office/infopath/2007/PartnerControls"/>
+    <ds:schemaRef ds:uri="http://purl.org/dc/dcmitype/"/>
+  </ds:schemaRefs>
+</ds:datastoreItem>
+</file>
+
+<file path=customXml/itemProps3.xml><?xml version="1.0" encoding="utf-8"?>
+<ds:datastoreItem xmlns:ds="http://schemas.openxmlformats.org/officeDocument/2006/customXml" ds:itemID="{3FB349A8-216B-4BE2-A1CB-DE66991D90B3}">
+  <ds:schemaRefs>
+    <ds:schemaRef ds:uri="http://schemas.microsoft.com/office/2006/metadata/contentType"/>
+    <ds:schemaRef ds:uri="http://schemas.microsoft.com/office/2006/metadata/properties/metaAttributes"/>
+    <ds:schemaRef ds:uri="http://www.w3.org/2001/XMLSchema"/>
+    <ds:schemaRef ds:uri="http://schemas.microsoft.com/office/2006/metadata/properties"/>
+    <ds:schemaRef ds:uri="4ca8f012-52bd-4e48-bf97-15e8018b398e"/>
+    <ds:schemaRef ds:uri="http://schemas.microsoft.com/office/2006/documentManagement/types"/>
+    <ds:schemaRef ds:uri="http://schemas.microsoft.com/office/infopath/2007/PartnerControls"/>
+    <ds:schemaRef ds:uri="http://schemas.openxmlformats.org/package/2006/metadata/core-properties"/>
+    <ds:schemaRef ds:uri="http://purl.org/dc/elements/1.1/"/>
+    <ds:schemaRef ds:uri="http://purl.org/dc/terms/"/>
+    <ds:schemaRef ds:uri="http://schemas.microsoft.com/internal/obd"/>
+  </ds:schemaRefs>
+</ds:datastoreItem>
 </file>
--- a/presentacion.pptx
+++ b/presentacion.pptx
@@ -6535,7 +6535,7 @@
           <a:p>
             <a:r>
               <a:rPr lang="es-CL" dirty="0"/>
-              <a:t>Clara desigualdad en la cantidad de publicaciones</a:t>
+              <a:t>Clara desigualdad en la cantidad de publicaciones por región</a:t>
             </a:r>
           </a:p>
           <a:p>
@@ -6579,6 +6579,36 @@
           <a:xfrm>
             <a:off x="7269935" y="3738880"/>
             <a:ext cx="4099105" cy="2983196"/>
+          </a:xfrm>
+          <a:prstGeom prst="rect">
+            <a:avLst/>
+          </a:prstGeom>
+        </p:spPr>
+      </p:pic>
+      <p:pic>
+        <p:nvPicPr>
+          <p:cNvPr id="6" name="Imagen 5">
+            <a:extLst>
+              <a:ext uri="{FF2B5EF4-FFF2-40B4-BE49-F238E27FC236}">
+                <a16:creationId xmlns:a16="http://schemas.microsoft.com/office/drawing/2014/main" id="{C47B6AB5-616A-B0B2-6D43-DC26ED54243F}"/>
+              </a:ext>
+            </a:extLst>
+          </p:cNvPr>
+          <p:cNvPicPr>
+            <a:picLocks noChangeAspect="1"/>
+          </p:cNvPicPr>
+          <p:nvPr/>
+        </p:nvPicPr>
+        <p:blipFill>
+          <a:blip r:embed="rId3"/>
+          <a:stretch>
+            <a:fillRect/>
+          </a:stretch>
+        </p:blipFill>
+        <p:spPr>
+          <a:xfrm>
+            <a:off x="920644" y="4093041"/>
+            <a:ext cx="4102311" cy="2629035"/>
           </a:xfrm>
           <a:prstGeom prst="rect">
             <a:avLst/>
@@ -6670,7 +6700,19 @@
             </a:r>
           </a:p>
           <a:p>
-            <a:endParaRPr lang="es-CL" dirty="0"/>
+            <a:r>
+              <a:rPr lang="es-CL" dirty="0"/>
+              <a:t>Se puede ver una correlación entre mayor </a:t>
+            </a:r>
+          </a:p>
+          <a:p>
+            <a:pPr marL="0" indent="0">
+              <a:buNone/>
+            </a:pPr>
+            <a:r>
+              <a:rPr lang="es-CL" dirty="0"/>
+              <a:t>precio, menor kilometraje y año más reciente</a:t>
+            </a:r>
           </a:p>
         </p:txBody>
       </p:sp>
@@ -6750,7 +6792,12 @@
             <p:ph type="title"/>
           </p:nvPr>
         </p:nvSpPr>
-        <p:spPr/>
+        <p:spPr>
+          <a:xfrm>
+            <a:off x="-1793238" y="1019384"/>
+            <a:ext cx="9601196" cy="1303867"/>
+          </a:xfrm>
+        </p:spPr>
         <p:txBody>
           <a:bodyPr/>
           <a:lstStyle/>
@@ -6778,15 +6825,83 @@
             <p:ph idx="1"/>
           </p:nvPr>
         </p:nvSpPr>
-        <p:spPr/>
+        <p:spPr>
+          <a:xfrm>
+            <a:off x="706121" y="2729652"/>
+            <a:ext cx="9601196" cy="3318936"/>
+          </a:xfrm>
+        </p:spPr>
         <p:txBody>
           <a:bodyPr/>
           <a:lstStyle/>
           <a:p>
-            <a:endParaRPr lang="es-CL"/>
-          </a:p>
-        </p:txBody>
-      </p:sp>
+            <a:r>
+              <a:rPr lang="es-CL" dirty="0"/>
+              <a:t>Modelo más adecuado es regresión Lasso</a:t>
+            </a:r>
+          </a:p>
+        </p:txBody>
+      </p:sp>
+      <p:pic>
+        <p:nvPicPr>
+          <p:cNvPr id="5" name="Imagen 4">
+            <a:extLst>
+              <a:ext uri="{FF2B5EF4-FFF2-40B4-BE49-F238E27FC236}">
+                <a16:creationId xmlns:a16="http://schemas.microsoft.com/office/drawing/2014/main" id="{91E75B14-313D-E32B-032F-2238EC12EE22}"/>
+              </a:ext>
+            </a:extLst>
+          </p:cNvPr>
+          <p:cNvPicPr>
+            <a:picLocks noChangeAspect="1"/>
+          </p:cNvPicPr>
+          <p:nvPr/>
+        </p:nvPicPr>
+        <p:blipFill>
+          <a:blip r:embed="rId2"/>
+          <a:stretch>
+            <a:fillRect/>
+          </a:stretch>
+        </p:blipFill>
+        <p:spPr>
+          <a:xfrm>
+            <a:off x="2444562" y="3673820"/>
+            <a:ext cx="7302875" cy="2502029"/>
+          </a:xfrm>
+          <a:prstGeom prst="rect">
+            <a:avLst/>
+          </a:prstGeom>
+        </p:spPr>
+      </p:pic>
+      <p:pic>
+        <p:nvPicPr>
+          <p:cNvPr id="7" name="Imagen 6">
+            <a:extLst>
+              <a:ext uri="{FF2B5EF4-FFF2-40B4-BE49-F238E27FC236}">
+                <a16:creationId xmlns:a16="http://schemas.microsoft.com/office/drawing/2014/main" id="{2354275E-A51C-6ED8-4AA6-7BB4E6CF1AA6}"/>
+              </a:ext>
+            </a:extLst>
+          </p:cNvPr>
+          <p:cNvPicPr>
+            <a:picLocks noChangeAspect="1"/>
+          </p:cNvPicPr>
+          <p:nvPr/>
+        </p:nvPicPr>
+        <p:blipFill>
+          <a:blip r:embed="rId3"/>
+          <a:stretch>
+            <a:fillRect/>
+          </a:stretch>
+        </p:blipFill>
+        <p:spPr>
+          <a:xfrm>
+            <a:off x="7528747" y="711199"/>
+            <a:ext cx="3753043" cy="2654436"/>
+          </a:xfrm>
+          <a:prstGeom prst="rect">
+            <a:avLst/>
+          </a:prstGeom>
+        </p:spPr>
+      </p:pic>
     </p:spTree>
     <p:extLst>
       <p:ext uri="{BB962C8B-B14F-4D97-AF65-F5344CB8AC3E}">
@@ -7126,21 +7241,6 @@
 </file>
 
 <file path=customXml/item1.xml><?xml version="1.0" encoding="utf-8"?>
-<?mso-contentType ?>
-<FormTemplates xmlns="http://schemas.microsoft.com/sharepoint/v3/contenttype/forms">
-  <Display>DocumentLibraryForm</Display>
-  <Edit>DocumentLibraryForm</Edit>
-  <New>DocumentLibraryForm</New>
-</FormTemplates>
-</file>
-
-<file path=customXml/item2.xml><?xml version="1.0" encoding="utf-8"?>
-<p:properties xmlns:p="http://schemas.microsoft.com/office/2006/metadata/properties" xmlns:xsi="http://www.w3.org/2001/XMLSchema-instance" xmlns:pc="http://schemas.microsoft.com/office/infopath/2007/PartnerControls">
-  <documentManagement/>
-</p:properties>
-</file>
-
-<file path=customXml/item3.xml><?xml version="1.0" encoding="utf-8"?>
 <ct:contentTypeSchema xmlns:ct="http://schemas.microsoft.com/office/2006/metadata/contentType" xmlns:ma="http://schemas.microsoft.com/office/2006/metadata/properties/metaAttributes" ct:_="" ma:_="" ma:contentTypeName="Document" ma:contentTypeID="0x0101009DFE38729CD90144AD67A62BF5BB3839" ma:contentTypeVersion="4" ma:contentTypeDescription="Create a new document." ma:contentTypeScope="" ma:versionID="3c43f17dc24c913ad5699cd2478e7e37">
   <xsd:schema xmlns:xsd="http://www.w3.org/2001/XMLSchema" xmlns:xs="http://www.w3.org/2001/XMLSchema" xmlns:p="http://schemas.microsoft.com/office/2006/metadata/properties" xmlns:ns3="4ca8f012-52bd-4e48-bf97-15e8018b398e" targetNamespace="http://schemas.microsoft.com/office/2006/metadata/properties" ma:root="true" ma:fieldsID="457b2b0b429558e99aca9f208527bab5" ns3:_="">
     <xsd:import namespace="4ca8f012-52bd-4e48-bf97-15e8018b398e"/>
@@ -7286,10 +7386,35 @@
 </ct:contentTypeSchema>
 </file>
 
+<file path=customXml/item2.xml><?xml version="1.0" encoding="utf-8"?>
+<p:properties xmlns:p="http://schemas.microsoft.com/office/2006/metadata/properties" xmlns:xsi="http://www.w3.org/2001/XMLSchema-instance" xmlns:pc="http://schemas.microsoft.com/office/infopath/2007/PartnerControls">
+  <documentManagement/>
+</p:properties>
+</file>
+
+<file path=customXml/item3.xml><?xml version="1.0" encoding="utf-8"?>
+<?mso-contentType ?>
+<FormTemplates xmlns="http://schemas.microsoft.com/sharepoint/v3/contenttype/forms">
+  <Display>DocumentLibraryForm</Display>
+  <Edit>DocumentLibraryForm</Edit>
+  <New>DocumentLibraryForm</New>
+</FormTemplates>
+</file>
+
 <file path=customXml/itemProps1.xml><?xml version="1.0" encoding="utf-8"?>
-<ds:datastoreItem xmlns:ds="http://schemas.openxmlformats.org/officeDocument/2006/customXml" ds:itemID="{60AC11E8-6782-4806-9C2E-258214D73956}">
+<ds:datastoreItem xmlns:ds="http://schemas.openxmlformats.org/officeDocument/2006/customXml" ds:itemID="{3FB349A8-216B-4BE2-A1CB-DE66991D90B3}">
   <ds:schemaRefs>
-    <ds:schemaRef ds:uri="http://schemas.microsoft.com/sharepoint/v3/contenttype/forms"/>
+    <ds:schemaRef ds:uri="http://schemas.microsoft.com/office/2006/metadata/contentType"/>
+    <ds:schemaRef ds:uri="http://schemas.microsoft.com/office/2006/metadata/properties/metaAttributes"/>
+    <ds:schemaRef ds:uri="http://www.w3.org/2001/XMLSchema"/>
+    <ds:schemaRef ds:uri="http://schemas.microsoft.com/office/2006/metadata/properties"/>
+    <ds:schemaRef ds:uri="4ca8f012-52bd-4e48-bf97-15e8018b398e"/>
+    <ds:schemaRef ds:uri="http://schemas.microsoft.com/office/2006/documentManagement/types"/>
+    <ds:schemaRef ds:uri="http://schemas.microsoft.com/office/infopath/2007/PartnerControls"/>
+    <ds:schemaRef ds:uri="http://schemas.openxmlformats.org/package/2006/metadata/core-properties"/>
+    <ds:schemaRef ds:uri="http://purl.org/dc/elements/1.1/"/>
+    <ds:schemaRef ds:uri="http://purl.org/dc/terms/"/>
+    <ds:schemaRef ds:uri="http://schemas.microsoft.com/internal/obd"/>
   </ds:schemaRefs>
 </ds:datastoreItem>
 </file>
@@ -7311,19 +7436,9 @@
 </file>
 
 <file path=customXml/itemProps3.xml><?xml version="1.0" encoding="utf-8"?>
-<ds:datastoreItem xmlns:ds="http://schemas.openxmlformats.org/officeDocument/2006/customXml" ds:itemID="{3FB349A8-216B-4BE2-A1CB-DE66991D90B3}">
+<ds:datastoreItem xmlns:ds="http://schemas.openxmlformats.org/officeDocument/2006/customXml" ds:itemID="{60AC11E8-6782-4806-9C2E-258214D73956}">
   <ds:schemaRefs>
-    <ds:schemaRef ds:uri="http://schemas.microsoft.com/office/2006/metadata/contentType"/>
-    <ds:schemaRef ds:uri="http://schemas.microsoft.com/office/2006/metadata/properties/metaAttributes"/>
-    <ds:schemaRef ds:uri="http://www.w3.org/2001/XMLSchema"/>
-    <ds:schemaRef ds:uri="http://schemas.microsoft.com/office/2006/metadata/properties"/>
-    <ds:schemaRef ds:uri="4ca8f012-52bd-4e48-bf97-15e8018b398e"/>
-    <ds:schemaRef ds:uri="http://schemas.microsoft.com/office/2006/documentManagement/types"/>
-    <ds:schemaRef ds:uri="http://schemas.microsoft.com/office/infopath/2007/PartnerControls"/>
-    <ds:schemaRef ds:uri="http://schemas.openxmlformats.org/package/2006/metadata/core-properties"/>
-    <ds:schemaRef ds:uri="http://purl.org/dc/elements/1.1/"/>
-    <ds:schemaRef ds:uri="http://purl.org/dc/terms/"/>
-    <ds:schemaRef ds:uri="http://schemas.microsoft.com/internal/obd"/>
+    <ds:schemaRef ds:uri="http://schemas.microsoft.com/sharepoint/v3/contenttype/forms"/>
   </ds:schemaRefs>
 </ds:datastoreItem>
 </file>
--- a/presentacion.pptx
+++ b/presentacion.pptx
@@ -6992,6 +6992,22 @@
               <a:t>Datos parecen ser insuficientes para un análisis más preciso</a:t>
             </a:r>
           </a:p>
+          <a:p>
+            <a:r>
+              <a:rPr lang="es-CL" dirty="0"/>
+              <a:t>Los datos están muy concentrados en la </a:t>
+            </a:r>
+            <a:r>
+              <a:rPr lang="es-CL"/>
+              <a:t>región Metropolitana</a:t>
+            </a:r>
+          </a:p>
+          <a:p>
+            <a:endParaRPr lang="es-CL" dirty="0"/>
+          </a:p>
+          <a:p>
+            <a:endParaRPr lang="es-CL" dirty="0"/>
+          </a:p>
         </p:txBody>
       </p:sp>
     </p:spTree>
@@ -7241,6 +7257,21 @@
 </file>
 
 <file path=customXml/item1.xml><?xml version="1.0" encoding="utf-8"?>
+<?mso-contentType ?>
+<FormTemplates xmlns="http://schemas.microsoft.com/sharepoint/v3/contenttype/forms">
+  <Display>DocumentLibraryForm</Display>
+  <Edit>DocumentLibraryForm</Edit>
+  <New>DocumentLibraryForm</New>
+</FormTemplates>
+</file>
+
+<file path=customXml/item2.xml><?xml version="1.0" encoding="utf-8"?>
+<p:properties xmlns:p="http://schemas.microsoft.com/office/2006/metadata/properties" xmlns:xsi="http://www.w3.org/2001/XMLSchema-instance" xmlns:pc="http://schemas.microsoft.com/office/infopath/2007/PartnerControls">
+  <documentManagement/>
+</p:properties>
+</file>
+
+<file path=customXml/item3.xml><?xml version="1.0" encoding="utf-8"?>
 <ct:contentTypeSchema xmlns:ct="http://schemas.microsoft.com/office/2006/metadata/contentType" xmlns:ma="http://schemas.microsoft.com/office/2006/metadata/properties/metaAttributes" ct:_="" ma:_="" ma:contentTypeName="Document" ma:contentTypeID="0x0101009DFE38729CD90144AD67A62BF5BB3839" ma:contentTypeVersion="4" ma:contentTypeDescription="Create a new document." ma:contentTypeScope="" ma:versionID="3c43f17dc24c913ad5699cd2478e7e37">
   <xsd:schema xmlns:xsd="http://www.w3.org/2001/XMLSchema" xmlns:xs="http://www.w3.org/2001/XMLSchema" xmlns:p="http://schemas.microsoft.com/office/2006/metadata/properties" xmlns:ns3="4ca8f012-52bd-4e48-bf97-15e8018b398e" targetNamespace="http://schemas.microsoft.com/office/2006/metadata/properties" ma:root="true" ma:fieldsID="457b2b0b429558e99aca9f208527bab5" ns3:_="">
     <xsd:import namespace="4ca8f012-52bd-4e48-bf97-15e8018b398e"/>
@@ -7386,35 +7417,10 @@
 </ct:contentTypeSchema>
 </file>
 
-<file path=customXml/item2.xml><?xml version="1.0" encoding="utf-8"?>
-<p:properties xmlns:p="http://schemas.microsoft.com/office/2006/metadata/properties" xmlns:xsi="http://www.w3.org/2001/XMLSchema-instance" xmlns:pc="http://schemas.microsoft.com/office/infopath/2007/PartnerControls">
-  <documentManagement/>
-</p:properties>
-</file>
-
-<file path=customXml/item3.xml><?xml version="1.0" encoding="utf-8"?>
-<?mso-contentType ?>
-<FormTemplates xmlns="http://schemas.microsoft.com/sharepoint/v3/contenttype/forms">
-  <Display>DocumentLibraryForm</Display>
-  <Edit>DocumentLibraryForm</Edit>
-  <New>DocumentLibraryForm</New>
-</FormTemplates>
-</file>
-
 <file path=customXml/itemProps1.xml><?xml version="1.0" encoding="utf-8"?>
-<ds:datastoreItem xmlns:ds="http://schemas.openxmlformats.org/officeDocument/2006/customXml" ds:itemID="{3FB349A8-216B-4BE2-A1CB-DE66991D90B3}">
+<ds:datastoreItem xmlns:ds="http://schemas.openxmlformats.org/officeDocument/2006/customXml" ds:itemID="{60AC11E8-6782-4806-9C2E-258214D73956}">
   <ds:schemaRefs>
-    <ds:schemaRef ds:uri="http://schemas.microsoft.com/office/2006/metadata/contentType"/>
-    <ds:schemaRef ds:uri="http://schemas.microsoft.com/office/2006/metadata/properties/metaAttributes"/>
-    <ds:schemaRef ds:uri="http://www.w3.org/2001/XMLSchema"/>
-    <ds:schemaRef ds:uri="http://schemas.microsoft.com/office/2006/metadata/properties"/>
-    <ds:schemaRef ds:uri="4ca8f012-52bd-4e48-bf97-15e8018b398e"/>
-    <ds:schemaRef ds:uri="http://schemas.microsoft.com/office/2006/documentManagement/types"/>
-    <ds:schemaRef ds:uri="http://schemas.microsoft.com/office/infopath/2007/PartnerControls"/>
-    <ds:schemaRef ds:uri="http://schemas.openxmlformats.org/package/2006/metadata/core-properties"/>
-    <ds:schemaRef ds:uri="http://purl.org/dc/elements/1.1/"/>
-    <ds:schemaRef ds:uri="http://purl.org/dc/terms/"/>
-    <ds:schemaRef ds:uri="http://schemas.microsoft.com/internal/obd"/>
+    <ds:schemaRef ds:uri="http://schemas.microsoft.com/sharepoint/v3/contenttype/forms"/>
   </ds:schemaRefs>
 </ds:datastoreItem>
 </file>
@@ -7436,9 +7442,19 @@
 </file>
 
 <file path=customXml/itemProps3.xml><?xml version="1.0" encoding="utf-8"?>
-<ds:datastoreItem xmlns:ds="http://schemas.openxmlformats.org/officeDocument/2006/customXml" ds:itemID="{60AC11E8-6782-4806-9C2E-258214D73956}">
+<ds:datastoreItem xmlns:ds="http://schemas.openxmlformats.org/officeDocument/2006/customXml" ds:itemID="{3FB349A8-216B-4BE2-A1CB-DE66991D90B3}">
   <ds:schemaRefs>
-    <ds:schemaRef ds:uri="http://schemas.microsoft.com/sharepoint/v3/contenttype/forms"/>
+    <ds:schemaRef ds:uri="http://schemas.microsoft.com/office/2006/metadata/contentType"/>
+    <ds:schemaRef ds:uri="http://schemas.microsoft.com/office/2006/metadata/properties/metaAttributes"/>
+    <ds:schemaRef ds:uri="http://www.w3.org/2001/XMLSchema"/>
+    <ds:schemaRef ds:uri="http://schemas.microsoft.com/office/2006/metadata/properties"/>
+    <ds:schemaRef ds:uri="4ca8f012-52bd-4e48-bf97-15e8018b398e"/>
+    <ds:schemaRef ds:uri="http://schemas.microsoft.com/office/2006/documentManagement/types"/>
+    <ds:schemaRef ds:uri="http://schemas.microsoft.com/office/infopath/2007/PartnerControls"/>
+    <ds:schemaRef ds:uri="http://schemas.openxmlformats.org/package/2006/metadata/core-properties"/>
+    <ds:schemaRef ds:uri="http://purl.org/dc/elements/1.1/"/>
+    <ds:schemaRef ds:uri="http://purl.org/dc/terms/"/>
+    <ds:schemaRef ds:uri="http://schemas.microsoft.com/internal/obd"/>
   </ds:schemaRefs>
 </ds:datastoreItem>
 </file>